--- a/Midterm Presentation/Midterm Presentation.pptx
+++ b/Midterm Presentation/Midterm Presentation.pptx
@@ -24,10 +24,6 @@
     <p:sldId id="269" r:id="rId20"/>
     <p:sldId id="270" r:id="rId21"/>
     <p:sldId id="271" r:id="rId22"/>
-    <p:sldId id="272" r:id="rId23"/>
-    <p:sldId id="273" r:id="rId24"/>
-    <p:sldId id="274" r:id="rId25"/>
-    <p:sldId id="275" r:id="rId26"/>
   </p:sldIdLst>
   <p:sldSz cy="5143500" cx="9144000"/>
   <p:notesSz cx="6858000" cy="9144000"/>
@@ -809,7 +805,7 @@
   <p:cSld>
     <p:spTree>
       <p:nvGrpSpPr>
-        <p:cNvPr id="153" name="Shape 153"/>
+        <p:cNvPr id="148" name="Shape 148"/>
         <p:cNvGrpSpPr/>
         <p:nvPr/>
       </p:nvGrpSpPr>
@@ -823,7 +819,7 @@
       </p:grpSpPr>
       <p:sp>
         <p:nvSpPr>
-          <p:cNvPr id="154" name="Google Shape;154;g1215800eb92_1_7:notes"/>
+          <p:cNvPr id="149" name="Google Shape;149;g1215800eb92_1_37:notes"/>
           <p:cNvSpPr/>
           <p:nvPr>
             <p:ph idx="2" type="sldImg"/>
@@ -858,7 +854,7 @@
       </p:sp>
       <p:sp>
         <p:nvSpPr>
-          <p:cNvPr id="155" name="Google Shape;155;g1215800eb92_1_7:notes"/>
+          <p:cNvPr id="150" name="Google Shape;150;g1215800eb92_1_37:notes"/>
           <p:cNvSpPr txBox="1"/>
           <p:nvPr>
             <p:ph idx="1" type="body"/>
@@ -908,7 +904,7 @@
   <p:cSld>
     <p:spTree>
       <p:nvGrpSpPr>
-        <p:cNvPr id="159" name="Shape 159"/>
+        <p:cNvPr id="155" name="Shape 155"/>
         <p:cNvGrpSpPr/>
         <p:nvPr/>
       </p:nvGrpSpPr>
@@ -922,7 +918,7 @@
       </p:grpSpPr>
       <p:sp>
         <p:nvSpPr>
-          <p:cNvPr id="160" name="Google Shape;160;g1215800eb92_1_12:notes"/>
+          <p:cNvPr id="156" name="Google Shape;156;g1215800eb92_1_42:notes"/>
           <p:cNvSpPr/>
           <p:nvPr>
             <p:ph idx="2" type="sldImg"/>
@@ -957,7 +953,7 @@
       </p:sp>
       <p:sp>
         <p:nvSpPr>
-          <p:cNvPr id="161" name="Google Shape;161;g1215800eb92_1_12:notes"/>
+          <p:cNvPr id="157" name="Google Shape;157;g1215800eb92_1_42:notes"/>
           <p:cNvSpPr txBox="1"/>
           <p:nvPr>
             <p:ph idx="1" type="body"/>
@@ -1007,7 +1003,7 @@
   <p:cSld>
     <p:spTree>
       <p:nvGrpSpPr>
-        <p:cNvPr id="165" name="Shape 165"/>
+        <p:cNvPr id="162" name="Shape 162"/>
         <p:cNvGrpSpPr/>
         <p:nvPr/>
       </p:nvGrpSpPr>
@@ -1021,7 +1017,7 @@
       </p:grpSpPr>
       <p:sp>
         <p:nvSpPr>
-          <p:cNvPr id="166" name="Google Shape;166;g1215800eb92_1_22:notes"/>
+          <p:cNvPr id="163" name="Google Shape;163;g1215800eb92_1_50:notes"/>
           <p:cNvSpPr/>
           <p:nvPr>
             <p:ph idx="2" type="sldImg"/>
@@ -1056,7 +1052,7 @@
       </p:sp>
       <p:sp>
         <p:nvSpPr>
-          <p:cNvPr id="167" name="Google Shape;167;g1215800eb92_1_22:notes"/>
+          <p:cNvPr id="164" name="Google Shape;164;g1215800eb92_1_50:notes"/>
           <p:cNvSpPr txBox="1"/>
           <p:nvPr>
             <p:ph idx="1" type="body"/>
@@ -1106,7 +1102,7 @@
   <p:cSld>
     <p:spTree>
       <p:nvGrpSpPr>
-        <p:cNvPr id="171" name="Shape 171"/>
+        <p:cNvPr id="169" name="Shape 169"/>
         <p:cNvGrpSpPr/>
         <p:nvPr/>
       </p:nvGrpSpPr>
@@ -1120,7 +1116,7 @@
       </p:grpSpPr>
       <p:sp>
         <p:nvSpPr>
-          <p:cNvPr id="172" name="Google Shape;172;g1215800eb92_1_28:notes"/>
+          <p:cNvPr id="170" name="Google Shape;170;g1215800eb92_1_56:notes"/>
           <p:cNvSpPr/>
           <p:nvPr>
             <p:ph idx="2" type="sldImg"/>
@@ -1155,7 +1151,7 @@
       </p:sp>
       <p:sp>
         <p:nvSpPr>
-          <p:cNvPr id="173" name="Google Shape;173;g1215800eb92_1_28:notes"/>
+          <p:cNvPr id="171" name="Google Shape;171;g1215800eb92_1_56:notes"/>
           <p:cNvSpPr txBox="1"/>
           <p:nvPr>
             <p:ph idx="1" type="body"/>
@@ -1205,7 +1201,7 @@
   <p:cSld>
     <p:spTree>
       <p:nvGrpSpPr>
-        <p:cNvPr id="177" name="Shape 177"/>
+        <p:cNvPr id="176" name="Shape 176"/>
         <p:cNvGrpSpPr/>
         <p:nvPr/>
       </p:nvGrpSpPr>
@@ -1219,7 +1215,7 @@
       </p:grpSpPr>
       <p:sp>
         <p:nvSpPr>
-          <p:cNvPr id="178" name="Google Shape;178;g1215800eb92_1_37:notes"/>
+          <p:cNvPr id="177" name="Google Shape;177;g1215800eb92_1_61:notes"/>
           <p:cNvSpPr/>
           <p:nvPr>
             <p:ph idx="2" type="sldImg"/>
@@ -1254,7 +1250,7 @@
       </p:sp>
       <p:sp>
         <p:nvSpPr>
-          <p:cNvPr id="179" name="Google Shape;179;g1215800eb92_1_37:notes"/>
+          <p:cNvPr id="178" name="Google Shape;178;g1215800eb92_1_61:notes"/>
           <p:cNvSpPr txBox="1"/>
           <p:nvPr>
             <p:ph idx="1" type="body"/>
@@ -1318,7 +1314,7 @@
       </p:grpSpPr>
       <p:sp>
         <p:nvSpPr>
-          <p:cNvPr id="184" name="Google Shape;184;g1215800eb92_1_42:notes"/>
+          <p:cNvPr id="184" name="Google Shape;184;g1215800eb92_1_66:notes"/>
           <p:cNvSpPr/>
           <p:nvPr>
             <p:ph idx="2" type="sldImg"/>
@@ -1353,7 +1349,7 @@
       </p:sp>
       <p:sp>
         <p:nvSpPr>
-          <p:cNvPr id="185" name="Google Shape;185;g1215800eb92_1_42:notes"/>
+          <p:cNvPr id="185" name="Google Shape;185;g1215800eb92_1_66:notes"/>
           <p:cNvSpPr txBox="1"/>
           <p:nvPr>
             <p:ph idx="1" type="body"/>
@@ -1403,7 +1399,7 @@
   <p:cSld>
     <p:spTree>
       <p:nvGrpSpPr>
-        <p:cNvPr id="189" name="Shape 189"/>
+        <p:cNvPr id="190" name="Shape 190"/>
         <p:cNvGrpSpPr/>
         <p:nvPr/>
       </p:nvGrpSpPr>
@@ -1417,7 +1413,7 @@
       </p:grpSpPr>
       <p:sp>
         <p:nvSpPr>
-          <p:cNvPr id="190" name="Google Shape;190;g1215800eb92_1_50:notes"/>
+          <p:cNvPr id="191" name="Google Shape;191;g1215800eb92_1_71:notes"/>
           <p:cNvSpPr/>
           <p:nvPr>
             <p:ph idx="2" type="sldImg"/>
@@ -1452,7 +1448,7 @@
       </p:sp>
       <p:sp>
         <p:nvSpPr>
-          <p:cNvPr id="191" name="Google Shape;191;g1215800eb92_1_50:notes"/>
+          <p:cNvPr id="192" name="Google Shape;192;g1215800eb92_1_71:notes"/>
           <p:cNvSpPr txBox="1"/>
           <p:nvPr>
             <p:ph idx="1" type="body"/>
@@ -1497,12 +1493,12 @@
 </p:notes>
 </file>
 
-<file path=ppt/notesSlides/notesSlide17.xml><?xml version="1.0" encoding="utf-8"?>
+<file path=ppt/notesSlides/notesSlide2.xml><?xml version="1.0" encoding="utf-8"?>
 <p:notes xmlns:a="http://schemas.openxmlformats.org/drawingml/2006/main" xmlns:r="http://schemas.openxmlformats.org/officeDocument/2006/relationships" xmlns:mc="http://schemas.openxmlformats.org/markup-compatibility/2006" xmlns:mv="urn:schemas-microsoft-com:mac:vml" xmlns:p="http://schemas.openxmlformats.org/presentationml/2006/main" xmlns:c="http://schemas.openxmlformats.org/drawingml/2006/chart" xmlns:dgm="http://schemas.openxmlformats.org/drawingml/2006/diagram" xmlns:o="urn:schemas-microsoft-com:office:office" xmlns:v="urn:schemas-microsoft-com:vml" xmlns:pvml="urn:schemas-microsoft-com:office:powerpoint" xmlns:com="http://schemas.openxmlformats.org/drawingml/2006/compatibility" xmlns:p14="http://schemas.microsoft.com/office/powerpoint/2010/main" xmlns:p15="http://schemas.microsoft.com/office/powerpoint/2012/main" xmlns:ahyp="http://schemas.microsoft.com/office/drawing/2018/hyperlinkcolor" showMasterPhAnim="0" showMasterSp="0">
   <p:cSld>
     <p:spTree>
       <p:nvGrpSpPr>
-        <p:cNvPr id="195" name="Shape 195"/>
+        <p:cNvPr id="57" name="Shape 57"/>
         <p:cNvGrpSpPr/>
         <p:nvPr/>
       </p:nvGrpSpPr>
@@ -1516,7 +1512,7 @@
       </p:grpSpPr>
       <p:sp>
         <p:nvSpPr>
-          <p:cNvPr id="196" name="Google Shape;196;g1215800eb92_1_56:notes"/>
+          <p:cNvPr id="58" name="Google Shape;58;g1215800eb92_0_0:notes"/>
           <p:cNvSpPr/>
           <p:nvPr>
             <p:ph idx="2" type="sldImg"/>
@@ -1551,7 +1547,7 @@
       </p:sp>
       <p:sp>
         <p:nvSpPr>
-          <p:cNvPr id="197" name="Google Shape;197;g1215800eb92_1_56:notes"/>
+          <p:cNvPr id="59" name="Google Shape;59;g1215800eb92_0_0:notes"/>
           <p:cNvSpPr txBox="1"/>
           <p:nvPr>
             <p:ph idx="1" type="body"/>
@@ -1596,12 +1592,12 @@
 </p:notes>
 </file>
 
-<file path=ppt/notesSlides/notesSlide18.xml><?xml version="1.0" encoding="utf-8"?>
+<file path=ppt/notesSlides/notesSlide3.xml><?xml version="1.0" encoding="utf-8"?>
 <p:notes xmlns:a="http://schemas.openxmlformats.org/drawingml/2006/main" xmlns:r="http://schemas.openxmlformats.org/officeDocument/2006/relationships" xmlns:mc="http://schemas.openxmlformats.org/markup-compatibility/2006" xmlns:mv="urn:schemas-microsoft-com:mac:vml" xmlns:p="http://schemas.openxmlformats.org/presentationml/2006/main" xmlns:c="http://schemas.openxmlformats.org/drawingml/2006/chart" xmlns:dgm="http://schemas.openxmlformats.org/drawingml/2006/diagram" xmlns:o="urn:schemas-microsoft-com:office:office" xmlns:v="urn:schemas-microsoft-com:vml" xmlns:pvml="urn:schemas-microsoft-com:office:powerpoint" xmlns:com="http://schemas.openxmlformats.org/drawingml/2006/compatibility" xmlns:p14="http://schemas.microsoft.com/office/powerpoint/2010/main" xmlns:p15="http://schemas.microsoft.com/office/powerpoint/2012/main" xmlns:ahyp="http://schemas.microsoft.com/office/drawing/2018/hyperlinkcolor" showMasterPhAnim="0" showMasterSp="0">
   <p:cSld>
     <p:spTree>
       <p:nvGrpSpPr>
-        <p:cNvPr id="201" name="Shape 201"/>
+        <p:cNvPr id="64" name="Shape 64"/>
         <p:cNvGrpSpPr/>
         <p:nvPr/>
       </p:nvGrpSpPr>
@@ -1615,7 +1611,7 @@
       </p:grpSpPr>
       <p:sp>
         <p:nvSpPr>
-          <p:cNvPr id="202" name="Google Shape;202;g1215800eb92_1_61:notes"/>
+          <p:cNvPr id="65" name="Google Shape;65;g1215800eb92_0_5:notes"/>
           <p:cNvSpPr/>
           <p:nvPr>
             <p:ph idx="2" type="sldImg"/>
@@ -1650,7 +1646,7 @@
       </p:sp>
       <p:sp>
         <p:nvSpPr>
-          <p:cNvPr id="203" name="Google Shape;203;g1215800eb92_1_61:notes"/>
+          <p:cNvPr id="66" name="Google Shape;66;g1215800eb92_0_5:notes"/>
           <p:cNvSpPr txBox="1"/>
           <p:nvPr>
             <p:ph idx="1" type="body"/>
@@ -1695,12 +1691,12 @@
 </p:notes>
 </file>
 
-<file path=ppt/notesSlides/notesSlide19.xml><?xml version="1.0" encoding="utf-8"?>
+<file path=ppt/notesSlides/notesSlide4.xml><?xml version="1.0" encoding="utf-8"?>
 <p:notes xmlns:a="http://schemas.openxmlformats.org/drawingml/2006/main" xmlns:r="http://schemas.openxmlformats.org/officeDocument/2006/relationships" xmlns:mc="http://schemas.openxmlformats.org/markup-compatibility/2006" xmlns:mv="urn:schemas-microsoft-com:mac:vml" xmlns:p="http://schemas.openxmlformats.org/presentationml/2006/main" xmlns:c="http://schemas.openxmlformats.org/drawingml/2006/chart" xmlns:dgm="http://schemas.openxmlformats.org/drawingml/2006/diagram" xmlns:o="urn:schemas-microsoft-com:office:office" xmlns:v="urn:schemas-microsoft-com:vml" xmlns:pvml="urn:schemas-microsoft-com:office:powerpoint" xmlns:com="http://schemas.openxmlformats.org/drawingml/2006/compatibility" xmlns:p14="http://schemas.microsoft.com/office/powerpoint/2010/main" xmlns:p15="http://schemas.microsoft.com/office/powerpoint/2012/main" xmlns:ahyp="http://schemas.microsoft.com/office/drawing/2018/hyperlinkcolor" showMasterPhAnim="0" showMasterSp="0">
   <p:cSld>
     <p:spTree>
       <p:nvGrpSpPr>
-        <p:cNvPr id="207" name="Shape 207"/>
+        <p:cNvPr id="77" name="Shape 77"/>
         <p:cNvGrpSpPr/>
         <p:nvPr/>
       </p:nvGrpSpPr>
@@ -1714,403 +1710,7 @@
       </p:grpSpPr>
       <p:sp>
         <p:nvSpPr>
-          <p:cNvPr id="208" name="Google Shape;208;g1215800eb92_1_66:notes"/>
-          <p:cNvSpPr/>
-          <p:nvPr>
-            <p:ph idx="2" type="sldImg"/>
-          </p:nvPr>
-        </p:nvSpPr>
-        <p:spPr>
-          <a:xfrm>
-            <a:off x="381300" y="685800"/>
-            <a:ext cx="6096000" cy="3429000"/>
-          </a:xfrm>
-          <a:custGeom>
-            <a:rect b="b" l="l" r="r" t="t"/>
-            <a:pathLst>
-              <a:path extrusionOk="0" h="120000" w="120000">
-                <a:moveTo>
-                  <a:pt x="0" y="0"/>
-                </a:moveTo>
-                <a:lnTo>
-                  <a:pt x="120000" y="0"/>
-                </a:lnTo>
-                <a:lnTo>
-                  <a:pt x="120000" y="120000"/>
-                </a:lnTo>
-                <a:lnTo>
-                  <a:pt x="0" y="120000"/>
-                </a:lnTo>
-                <a:close/>
-              </a:path>
-            </a:pathLst>
-          </a:custGeom>
-        </p:spPr>
-      </p:sp>
-      <p:sp>
-        <p:nvSpPr>
-          <p:cNvPr id="209" name="Google Shape;209;g1215800eb92_1_66:notes"/>
-          <p:cNvSpPr txBox="1"/>
-          <p:nvPr>
-            <p:ph idx="1" type="body"/>
-          </p:nvPr>
-        </p:nvSpPr>
-        <p:spPr>
-          <a:xfrm>
-            <a:off x="685800" y="4343400"/>
-            <a:ext cx="5486400" cy="4114800"/>
-          </a:xfrm>
-          <a:prstGeom prst="rect">
-            <a:avLst/>
-          </a:prstGeom>
-        </p:spPr>
-        <p:txBody>
-          <a:bodyPr anchorCtr="0" anchor="t" bIns="91425" lIns="91425" spcFirstLastPara="1" rIns="91425" wrap="square" tIns="91425">
-            <a:noAutofit/>
-          </a:bodyPr>
-          <a:lstStyle/>
-          <a:p>
-            <a:pPr indent="0" lvl="0" marL="0" rtl="0" algn="l">
-              <a:spcBef>
-                <a:spcPts val="0"/>
-              </a:spcBef>
-              <a:spcAft>
-                <a:spcPts val="0"/>
-              </a:spcAft>
-              <a:buNone/>
-            </a:pPr>
-            <a:r>
-              <a:t/>
-            </a:r>
-            <a:endParaRPr/>
-          </a:p>
-        </p:txBody>
-      </p:sp>
-    </p:spTree>
-  </p:cSld>
-  <p:clrMapOvr>
-    <a:masterClrMapping/>
-  </p:clrMapOvr>
-</p:notes>
-</file>
-
-<file path=ppt/notesSlides/notesSlide2.xml><?xml version="1.0" encoding="utf-8"?>
-<p:notes xmlns:a="http://schemas.openxmlformats.org/drawingml/2006/main" xmlns:r="http://schemas.openxmlformats.org/officeDocument/2006/relationships" xmlns:mc="http://schemas.openxmlformats.org/markup-compatibility/2006" xmlns:mv="urn:schemas-microsoft-com:mac:vml" xmlns:p="http://schemas.openxmlformats.org/presentationml/2006/main" xmlns:c="http://schemas.openxmlformats.org/drawingml/2006/chart" xmlns:dgm="http://schemas.openxmlformats.org/drawingml/2006/diagram" xmlns:o="urn:schemas-microsoft-com:office:office" xmlns:v="urn:schemas-microsoft-com:vml" xmlns:pvml="urn:schemas-microsoft-com:office:powerpoint" xmlns:com="http://schemas.openxmlformats.org/drawingml/2006/compatibility" xmlns:p14="http://schemas.microsoft.com/office/powerpoint/2010/main" xmlns:p15="http://schemas.microsoft.com/office/powerpoint/2012/main" xmlns:ahyp="http://schemas.microsoft.com/office/drawing/2018/hyperlinkcolor" showMasterPhAnim="0" showMasterSp="0">
-  <p:cSld>
-    <p:spTree>
-      <p:nvGrpSpPr>
-        <p:cNvPr id="56" name="Shape 56"/>
-        <p:cNvGrpSpPr/>
-        <p:nvPr/>
-      </p:nvGrpSpPr>
-      <p:grpSpPr>
-        <a:xfrm>
-          <a:off x="0" y="0"/>
-          <a:ext cx="0" cy="0"/>
-          <a:chOff x="0" y="0"/>
-          <a:chExt cx="0" cy="0"/>
-        </a:xfrm>
-      </p:grpSpPr>
-      <p:sp>
-        <p:nvSpPr>
-          <p:cNvPr id="57" name="Google Shape;57;g1215800eb92_0_0:notes"/>
-          <p:cNvSpPr/>
-          <p:nvPr>
-            <p:ph idx="2" type="sldImg"/>
-          </p:nvPr>
-        </p:nvSpPr>
-        <p:spPr>
-          <a:xfrm>
-            <a:off x="381300" y="685800"/>
-            <a:ext cx="6096000" cy="3429000"/>
-          </a:xfrm>
-          <a:custGeom>
-            <a:rect b="b" l="l" r="r" t="t"/>
-            <a:pathLst>
-              <a:path extrusionOk="0" h="120000" w="120000">
-                <a:moveTo>
-                  <a:pt x="0" y="0"/>
-                </a:moveTo>
-                <a:lnTo>
-                  <a:pt x="120000" y="0"/>
-                </a:lnTo>
-                <a:lnTo>
-                  <a:pt x="120000" y="120000"/>
-                </a:lnTo>
-                <a:lnTo>
-                  <a:pt x="0" y="120000"/>
-                </a:lnTo>
-                <a:close/>
-              </a:path>
-            </a:pathLst>
-          </a:custGeom>
-        </p:spPr>
-      </p:sp>
-      <p:sp>
-        <p:nvSpPr>
-          <p:cNvPr id="58" name="Google Shape;58;g1215800eb92_0_0:notes"/>
-          <p:cNvSpPr txBox="1"/>
-          <p:nvPr>
-            <p:ph idx="1" type="body"/>
-          </p:nvPr>
-        </p:nvSpPr>
-        <p:spPr>
-          <a:xfrm>
-            <a:off x="685800" y="4343400"/>
-            <a:ext cx="5486400" cy="4114800"/>
-          </a:xfrm>
-          <a:prstGeom prst="rect">
-            <a:avLst/>
-          </a:prstGeom>
-        </p:spPr>
-        <p:txBody>
-          <a:bodyPr anchorCtr="0" anchor="t" bIns="91425" lIns="91425" spcFirstLastPara="1" rIns="91425" wrap="square" tIns="91425">
-            <a:noAutofit/>
-          </a:bodyPr>
-          <a:lstStyle/>
-          <a:p>
-            <a:pPr indent="0" lvl="0" marL="0" rtl="0" algn="l">
-              <a:spcBef>
-                <a:spcPts val="0"/>
-              </a:spcBef>
-              <a:spcAft>
-                <a:spcPts val="0"/>
-              </a:spcAft>
-              <a:buNone/>
-            </a:pPr>
-            <a:r>
-              <a:t/>
-            </a:r>
-            <a:endParaRPr/>
-          </a:p>
-        </p:txBody>
-      </p:sp>
-    </p:spTree>
-  </p:cSld>
-  <p:clrMapOvr>
-    <a:masterClrMapping/>
-  </p:clrMapOvr>
-</p:notes>
-</file>
-
-<file path=ppt/notesSlides/notesSlide20.xml><?xml version="1.0" encoding="utf-8"?>
-<p:notes xmlns:a="http://schemas.openxmlformats.org/drawingml/2006/main" xmlns:r="http://schemas.openxmlformats.org/officeDocument/2006/relationships" xmlns:mc="http://schemas.openxmlformats.org/markup-compatibility/2006" xmlns:mv="urn:schemas-microsoft-com:mac:vml" xmlns:p="http://schemas.openxmlformats.org/presentationml/2006/main" xmlns:c="http://schemas.openxmlformats.org/drawingml/2006/chart" xmlns:dgm="http://schemas.openxmlformats.org/drawingml/2006/diagram" xmlns:o="urn:schemas-microsoft-com:office:office" xmlns:v="urn:schemas-microsoft-com:vml" xmlns:pvml="urn:schemas-microsoft-com:office:powerpoint" xmlns:com="http://schemas.openxmlformats.org/drawingml/2006/compatibility" xmlns:p14="http://schemas.microsoft.com/office/powerpoint/2010/main" xmlns:p15="http://schemas.microsoft.com/office/powerpoint/2012/main" xmlns:ahyp="http://schemas.microsoft.com/office/drawing/2018/hyperlinkcolor" showMasterPhAnim="0" showMasterSp="0">
-  <p:cSld>
-    <p:spTree>
-      <p:nvGrpSpPr>
-        <p:cNvPr id="213" name="Shape 213"/>
-        <p:cNvGrpSpPr/>
-        <p:nvPr/>
-      </p:nvGrpSpPr>
-      <p:grpSpPr>
-        <a:xfrm>
-          <a:off x="0" y="0"/>
-          <a:ext cx="0" cy="0"/>
-          <a:chOff x="0" y="0"/>
-          <a:chExt cx="0" cy="0"/>
-        </a:xfrm>
-      </p:grpSpPr>
-      <p:sp>
-        <p:nvSpPr>
-          <p:cNvPr id="214" name="Google Shape;214;g1215800eb92_1_71:notes"/>
-          <p:cNvSpPr/>
-          <p:nvPr>
-            <p:ph idx="2" type="sldImg"/>
-          </p:nvPr>
-        </p:nvSpPr>
-        <p:spPr>
-          <a:xfrm>
-            <a:off x="381300" y="685800"/>
-            <a:ext cx="6096000" cy="3429000"/>
-          </a:xfrm>
-          <a:custGeom>
-            <a:rect b="b" l="l" r="r" t="t"/>
-            <a:pathLst>
-              <a:path extrusionOk="0" h="120000" w="120000">
-                <a:moveTo>
-                  <a:pt x="0" y="0"/>
-                </a:moveTo>
-                <a:lnTo>
-                  <a:pt x="120000" y="0"/>
-                </a:lnTo>
-                <a:lnTo>
-                  <a:pt x="120000" y="120000"/>
-                </a:lnTo>
-                <a:lnTo>
-                  <a:pt x="0" y="120000"/>
-                </a:lnTo>
-                <a:close/>
-              </a:path>
-            </a:pathLst>
-          </a:custGeom>
-        </p:spPr>
-      </p:sp>
-      <p:sp>
-        <p:nvSpPr>
-          <p:cNvPr id="215" name="Google Shape;215;g1215800eb92_1_71:notes"/>
-          <p:cNvSpPr txBox="1"/>
-          <p:nvPr>
-            <p:ph idx="1" type="body"/>
-          </p:nvPr>
-        </p:nvSpPr>
-        <p:spPr>
-          <a:xfrm>
-            <a:off x="685800" y="4343400"/>
-            <a:ext cx="5486400" cy="4114800"/>
-          </a:xfrm>
-          <a:prstGeom prst="rect">
-            <a:avLst/>
-          </a:prstGeom>
-        </p:spPr>
-        <p:txBody>
-          <a:bodyPr anchorCtr="0" anchor="t" bIns="91425" lIns="91425" spcFirstLastPara="1" rIns="91425" wrap="square" tIns="91425">
-            <a:noAutofit/>
-          </a:bodyPr>
-          <a:lstStyle/>
-          <a:p>
-            <a:pPr indent="0" lvl="0" marL="0" rtl="0" algn="l">
-              <a:spcBef>
-                <a:spcPts val="0"/>
-              </a:spcBef>
-              <a:spcAft>
-                <a:spcPts val="0"/>
-              </a:spcAft>
-              <a:buNone/>
-            </a:pPr>
-            <a:r>
-              <a:t/>
-            </a:r>
-            <a:endParaRPr/>
-          </a:p>
-        </p:txBody>
-      </p:sp>
-    </p:spTree>
-  </p:cSld>
-  <p:clrMapOvr>
-    <a:masterClrMapping/>
-  </p:clrMapOvr>
-</p:notes>
-</file>
-
-<file path=ppt/notesSlides/notesSlide3.xml><?xml version="1.0" encoding="utf-8"?>
-<p:notes xmlns:a="http://schemas.openxmlformats.org/drawingml/2006/main" xmlns:r="http://schemas.openxmlformats.org/officeDocument/2006/relationships" xmlns:mc="http://schemas.openxmlformats.org/markup-compatibility/2006" xmlns:mv="urn:schemas-microsoft-com:mac:vml" xmlns:p="http://schemas.openxmlformats.org/presentationml/2006/main" xmlns:c="http://schemas.openxmlformats.org/drawingml/2006/chart" xmlns:dgm="http://schemas.openxmlformats.org/drawingml/2006/diagram" xmlns:o="urn:schemas-microsoft-com:office:office" xmlns:v="urn:schemas-microsoft-com:vml" xmlns:pvml="urn:schemas-microsoft-com:office:powerpoint" xmlns:com="http://schemas.openxmlformats.org/drawingml/2006/compatibility" xmlns:p14="http://schemas.microsoft.com/office/powerpoint/2010/main" xmlns:p15="http://schemas.microsoft.com/office/powerpoint/2012/main" xmlns:ahyp="http://schemas.microsoft.com/office/drawing/2018/hyperlinkcolor" showMasterPhAnim="0" showMasterSp="0">
-  <p:cSld>
-    <p:spTree>
-      <p:nvGrpSpPr>
-        <p:cNvPr id="62" name="Shape 62"/>
-        <p:cNvGrpSpPr/>
-        <p:nvPr/>
-      </p:nvGrpSpPr>
-      <p:grpSpPr>
-        <a:xfrm>
-          <a:off x="0" y="0"/>
-          <a:ext cx="0" cy="0"/>
-          <a:chOff x="0" y="0"/>
-          <a:chExt cx="0" cy="0"/>
-        </a:xfrm>
-      </p:grpSpPr>
-      <p:sp>
-        <p:nvSpPr>
-          <p:cNvPr id="63" name="Google Shape;63;g1215800eb92_0_5:notes"/>
-          <p:cNvSpPr/>
-          <p:nvPr>
-            <p:ph idx="2" type="sldImg"/>
-          </p:nvPr>
-        </p:nvSpPr>
-        <p:spPr>
-          <a:xfrm>
-            <a:off x="381300" y="685800"/>
-            <a:ext cx="6096000" cy="3429000"/>
-          </a:xfrm>
-          <a:custGeom>
-            <a:rect b="b" l="l" r="r" t="t"/>
-            <a:pathLst>
-              <a:path extrusionOk="0" h="120000" w="120000">
-                <a:moveTo>
-                  <a:pt x="0" y="0"/>
-                </a:moveTo>
-                <a:lnTo>
-                  <a:pt x="120000" y="0"/>
-                </a:lnTo>
-                <a:lnTo>
-                  <a:pt x="120000" y="120000"/>
-                </a:lnTo>
-                <a:lnTo>
-                  <a:pt x="0" y="120000"/>
-                </a:lnTo>
-                <a:close/>
-              </a:path>
-            </a:pathLst>
-          </a:custGeom>
-        </p:spPr>
-      </p:sp>
-      <p:sp>
-        <p:nvSpPr>
-          <p:cNvPr id="64" name="Google Shape;64;g1215800eb92_0_5:notes"/>
-          <p:cNvSpPr txBox="1"/>
-          <p:nvPr>
-            <p:ph idx="1" type="body"/>
-          </p:nvPr>
-        </p:nvSpPr>
-        <p:spPr>
-          <a:xfrm>
-            <a:off x="685800" y="4343400"/>
-            <a:ext cx="5486400" cy="4114800"/>
-          </a:xfrm>
-          <a:prstGeom prst="rect">
-            <a:avLst/>
-          </a:prstGeom>
-        </p:spPr>
-        <p:txBody>
-          <a:bodyPr anchorCtr="0" anchor="t" bIns="91425" lIns="91425" spcFirstLastPara="1" rIns="91425" wrap="square" tIns="91425">
-            <a:noAutofit/>
-          </a:bodyPr>
-          <a:lstStyle/>
-          <a:p>
-            <a:pPr indent="0" lvl="0" marL="0" rtl="0" algn="l">
-              <a:spcBef>
-                <a:spcPts val="0"/>
-              </a:spcBef>
-              <a:spcAft>
-                <a:spcPts val="0"/>
-              </a:spcAft>
-              <a:buNone/>
-            </a:pPr>
-            <a:r>
-              <a:t/>
-            </a:r>
-            <a:endParaRPr/>
-          </a:p>
-        </p:txBody>
-      </p:sp>
-    </p:spTree>
-  </p:cSld>
-  <p:clrMapOvr>
-    <a:masterClrMapping/>
-  </p:clrMapOvr>
-</p:notes>
-</file>
-
-<file path=ppt/notesSlides/notesSlide4.xml><?xml version="1.0" encoding="utf-8"?>
-<p:notes xmlns:a="http://schemas.openxmlformats.org/drawingml/2006/main" xmlns:r="http://schemas.openxmlformats.org/officeDocument/2006/relationships" xmlns:mc="http://schemas.openxmlformats.org/markup-compatibility/2006" xmlns:mv="urn:schemas-microsoft-com:mac:vml" xmlns:p="http://schemas.openxmlformats.org/presentationml/2006/main" xmlns:c="http://schemas.openxmlformats.org/drawingml/2006/chart" xmlns:dgm="http://schemas.openxmlformats.org/drawingml/2006/diagram" xmlns:o="urn:schemas-microsoft-com:office:office" xmlns:v="urn:schemas-microsoft-com:vml" xmlns:pvml="urn:schemas-microsoft-com:office:powerpoint" xmlns:com="http://schemas.openxmlformats.org/drawingml/2006/compatibility" xmlns:p14="http://schemas.microsoft.com/office/powerpoint/2010/main" xmlns:p15="http://schemas.microsoft.com/office/powerpoint/2012/main" xmlns:ahyp="http://schemas.microsoft.com/office/drawing/2018/hyperlinkcolor" showMasterPhAnim="0" showMasterSp="0">
-  <p:cSld>
-    <p:spTree>
-      <p:nvGrpSpPr>
-        <p:cNvPr id="68" name="Shape 68"/>
-        <p:cNvGrpSpPr/>
-        <p:nvPr/>
-      </p:nvGrpSpPr>
-      <p:grpSpPr>
-        <a:xfrm>
-          <a:off x="0" y="0"/>
-          <a:ext cx="0" cy="0"/>
-          <a:chOff x="0" y="0"/>
-          <a:chExt cx="0" cy="0"/>
-        </a:xfrm>
-      </p:grpSpPr>
-      <p:sp>
-        <p:nvSpPr>
-          <p:cNvPr id="69" name="Google Shape;69;g1215800eb92_0_11:notes"/>
+          <p:cNvPr id="78" name="Google Shape;78;g1215800eb92_0_62:notes"/>
           <p:cNvSpPr/>
           <p:nvPr>
             <p:ph idx="2" type="sldImg"/>
@@ -2155,7 +1755,7 @@
       </p:sp>
       <p:sp>
         <p:nvSpPr>
-          <p:cNvPr id="70" name="Google Shape;70;g1215800eb92_0_11:notes"/>
+          <p:cNvPr id="79" name="Google Shape;79;g1215800eb92_0_62:notes"/>
           <p:cNvSpPr txBox="1"/>
           <p:nvPr>
             <p:ph idx="1" type="body"/>
@@ -2213,7 +1813,7 @@
   <p:cSld>
     <p:spTree>
       <p:nvGrpSpPr>
-        <p:cNvPr id="84" name="Shape 84"/>
+        <p:cNvPr id="112" name="Shape 112"/>
         <p:cNvGrpSpPr/>
         <p:nvPr/>
       </p:nvGrpSpPr>
@@ -2227,358 +1827,7 @@
       </p:grpSpPr>
       <p:sp>
         <p:nvSpPr>
-          <p:cNvPr id="85" name="Google Shape;85;g1215800eb92_0_44:notes"/>
-          <p:cNvSpPr/>
-          <p:nvPr>
-            <p:ph idx="2" type="sldImg"/>
-          </p:nvPr>
-        </p:nvSpPr>
-        <p:spPr>
-          <a:xfrm>
-            <a:off x="381300" y="685800"/>
-            <a:ext cx="6096000" cy="3429000"/>
-          </a:xfrm>
-          <a:custGeom>
-            <a:rect b="b" l="l" r="r" t="t"/>
-            <a:pathLst>
-              <a:path extrusionOk="0" h="120000" w="120000">
-                <a:moveTo>
-                  <a:pt x="0" y="0"/>
-                </a:moveTo>
-                <a:lnTo>
-                  <a:pt x="120000" y="0"/>
-                </a:lnTo>
-                <a:lnTo>
-                  <a:pt x="120000" y="120000"/>
-                </a:lnTo>
-                <a:lnTo>
-                  <a:pt x="0" y="120000"/>
-                </a:lnTo>
-                <a:close/>
-              </a:path>
-            </a:pathLst>
-          </a:custGeom>
-          <a:noFill/>
-          <a:ln cap="flat" cmpd="sng" w="9525">
-            <a:solidFill>
-              <a:srgbClr val="000000"/>
-            </a:solidFill>
-            <a:prstDash val="solid"/>
-            <a:round/>
-            <a:headEnd len="sm" w="sm" type="none"/>
-            <a:tailEnd len="sm" w="sm" type="none"/>
-          </a:ln>
-        </p:spPr>
-      </p:sp>
-      <p:sp>
-        <p:nvSpPr>
-          <p:cNvPr id="86" name="Google Shape;86;g1215800eb92_0_44:notes"/>
-          <p:cNvSpPr txBox="1"/>
-          <p:nvPr>
-            <p:ph idx="1" type="body"/>
-          </p:nvPr>
-        </p:nvSpPr>
-        <p:spPr>
-          <a:xfrm>
-            <a:off x="685800" y="4343400"/>
-            <a:ext cx="5486400" cy="4114800"/>
-          </a:xfrm>
-          <a:prstGeom prst="rect">
-            <a:avLst/>
-          </a:prstGeom>
-          <a:noFill/>
-          <a:ln>
-            <a:noFill/>
-          </a:ln>
-        </p:spPr>
-        <p:txBody>
-          <a:bodyPr anchorCtr="0" anchor="t" bIns="91425" lIns="91425" spcFirstLastPara="1" rIns="91425" wrap="square" tIns="91425">
-            <a:noAutofit/>
-          </a:bodyPr>
-          <a:lstStyle/>
-          <a:p>
-            <a:pPr indent="0" lvl="0" marL="0" rtl="0" algn="l">
-              <a:lnSpc>
-                <a:spcPct val="100000"/>
-              </a:lnSpc>
-              <a:spcBef>
-                <a:spcPts val="0"/>
-              </a:spcBef>
-              <a:spcAft>
-                <a:spcPts val="0"/>
-              </a:spcAft>
-              <a:buSzPts val="1100"/>
-              <a:buNone/>
-            </a:pPr>
-            <a:r>
-              <a:t/>
-            </a:r>
-            <a:endParaRPr/>
-          </a:p>
-        </p:txBody>
-      </p:sp>
-    </p:spTree>
-  </p:cSld>
-  <p:clrMapOvr>
-    <a:masterClrMapping/>
-  </p:clrMapOvr>
-</p:notes>
-</file>
-
-<file path=ppt/notesSlides/notesSlide6.xml><?xml version="1.0" encoding="utf-8"?>
-<p:notes xmlns:a="http://schemas.openxmlformats.org/drawingml/2006/main" xmlns:r="http://schemas.openxmlformats.org/officeDocument/2006/relationships" xmlns:mc="http://schemas.openxmlformats.org/markup-compatibility/2006" xmlns:mv="urn:schemas-microsoft-com:mac:vml" xmlns:p="http://schemas.openxmlformats.org/presentationml/2006/main" xmlns:c="http://schemas.openxmlformats.org/drawingml/2006/chart" xmlns:dgm="http://schemas.openxmlformats.org/drawingml/2006/diagram" xmlns:o="urn:schemas-microsoft-com:office:office" xmlns:v="urn:schemas-microsoft-com:vml" xmlns:pvml="urn:schemas-microsoft-com:office:powerpoint" xmlns:com="http://schemas.openxmlformats.org/drawingml/2006/compatibility" xmlns:p14="http://schemas.microsoft.com/office/powerpoint/2010/main" xmlns:p15="http://schemas.microsoft.com/office/powerpoint/2012/main" xmlns:ahyp="http://schemas.microsoft.com/office/drawing/2018/hyperlinkcolor" showMasterPhAnim="0" showMasterSp="0">
-  <p:cSld>
-    <p:spTree>
-      <p:nvGrpSpPr>
-        <p:cNvPr id="103" name="Shape 103"/>
-        <p:cNvGrpSpPr/>
-        <p:nvPr/>
-      </p:nvGrpSpPr>
-      <p:grpSpPr>
-        <a:xfrm>
-          <a:off x="0" y="0"/>
-          <a:ext cx="0" cy="0"/>
-          <a:chOff x="0" y="0"/>
-          <a:chExt cx="0" cy="0"/>
-        </a:xfrm>
-      </p:grpSpPr>
-      <p:sp>
-        <p:nvSpPr>
-          <p:cNvPr id="104" name="Google Shape;104;g1215800eb92_0_62:notes"/>
-          <p:cNvSpPr/>
-          <p:nvPr>
-            <p:ph idx="2" type="sldImg"/>
-          </p:nvPr>
-        </p:nvSpPr>
-        <p:spPr>
-          <a:xfrm>
-            <a:off x="381300" y="685800"/>
-            <a:ext cx="6096000" cy="3429000"/>
-          </a:xfrm>
-          <a:custGeom>
-            <a:rect b="b" l="l" r="r" t="t"/>
-            <a:pathLst>
-              <a:path extrusionOk="0" h="120000" w="120000">
-                <a:moveTo>
-                  <a:pt x="0" y="0"/>
-                </a:moveTo>
-                <a:lnTo>
-                  <a:pt x="120000" y="0"/>
-                </a:lnTo>
-                <a:lnTo>
-                  <a:pt x="120000" y="120000"/>
-                </a:lnTo>
-                <a:lnTo>
-                  <a:pt x="0" y="120000"/>
-                </a:lnTo>
-                <a:close/>
-              </a:path>
-            </a:pathLst>
-          </a:custGeom>
-          <a:noFill/>
-          <a:ln cap="flat" cmpd="sng" w="9525">
-            <a:solidFill>
-              <a:srgbClr val="000000"/>
-            </a:solidFill>
-            <a:prstDash val="solid"/>
-            <a:round/>
-            <a:headEnd len="sm" w="sm" type="none"/>
-            <a:tailEnd len="sm" w="sm" type="none"/>
-          </a:ln>
-        </p:spPr>
-      </p:sp>
-      <p:sp>
-        <p:nvSpPr>
-          <p:cNvPr id="105" name="Google Shape;105;g1215800eb92_0_62:notes"/>
-          <p:cNvSpPr txBox="1"/>
-          <p:nvPr>
-            <p:ph idx="1" type="body"/>
-          </p:nvPr>
-        </p:nvSpPr>
-        <p:spPr>
-          <a:xfrm>
-            <a:off x="685800" y="4343400"/>
-            <a:ext cx="5486400" cy="4114800"/>
-          </a:xfrm>
-          <a:prstGeom prst="rect">
-            <a:avLst/>
-          </a:prstGeom>
-          <a:noFill/>
-          <a:ln>
-            <a:noFill/>
-          </a:ln>
-        </p:spPr>
-        <p:txBody>
-          <a:bodyPr anchorCtr="0" anchor="t" bIns="91425" lIns="91425" spcFirstLastPara="1" rIns="91425" wrap="square" tIns="91425">
-            <a:noAutofit/>
-          </a:bodyPr>
-          <a:lstStyle/>
-          <a:p>
-            <a:pPr indent="0" lvl="0" marL="0" rtl="0" algn="l">
-              <a:lnSpc>
-                <a:spcPct val="100000"/>
-              </a:lnSpc>
-              <a:spcBef>
-                <a:spcPts val="0"/>
-              </a:spcBef>
-              <a:spcAft>
-                <a:spcPts val="0"/>
-              </a:spcAft>
-              <a:buSzPts val="1100"/>
-              <a:buNone/>
-            </a:pPr>
-            <a:r>
-              <a:t/>
-            </a:r>
-            <a:endParaRPr/>
-          </a:p>
-        </p:txBody>
-      </p:sp>
-    </p:spTree>
-  </p:cSld>
-  <p:clrMapOvr>
-    <a:masterClrMapping/>
-  </p:clrMapOvr>
-</p:notes>
-</file>
-
-<file path=ppt/notesSlides/notesSlide7.xml><?xml version="1.0" encoding="utf-8"?>
-<p:notes xmlns:a="http://schemas.openxmlformats.org/drawingml/2006/main" xmlns:r="http://schemas.openxmlformats.org/officeDocument/2006/relationships" xmlns:mc="http://schemas.openxmlformats.org/markup-compatibility/2006" xmlns:mv="urn:schemas-microsoft-com:mac:vml" xmlns:p="http://schemas.openxmlformats.org/presentationml/2006/main" xmlns:c="http://schemas.openxmlformats.org/drawingml/2006/chart" xmlns:dgm="http://schemas.openxmlformats.org/drawingml/2006/diagram" xmlns:o="urn:schemas-microsoft-com:office:office" xmlns:v="urn:schemas-microsoft-com:vml" xmlns:pvml="urn:schemas-microsoft-com:office:powerpoint" xmlns:com="http://schemas.openxmlformats.org/drawingml/2006/compatibility" xmlns:p14="http://schemas.microsoft.com/office/powerpoint/2010/main" xmlns:p15="http://schemas.microsoft.com/office/powerpoint/2012/main" xmlns:ahyp="http://schemas.microsoft.com/office/drawing/2018/hyperlinkcolor" showMasterPhAnim="0" showMasterSp="0">
-  <p:cSld>
-    <p:spTree>
-      <p:nvGrpSpPr>
-        <p:cNvPr id="122" name="Shape 122"/>
-        <p:cNvGrpSpPr/>
-        <p:nvPr/>
-      </p:nvGrpSpPr>
-      <p:grpSpPr>
-        <a:xfrm>
-          <a:off x="0" y="0"/>
-          <a:ext cx="0" cy="0"/>
-          <a:chOff x="0" y="0"/>
-          <a:chExt cx="0" cy="0"/>
-        </a:xfrm>
-      </p:grpSpPr>
-      <p:sp>
-        <p:nvSpPr>
-          <p:cNvPr id="123" name="Google Shape;123;g1215800eb92_0_26:notes"/>
-          <p:cNvSpPr/>
-          <p:nvPr>
-            <p:ph idx="2" type="sldImg"/>
-          </p:nvPr>
-        </p:nvSpPr>
-        <p:spPr>
-          <a:xfrm>
-            <a:off x="381300" y="685800"/>
-            <a:ext cx="6096000" cy="3429000"/>
-          </a:xfrm>
-          <a:custGeom>
-            <a:rect b="b" l="l" r="r" t="t"/>
-            <a:pathLst>
-              <a:path extrusionOk="0" h="120000" w="120000">
-                <a:moveTo>
-                  <a:pt x="0" y="0"/>
-                </a:moveTo>
-                <a:lnTo>
-                  <a:pt x="120000" y="0"/>
-                </a:lnTo>
-                <a:lnTo>
-                  <a:pt x="120000" y="120000"/>
-                </a:lnTo>
-                <a:lnTo>
-                  <a:pt x="0" y="120000"/>
-                </a:lnTo>
-                <a:close/>
-              </a:path>
-            </a:pathLst>
-          </a:custGeom>
-          <a:noFill/>
-          <a:ln cap="flat" cmpd="sng" w="9525">
-            <a:solidFill>
-              <a:srgbClr val="000000"/>
-            </a:solidFill>
-            <a:prstDash val="solid"/>
-            <a:round/>
-            <a:headEnd len="sm" w="sm" type="none"/>
-            <a:tailEnd len="sm" w="sm" type="none"/>
-          </a:ln>
-        </p:spPr>
-      </p:sp>
-      <p:sp>
-        <p:nvSpPr>
-          <p:cNvPr id="124" name="Google Shape;124;g1215800eb92_0_26:notes"/>
-          <p:cNvSpPr txBox="1"/>
-          <p:nvPr>
-            <p:ph idx="1" type="body"/>
-          </p:nvPr>
-        </p:nvSpPr>
-        <p:spPr>
-          <a:xfrm>
-            <a:off x="685800" y="4343400"/>
-            <a:ext cx="5486400" cy="4114800"/>
-          </a:xfrm>
-          <a:prstGeom prst="rect">
-            <a:avLst/>
-          </a:prstGeom>
-          <a:noFill/>
-          <a:ln>
-            <a:noFill/>
-          </a:ln>
-        </p:spPr>
-        <p:txBody>
-          <a:bodyPr anchorCtr="0" anchor="t" bIns="91425" lIns="91425" spcFirstLastPara="1" rIns="91425" wrap="square" tIns="91425">
-            <a:noAutofit/>
-          </a:bodyPr>
-          <a:lstStyle/>
-          <a:p>
-            <a:pPr indent="0" lvl="0" marL="0" rtl="0" algn="l">
-              <a:lnSpc>
-                <a:spcPct val="100000"/>
-              </a:lnSpc>
-              <a:spcBef>
-                <a:spcPts val="0"/>
-              </a:spcBef>
-              <a:spcAft>
-                <a:spcPts val="0"/>
-              </a:spcAft>
-              <a:buSzPts val="1100"/>
-              <a:buNone/>
-            </a:pPr>
-            <a:r>
-              <a:t/>
-            </a:r>
-            <a:endParaRPr/>
-          </a:p>
-        </p:txBody>
-      </p:sp>
-    </p:spTree>
-  </p:cSld>
-  <p:clrMapOvr>
-    <a:masterClrMapping/>
-  </p:clrMapOvr>
-</p:notes>
-</file>
-
-<file path=ppt/notesSlides/notesSlide8.xml><?xml version="1.0" encoding="utf-8"?>
-<p:notes xmlns:a="http://schemas.openxmlformats.org/drawingml/2006/main" xmlns:r="http://schemas.openxmlformats.org/officeDocument/2006/relationships" xmlns:mc="http://schemas.openxmlformats.org/markup-compatibility/2006" xmlns:mv="urn:schemas-microsoft-com:mac:vml" xmlns:p="http://schemas.openxmlformats.org/presentationml/2006/main" xmlns:c="http://schemas.openxmlformats.org/drawingml/2006/chart" xmlns:dgm="http://schemas.openxmlformats.org/drawingml/2006/diagram" xmlns:o="urn:schemas-microsoft-com:office:office" xmlns:v="urn:schemas-microsoft-com:vml" xmlns:pvml="urn:schemas-microsoft-com:office:powerpoint" xmlns:com="http://schemas.openxmlformats.org/drawingml/2006/compatibility" xmlns:p14="http://schemas.microsoft.com/office/powerpoint/2010/main" xmlns:p15="http://schemas.microsoft.com/office/powerpoint/2012/main" xmlns:ahyp="http://schemas.microsoft.com/office/drawing/2018/hyperlinkcolor" showMasterPhAnim="0" showMasterSp="0">
-  <p:cSld>
-    <p:spTree>
-      <p:nvGrpSpPr>
-        <p:cNvPr id="141" name="Shape 141"/>
-        <p:cNvGrpSpPr/>
-        <p:nvPr/>
-      </p:nvGrpSpPr>
-      <p:grpSpPr>
-        <a:xfrm>
-          <a:off x="0" y="0"/>
-          <a:ext cx="0" cy="0"/>
-          <a:chOff x="0" y="0"/>
-          <a:chExt cx="0" cy="0"/>
-        </a:xfrm>
-      </p:grpSpPr>
-      <p:sp>
-        <p:nvSpPr>
-          <p:cNvPr id="142" name="Google Shape;142;g1215800eb92_0_125:notes"/>
+          <p:cNvPr id="113" name="Google Shape;113;g1215800eb92_0_125:notes"/>
           <p:cNvSpPr/>
           <p:nvPr>
             <p:ph idx="2" type="sldImg"/>
@@ -2613,7 +1862,7 @@
       </p:sp>
       <p:sp>
         <p:nvSpPr>
-          <p:cNvPr id="143" name="Google Shape;143;g1215800eb92_0_125:notes"/>
+          <p:cNvPr id="114" name="Google Shape;114;g1215800eb92_0_125:notes"/>
           <p:cNvSpPr txBox="1"/>
           <p:nvPr>
             <p:ph idx="1" type="body"/>
@@ -2658,12 +1907,12 @@
 </p:notes>
 </file>
 
-<file path=ppt/notesSlides/notesSlide9.xml><?xml version="1.0" encoding="utf-8"?>
+<file path=ppt/notesSlides/notesSlide6.xml><?xml version="1.0" encoding="utf-8"?>
 <p:notes xmlns:a="http://schemas.openxmlformats.org/drawingml/2006/main" xmlns:r="http://schemas.openxmlformats.org/officeDocument/2006/relationships" xmlns:mc="http://schemas.openxmlformats.org/markup-compatibility/2006" xmlns:mv="urn:schemas-microsoft-com:mac:vml" xmlns:p="http://schemas.openxmlformats.org/presentationml/2006/main" xmlns:c="http://schemas.openxmlformats.org/drawingml/2006/chart" xmlns:dgm="http://schemas.openxmlformats.org/drawingml/2006/diagram" xmlns:o="urn:schemas-microsoft-com:office:office" xmlns:v="urn:schemas-microsoft-com:vml" xmlns:pvml="urn:schemas-microsoft-com:office:powerpoint" xmlns:com="http://schemas.openxmlformats.org/drawingml/2006/compatibility" xmlns:p14="http://schemas.microsoft.com/office/powerpoint/2010/main" xmlns:p15="http://schemas.microsoft.com/office/powerpoint/2012/main" xmlns:ahyp="http://schemas.microsoft.com/office/drawing/2018/hyperlinkcolor" showMasterPhAnim="0" showMasterSp="0">
   <p:cSld>
     <p:spTree>
       <p:nvGrpSpPr>
-        <p:cNvPr id="147" name="Shape 147"/>
+        <p:cNvPr id="120" name="Shape 120"/>
         <p:cNvGrpSpPr/>
         <p:nvPr/>
       </p:nvGrpSpPr>
@@ -2677,7 +1926,7 @@
       </p:grpSpPr>
       <p:sp>
         <p:nvSpPr>
-          <p:cNvPr id="148" name="Google Shape;148;g1215800eb92_0_130:notes"/>
+          <p:cNvPr id="121" name="Google Shape;121;g1215800eb92_1_7:notes"/>
           <p:cNvSpPr/>
           <p:nvPr>
             <p:ph idx="2" type="sldImg"/>
@@ -2712,7 +1961,304 @@
       </p:sp>
       <p:sp>
         <p:nvSpPr>
-          <p:cNvPr id="149" name="Google Shape;149;g1215800eb92_0_130:notes"/>
+          <p:cNvPr id="122" name="Google Shape;122;g1215800eb92_1_7:notes"/>
+          <p:cNvSpPr txBox="1"/>
+          <p:nvPr>
+            <p:ph idx="1" type="body"/>
+          </p:nvPr>
+        </p:nvSpPr>
+        <p:spPr>
+          <a:xfrm>
+            <a:off x="685800" y="4343400"/>
+            <a:ext cx="5486400" cy="4114800"/>
+          </a:xfrm>
+          <a:prstGeom prst="rect">
+            <a:avLst/>
+          </a:prstGeom>
+        </p:spPr>
+        <p:txBody>
+          <a:bodyPr anchorCtr="0" anchor="t" bIns="91425" lIns="91425" spcFirstLastPara="1" rIns="91425" wrap="square" tIns="91425">
+            <a:noAutofit/>
+          </a:bodyPr>
+          <a:lstStyle/>
+          <a:p>
+            <a:pPr indent="0" lvl="0" marL="0" rtl="0" algn="l">
+              <a:spcBef>
+                <a:spcPts val="0"/>
+              </a:spcBef>
+              <a:spcAft>
+                <a:spcPts val="0"/>
+              </a:spcAft>
+              <a:buNone/>
+            </a:pPr>
+            <a:r>
+              <a:t/>
+            </a:r>
+            <a:endParaRPr/>
+          </a:p>
+        </p:txBody>
+      </p:sp>
+    </p:spTree>
+  </p:cSld>
+  <p:clrMapOvr>
+    <a:masterClrMapping/>
+  </p:clrMapOvr>
+</p:notes>
+</file>
+
+<file path=ppt/notesSlides/notesSlide7.xml><?xml version="1.0" encoding="utf-8"?>
+<p:notes xmlns:a="http://schemas.openxmlformats.org/drawingml/2006/main" xmlns:r="http://schemas.openxmlformats.org/officeDocument/2006/relationships" xmlns:mc="http://schemas.openxmlformats.org/markup-compatibility/2006" xmlns:mv="urn:schemas-microsoft-com:mac:vml" xmlns:p="http://schemas.openxmlformats.org/presentationml/2006/main" xmlns:c="http://schemas.openxmlformats.org/drawingml/2006/chart" xmlns:dgm="http://schemas.openxmlformats.org/drawingml/2006/diagram" xmlns:o="urn:schemas-microsoft-com:office:office" xmlns:v="urn:schemas-microsoft-com:vml" xmlns:pvml="urn:schemas-microsoft-com:office:powerpoint" xmlns:com="http://schemas.openxmlformats.org/drawingml/2006/compatibility" xmlns:p14="http://schemas.microsoft.com/office/powerpoint/2010/main" xmlns:p15="http://schemas.microsoft.com/office/powerpoint/2012/main" xmlns:ahyp="http://schemas.microsoft.com/office/drawing/2018/hyperlinkcolor" showMasterPhAnim="0" showMasterSp="0">
+  <p:cSld>
+    <p:spTree>
+      <p:nvGrpSpPr>
+        <p:cNvPr id="127" name="Shape 127"/>
+        <p:cNvGrpSpPr/>
+        <p:nvPr/>
+      </p:nvGrpSpPr>
+      <p:grpSpPr>
+        <a:xfrm>
+          <a:off x="0" y="0"/>
+          <a:ext cx="0" cy="0"/>
+          <a:chOff x="0" y="0"/>
+          <a:chExt cx="0" cy="0"/>
+        </a:xfrm>
+      </p:grpSpPr>
+      <p:sp>
+        <p:nvSpPr>
+          <p:cNvPr id="128" name="Google Shape;128;g1215800eb92_1_12:notes"/>
+          <p:cNvSpPr/>
+          <p:nvPr>
+            <p:ph idx="2" type="sldImg"/>
+          </p:nvPr>
+        </p:nvSpPr>
+        <p:spPr>
+          <a:xfrm>
+            <a:off x="381300" y="685800"/>
+            <a:ext cx="6096000" cy="3429000"/>
+          </a:xfrm>
+          <a:custGeom>
+            <a:rect b="b" l="l" r="r" t="t"/>
+            <a:pathLst>
+              <a:path extrusionOk="0" h="120000" w="120000">
+                <a:moveTo>
+                  <a:pt x="0" y="0"/>
+                </a:moveTo>
+                <a:lnTo>
+                  <a:pt x="120000" y="0"/>
+                </a:lnTo>
+                <a:lnTo>
+                  <a:pt x="120000" y="120000"/>
+                </a:lnTo>
+                <a:lnTo>
+                  <a:pt x="0" y="120000"/>
+                </a:lnTo>
+                <a:close/>
+              </a:path>
+            </a:pathLst>
+          </a:custGeom>
+        </p:spPr>
+      </p:sp>
+      <p:sp>
+        <p:nvSpPr>
+          <p:cNvPr id="129" name="Google Shape;129;g1215800eb92_1_12:notes"/>
+          <p:cNvSpPr txBox="1"/>
+          <p:nvPr>
+            <p:ph idx="1" type="body"/>
+          </p:nvPr>
+        </p:nvSpPr>
+        <p:spPr>
+          <a:xfrm>
+            <a:off x="685800" y="4343400"/>
+            <a:ext cx="5486400" cy="4114800"/>
+          </a:xfrm>
+          <a:prstGeom prst="rect">
+            <a:avLst/>
+          </a:prstGeom>
+        </p:spPr>
+        <p:txBody>
+          <a:bodyPr anchorCtr="0" anchor="t" bIns="91425" lIns="91425" spcFirstLastPara="1" rIns="91425" wrap="square" tIns="91425">
+            <a:noAutofit/>
+          </a:bodyPr>
+          <a:lstStyle/>
+          <a:p>
+            <a:pPr indent="0" lvl="0" marL="0" rtl="0" algn="l">
+              <a:spcBef>
+                <a:spcPts val="0"/>
+              </a:spcBef>
+              <a:spcAft>
+                <a:spcPts val="0"/>
+              </a:spcAft>
+              <a:buNone/>
+            </a:pPr>
+            <a:r>
+              <a:t/>
+            </a:r>
+            <a:endParaRPr/>
+          </a:p>
+        </p:txBody>
+      </p:sp>
+    </p:spTree>
+  </p:cSld>
+  <p:clrMapOvr>
+    <a:masterClrMapping/>
+  </p:clrMapOvr>
+</p:notes>
+</file>
+
+<file path=ppt/notesSlides/notesSlide8.xml><?xml version="1.0" encoding="utf-8"?>
+<p:notes xmlns:a="http://schemas.openxmlformats.org/drawingml/2006/main" xmlns:r="http://schemas.openxmlformats.org/officeDocument/2006/relationships" xmlns:mc="http://schemas.openxmlformats.org/markup-compatibility/2006" xmlns:mv="urn:schemas-microsoft-com:mac:vml" xmlns:p="http://schemas.openxmlformats.org/presentationml/2006/main" xmlns:c="http://schemas.openxmlformats.org/drawingml/2006/chart" xmlns:dgm="http://schemas.openxmlformats.org/drawingml/2006/diagram" xmlns:o="urn:schemas-microsoft-com:office:office" xmlns:v="urn:schemas-microsoft-com:vml" xmlns:pvml="urn:schemas-microsoft-com:office:powerpoint" xmlns:com="http://schemas.openxmlformats.org/drawingml/2006/compatibility" xmlns:p14="http://schemas.microsoft.com/office/powerpoint/2010/main" xmlns:p15="http://schemas.microsoft.com/office/powerpoint/2012/main" xmlns:ahyp="http://schemas.microsoft.com/office/drawing/2018/hyperlinkcolor" showMasterPhAnim="0" showMasterSp="0">
+  <p:cSld>
+    <p:spTree>
+      <p:nvGrpSpPr>
+        <p:cNvPr id="134" name="Shape 134"/>
+        <p:cNvGrpSpPr/>
+        <p:nvPr/>
+      </p:nvGrpSpPr>
+      <p:grpSpPr>
+        <a:xfrm>
+          <a:off x="0" y="0"/>
+          <a:ext cx="0" cy="0"/>
+          <a:chOff x="0" y="0"/>
+          <a:chExt cx="0" cy="0"/>
+        </a:xfrm>
+      </p:grpSpPr>
+      <p:sp>
+        <p:nvSpPr>
+          <p:cNvPr id="135" name="Google Shape;135;g1215800eb92_1_22:notes"/>
+          <p:cNvSpPr/>
+          <p:nvPr>
+            <p:ph idx="2" type="sldImg"/>
+          </p:nvPr>
+        </p:nvSpPr>
+        <p:spPr>
+          <a:xfrm>
+            <a:off x="381300" y="685800"/>
+            <a:ext cx="6096000" cy="3429000"/>
+          </a:xfrm>
+          <a:custGeom>
+            <a:rect b="b" l="l" r="r" t="t"/>
+            <a:pathLst>
+              <a:path extrusionOk="0" h="120000" w="120000">
+                <a:moveTo>
+                  <a:pt x="0" y="0"/>
+                </a:moveTo>
+                <a:lnTo>
+                  <a:pt x="120000" y="0"/>
+                </a:lnTo>
+                <a:lnTo>
+                  <a:pt x="120000" y="120000"/>
+                </a:lnTo>
+                <a:lnTo>
+                  <a:pt x="0" y="120000"/>
+                </a:lnTo>
+                <a:close/>
+              </a:path>
+            </a:pathLst>
+          </a:custGeom>
+        </p:spPr>
+      </p:sp>
+      <p:sp>
+        <p:nvSpPr>
+          <p:cNvPr id="136" name="Google Shape;136;g1215800eb92_1_22:notes"/>
+          <p:cNvSpPr txBox="1"/>
+          <p:nvPr>
+            <p:ph idx="1" type="body"/>
+          </p:nvPr>
+        </p:nvSpPr>
+        <p:spPr>
+          <a:xfrm>
+            <a:off x="685800" y="4343400"/>
+            <a:ext cx="5486400" cy="4114800"/>
+          </a:xfrm>
+          <a:prstGeom prst="rect">
+            <a:avLst/>
+          </a:prstGeom>
+        </p:spPr>
+        <p:txBody>
+          <a:bodyPr anchorCtr="0" anchor="t" bIns="91425" lIns="91425" spcFirstLastPara="1" rIns="91425" wrap="square" tIns="91425">
+            <a:noAutofit/>
+          </a:bodyPr>
+          <a:lstStyle/>
+          <a:p>
+            <a:pPr indent="0" lvl="0" marL="0" rtl="0" algn="l">
+              <a:spcBef>
+                <a:spcPts val="0"/>
+              </a:spcBef>
+              <a:spcAft>
+                <a:spcPts val="0"/>
+              </a:spcAft>
+              <a:buNone/>
+            </a:pPr>
+            <a:r>
+              <a:t/>
+            </a:r>
+            <a:endParaRPr/>
+          </a:p>
+        </p:txBody>
+      </p:sp>
+    </p:spTree>
+  </p:cSld>
+  <p:clrMapOvr>
+    <a:masterClrMapping/>
+  </p:clrMapOvr>
+</p:notes>
+</file>
+
+<file path=ppt/notesSlides/notesSlide9.xml><?xml version="1.0" encoding="utf-8"?>
+<p:notes xmlns:a="http://schemas.openxmlformats.org/drawingml/2006/main" xmlns:r="http://schemas.openxmlformats.org/officeDocument/2006/relationships" xmlns:mc="http://schemas.openxmlformats.org/markup-compatibility/2006" xmlns:mv="urn:schemas-microsoft-com:mac:vml" xmlns:p="http://schemas.openxmlformats.org/presentationml/2006/main" xmlns:c="http://schemas.openxmlformats.org/drawingml/2006/chart" xmlns:dgm="http://schemas.openxmlformats.org/drawingml/2006/diagram" xmlns:o="urn:schemas-microsoft-com:office:office" xmlns:v="urn:schemas-microsoft-com:vml" xmlns:pvml="urn:schemas-microsoft-com:office:powerpoint" xmlns:com="http://schemas.openxmlformats.org/drawingml/2006/compatibility" xmlns:p14="http://schemas.microsoft.com/office/powerpoint/2010/main" xmlns:p15="http://schemas.microsoft.com/office/powerpoint/2012/main" xmlns:ahyp="http://schemas.microsoft.com/office/drawing/2018/hyperlinkcolor" showMasterPhAnim="0" showMasterSp="0">
+  <p:cSld>
+    <p:spTree>
+      <p:nvGrpSpPr>
+        <p:cNvPr id="141" name="Shape 141"/>
+        <p:cNvGrpSpPr/>
+        <p:nvPr/>
+      </p:nvGrpSpPr>
+      <p:grpSpPr>
+        <a:xfrm>
+          <a:off x="0" y="0"/>
+          <a:ext cx="0" cy="0"/>
+          <a:chOff x="0" y="0"/>
+          <a:chExt cx="0" cy="0"/>
+        </a:xfrm>
+      </p:grpSpPr>
+      <p:sp>
+        <p:nvSpPr>
+          <p:cNvPr id="142" name="Google Shape;142;g1215800eb92_1_28:notes"/>
+          <p:cNvSpPr/>
+          <p:nvPr>
+            <p:ph idx="2" type="sldImg"/>
+          </p:nvPr>
+        </p:nvSpPr>
+        <p:spPr>
+          <a:xfrm>
+            <a:off x="381300" y="685800"/>
+            <a:ext cx="6096000" cy="3429000"/>
+          </a:xfrm>
+          <a:custGeom>
+            <a:rect b="b" l="l" r="r" t="t"/>
+            <a:pathLst>
+              <a:path extrusionOk="0" h="120000" w="120000">
+                <a:moveTo>
+                  <a:pt x="0" y="0"/>
+                </a:moveTo>
+                <a:lnTo>
+                  <a:pt x="120000" y="0"/>
+                </a:lnTo>
+                <a:lnTo>
+                  <a:pt x="120000" y="120000"/>
+                </a:lnTo>
+                <a:lnTo>
+                  <a:pt x="0" y="120000"/>
+                </a:lnTo>
+                <a:close/>
+              </a:path>
+            </a:pathLst>
+          </a:custGeom>
+        </p:spPr>
+      </p:sp>
+      <p:sp>
+        <p:nvSpPr>
+          <p:cNvPr id="143" name="Google Shape;143;g1215800eb92_1_28:notes"/>
           <p:cNvSpPr txBox="1"/>
           <p:nvPr>
             <p:ph idx="1" type="body"/>
@@ -6713,7 +6259,7 @@
     <p:sldLayoutId id="2147483657" r:id="rId10"/>
     <p:sldLayoutId id="2147483658" r:id="rId11"/>
   </p:sldLayoutIdLst>
-  <p:hf dt="0" ftr="0" hdr="0" sldNum="0"/>
+  <p:hf dt="0" ftr="0" hdr="0"/>
   <p:txStyles>
     <p:titleStyle>
       <a:defPPr lvl="0" marR="0" rtl="0" algn="l">
@@ -7536,6 +7082,46 @@
           </a:p>
         </p:txBody>
       </p:sp>
+      <p:sp>
+        <p:nvSpPr>
+          <p:cNvPr id="56" name="Google Shape;56;p13"/>
+          <p:cNvSpPr txBox="1"/>
+          <p:nvPr>
+            <p:ph idx="12" type="sldNum"/>
+          </p:nvPr>
+        </p:nvSpPr>
+        <p:spPr>
+          <a:xfrm>
+            <a:off x="8472458" y="4663217"/>
+            <a:ext cx="548700" cy="393600"/>
+          </a:xfrm>
+          <a:prstGeom prst="rect">
+            <a:avLst/>
+          </a:prstGeom>
+        </p:spPr>
+        <p:txBody>
+          <a:bodyPr anchorCtr="0" anchor="ctr" bIns="91425" lIns="91425" spcFirstLastPara="1" rIns="91425" wrap="square" tIns="91425">
+            <a:normAutofit/>
+          </a:bodyPr>
+          <a:lstStyle/>
+          <a:p>
+            <a:pPr indent="0" lvl="0" marL="0" rtl="0" algn="r">
+              <a:spcBef>
+                <a:spcPts val="0"/>
+              </a:spcBef>
+              <a:spcAft>
+                <a:spcPts val="0"/>
+              </a:spcAft>
+              <a:buNone/>
+            </a:pPr>
+            <a:fld id="{00000000-1234-1234-1234-123412341234}" type="slidenum">
+              <a:rPr lang="en"/>
+              <a:t>‹#›</a:t>
+            </a:fld>
+            <a:endParaRPr/>
+          </a:p>
+        </p:txBody>
+      </p:sp>
     </p:spTree>
   </p:cSld>
   <p:clrMapOvr>
@@ -7549,7 +7135,7 @@
   <p:cSld>
     <p:spTree>
       <p:nvGrpSpPr>
-        <p:cNvPr id="156" name="Shape 156"/>
+        <p:cNvPr id="151" name="Shape 151"/>
         <p:cNvGrpSpPr/>
         <p:nvPr/>
       </p:nvGrpSpPr>
@@ -7563,7 +7149,7 @@
       </p:grpSpPr>
       <p:sp>
         <p:nvSpPr>
-          <p:cNvPr id="157" name="Google Shape;157;p22"/>
+          <p:cNvPr id="152" name="Google Shape;152;p22"/>
           <p:cNvSpPr txBox="1"/>
           <p:nvPr>
             <p:ph type="title"/>
@@ -7595,11 +7181,7 @@
             </a:pPr>
             <a:r>
               <a:rPr lang="en"/>
-              <a:t>Project</a:t>
-            </a:r>
-            <a:r>
-              <a:rPr lang="en"/>
-              <a:t> Plan</a:t>
+              <a:t>Accomplished Work</a:t>
             </a:r>
             <a:endParaRPr/>
           </a:p>
@@ -7607,7 +7189,7 @@
       </p:sp>
       <p:sp>
         <p:nvSpPr>
-          <p:cNvPr id="158" name="Google Shape;158;p22"/>
+          <p:cNvPr id="153" name="Google Shape;153;p22"/>
           <p:cNvSpPr txBox="1"/>
           <p:nvPr>
             <p:ph idx="1" type="body"/>
@@ -7616,7 +7198,7 @@
         <p:spPr>
           <a:xfrm>
             <a:off x="311700" y="1152475"/>
-            <a:ext cx="8520600" cy="3416400"/>
+            <a:ext cx="8520600" cy="3852300"/>
           </a:xfrm>
           <a:prstGeom prst="rect">
             <a:avLst/>
@@ -7640,7 +7222,96 @@
             </a:pPr>
             <a:r>
               <a:rPr lang="en"/>
-              <a:t>Create a logic loop that will enable the game to be played until there are no cards remaining in the deck</a:t>
+              <a:t>Besides the database, all functionalities are</a:t>
+            </a:r>
+            <a:r>
+              <a:rPr lang="en"/>
+              <a:t> implemented</a:t>
+            </a:r>
+            <a:endParaRPr/>
+          </a:p>
+          <a:p>
+            <a:pPr indent="-317500" lvl="1" marL="914400" rtl="0" algn="l">
+              <a:spcBef>
+                <a:spcPts val="0"/>
+              </a:spcBef>
+              <a:spcAft>
+                <a:spcPts val="0"/>
+              </a:spcAft>
+              <a:buSzPts val="1400"/>
+              <a:buChar char="○"/>
+            </a:pPr>
+            <a:r>
+              <a:rPr lang="en"/>
+              <a:t>Game loop achieved through recursion</a:t>
+            </a:r>
+            <a:endParaRPr/>
+          </a:p>
+          <a:p>
+            <a:pPr indent="-317500" lvl="1" marL="914400" rtl="0" algn="l">
+              <a:spcBef>
+                <a:spcPts val="0"/>
+              </a:spcBef>
+              <a:spcAft>
+                <a:spcPts val="0"/>
+              </a:spcAft>
+              <a:buSzPts val="1400"/>
+              <a:buChar char="○"/>
+            </a:pPr>
+            <a:r>
+              <a:rPr lang="en"/>
+              <a:t>Cards encoded using four digits</a:t>
+            </a:r>
+            <a:endParaRPr/>
+          </a:p>
+          <a:p>
+            <a:pPr indent="-317500" lvl="1" marL="914400" rtl="0" algn="l">
+              <a:spcBef>
+                <a:spcPts val="0"/>
+              </a:spcBef>
+              <a:spcAft>
+                <a:spcPts val="0"/>
+              </a:spcAft>
+              <a:buSzPts val="1400"/>
+              <a:buChar char="○"/>
+            </a:pPr>
+            <a:r>
+              <a:rPr lang="en"/>
+              <a:t>Images composited using images.js</a:t>
+            </a:r>
+            <a:endParaRPr/>
+          </a:p>
+          <a:p>
+            <a:pPr indent="-317500" lvl="1" marL="914400" rtl="0" algn="l">
+              <a:spcBef>
+                <a:spcPts val="0"/>
+              </a:spcBef>
+              <a:spcAft>
+                <a:spcPts val="0"/>
+              </a:spcAft>
+              <a:buSzPts val="1400"/>
+              <a:buChar char="○"/>
+            </a:pPr>
+            <a:r>
+              <a:rPr lang="en"/>
+              <a:t>Six reaction collectors, one for each row</a:t>
+            </a:r>
+            <a:endParaRPr/>
+          </a:p>
+          <a:p>
+            <a:pPr indent="-317500" lvl="1" marL="914400" rtl="0" algn="l">
+              <a:spcBef>
+                <a:spcPts val="0"/>
+              </a:spcBef>
+              <a:spcAft>
+                <a:spcPts val="0"/>
+              </a:spcAft>
+              <a:buSzPts val="1400"/>
+              <a:buChar char="○"/>
+            </a:pPr>
+            <a:r>
+              <a:rPr lang="en"/>
+              <a:t>Boards checked using optimum pair check</a:t>
             </a:r>
             <a:endParaRPr/>
           </a:p>
@@ -7657,7 +7328,7 @@
             </a:pPr>
             <a:r>
               <a:rPr lang="en"/>
-              <a:t>Encode the cards such that proposed sets can be checked mathematically</a:t>
+              <a:t>Bot not yet hosted, but we have a Unix service file</a:t>
             </a:r>
             <a:endParaRPr/>
           </a:p>
@@ -7674,7 +7345,7 @@
             </a:pPr>
             <a:r>
               <a:rPr lang="en"/>
-              <a:t>Stitch images of the cards together to assemble randomly generated rows</a:t>
+              <a:t>Main file has 1000+ lines of code</a:t>
             </a:r>
             <a:endParaRPr/>
           </a:p>
@@ -7691,80 +7362,48 @@
             </a:pPr>
             <a:r>
               <a:rPr lang="en"/>
-              <a:t>Use reaction collectors to record user inputs, and run set-checking on each user’s last 3 selected cards</a:t>
+              <a:t>The project is living up to our initial expectations</a:t>
             </a:r>
             <a:endParaRPr/>
           </a:p>
+        </p:txBody>
+      </p:sp>
+      <p:sp>
+        <p:nvSpPr>
+          <p:cNvPr id="154" name="Google Shape;154;p22"/>
+          <p:cNvSpPr txBox="1"/>
+          <p:nvPr>
+            <p:ph idx="12" type="sldNum"/>
+          </p:nvPr>
+        </p:nvSpPr>
+        <p:spPr>
+          <a:xfrm>
+            <a:off x="8472458" y="4663217"/>
+            <a:ext cx="548700" cy="393600"/>
+          </a:xfrm>
+          <a:prstGeom prst="rect">
+            <a:avLst/>
+          </a:prstGeom>
+        </p:spPr>
+        <p:txBody>
+          <a:bodyPr anchorCtr="0" anchor="ctr" bIns="91425" lIns="91425" spcFirstLastPara="1" rIns="91425" wrap="square" tIns="91425">
+            <a:normAutofit/>
+          </a:bodyPr>
+          <a:lstStyle/>
           <a:p>
-            <a:pPr indent="-342900" lvl="0" marL="457200" rtl="0" algn="l">
-              <a:spcBef>
-                <a:spcPts val="0"/>
-              </a:spcBef>
-              <a:spcAft>
-                <a:spcPts val="0"/>
-              </a:spcAft>
-              <a:buSzPts val="1800"/>
-              <a:buChar char="●"/>
+            <a:pPr indent="0" lvl="0" marL="0" rtl="0" algn="r">
+              <a:spcBef>
+                <a:spcPts val="0"/>
+              </a:spcBef>
+              <a:spcAft>
+                <a:spcPts val="0"/>
+              </a:spcAft>
+              <a:buNone/>
             </a:pPr>
-            <a:r>
+            <a:fld id="{00000000-1234-1234-1234-123412341234}" type="slidenum">
               <a:rPr lang="en"/>
-              <a:t>Check the board for sets in an efficient manner</a:t>
-            </a:r>
-            <a:endParaRPr/>
-          </a:p>
-          <a:p>
-            <a:pPr indent="-342900" lvl="0" marL="457200" rtl="0" algn="l">
-              <a:spcBef>
-                <a:spcPts val="0"/>
-              </a:spcBef>
-              <a:spcAft>
-                <a:spcPts val="0"/>
-              </a:spcAft>
-              <a:buSzPts val="1800"/>
-              <a:buChar char="●"/>
-            </a:pPr>
-            <a:r>
-              <a:rPr lang="en"/>
-              <a:t>Store game data in a JSON file that can be accessed at any point</a:t>
-            </a:r>
-            <a:endParaRPr/>
-          </a:p>
-          <a:p>
-            <a:pPr indent="-342900" lvl="0" marL="457200" rtl="0" algn="l">
-              <a:spcBef>
-                <a:spcPts val="0"/>
-              </a:spcBef>
-              <a:spcAft>
-                <a:spcPts val="0"/>
-              </a:spcAft>
-              <a:buSzPts val="1800"/>
-              <a:buChar char="●"/>
-            </a:pPr>
-            <a:r>
-              <a:rPr lang="en"/>
-              <a:t>Send game data to a database for later </a:t>
-            </a:r>
-            <a:r>
-              <a:rPr lang="en"/>
-              <a:t>retrieval</a:t>
-            </a:r>
-            <a:endParaRPr/>
-          </a:p>
-          <a:p>
-            <a:pPr indent="-342900" lvl="0" marL="457200" rtl="0" algn="l">
-              <a:spcBef>
-                <a:spcPts val="0"/>
-              </a:spcBef>
-              <a:spcAft>
-                <a:spcPts val="0"/>
-              </a:spcAft>
-              <a:buSzPts val="1800"/>
-              <a:buChar char="●"/>
-            </a:pPr>
-            <a:r>
-              <a:rPr lang="en"/>
-              <a:t>Host the bot on Hood’s “pluto” server</a:t>
-            </a:r>
+              <a:t>‹#›</a:t>
+            </a:fld>
             <a:endParaRPr/>
           </a:p>
         </p:txBody>
@@ -7808,7 +7447,7 @@
                                           </p:stCondLst>
                                         </p:cTn>
                                         <p:tgtEl>
-                                          <p:spTgt spid="158">
+                                          <p:spTgt spid="153">
                                             <p:txEl>
                                               <p:pRg end="0" st="0"/>
                                             </p:txEl>
@@ -7857,7 +7496,7 @@
                                           </p:stCondLst>
                                         </p:cTn>
                                         <p:tgtEl>
-                                          <p:spTgt spid="158">
+                                          <p:spTgt spid="153">
                                             <p:txEl>
                                               <p:pRg end="1" st="1"/>
                                             </p:txEl>
@@ -7906,7 +7545,7 @@
                                           </p:stCondLst>
                                         </p:cTn>
                                         <p:tgtEl>
-                                          <p:spTgt spid="158">
+                                          <p:spTgt spid="153">
                                             <p:txEl>
                                               <p:pRg end="2" st="2"/>
                                             </p:txEl>
@@ -7955,7 +7594,7 @@
                                           </p:stCondLst>
                                         </p:cTn>
                                         <p:tgtEl>
-                                          <p:spTgt spid="158">
+                                          <p:spTgt spid="153">
                                             <p:txEl>
                                               <p:pRg end="3" st="3"/>
                                             </p:txEl>
@@ -8004,7 +7643,7 @@
                                           </p:stCondLst>
                                         </p:cTn>
                                         <p:tgtEl>
-                                          <p:spTgt spid="158">
+                                          <p:spTgt spid="153">
                                             <p:txEl>
                                               <p:pRg end="4" st="4"/>
                                             </p:txEl>
@@ -8053,7 +7692,7 @@
                                           </p:stCondLst>
                                         </p:cTn>
                                         <p:tgtEl>
-                                          <p:spTgt spid="158">
+                                          <p:spTgt spid="153">
                                             <p:txEl>
                                               <p:pRg end="5" st="5"/>
                                             </p:txEl>
@@ -8102,7 +7741,7 @@
                                           </p:stCondLst>
                                         </p:cTn>
                                         <p:tgtEl>
-                                          <p:spTgt spid="158">
+                                          <p:spTgt spid="153">
                                             <p:txEl>
                                               <p:pRg end="6" st="6"/>
                                             </p:txEl>
@@ -8151,9 +7790,58 @@
                                           </p:stCondLst>
                                         </p:cTn>
                                         <p:tgtEl>
-                                          <p:spTgt spid="158">
+                                          <p:spTgt spid="153">
                                             <p:txEl>
                                               <p:pRg end="7" st="7"/>
+                                            </p:txEl>
+                                          </p:spTgt>
+                                        </p:tgtEl>
+                                        <p:attrNameLst>
+                                          <p:attrName>style.visibility</p:attrName>
+                                        </p:attrNameLst>
+                                      </p:cBhvr>
+                                      <p:to>
+                                        <p:strVal val="visible"/>
+                                      </p:to>
+                                    </p:set>
+                                  </p:childTnLst>
+                                </p:cTn>
+                              </p:par>
+                            </p:childTnLst>
+                          </p:cTn>
+                        </p:par>
+                      </p:childTnLst>
+                    </p:cTn>
+                  </p:par>
+                  <p:par>
+                    <p:cTn fill="hold">
+                      <p:stCondLst>
+                        <p:cond delay="indefinite"/>
+                      </p:stCondLst>
+                      <p:childTnLst>
+                        <p:par>
+                          <p:cTn fill="hold">
+                            <p:stCondLst>
+                              <p:cond delay="0"/>
+                            </p:stCondLst>
+                            <p:childTnLst>
+                              <p:par>
+                                <p:cTn fill="hold" nodeType="clickEffect" presetClass="entr" presetID="1" presetSubtype="0">
+                                  <p:stCondLst>
+                                    <p:cond delay="0"/>
+                                  </p:stCondLst>
+                                  <p:childTnLst>
+                                    <p:set>
+                                      <p:cBhvr>
+                                        <p:cTn dur="1" fill="hold">
+                                          <p:stCondLst>
+                                            <p:cond delay="0"/>
+                                          </p:stCondLst>
+                                        </p:cTn>
+                                        <p:tgtEl>
+                                          <p:spTgt spid="153">
+                                            <p:txEl>
+                                              <p:pRg end="8" st="8"/>
                                             </p:txEl>
                                           </p:spTgt>
                                         </p:tgtEl>
@@ -8202,1035 +7890,16 @@
 <file path=ppt/slides/slide11.xml><?xml version="1.0" encoding="utf-8"?>
 <p:sld xmlns:a="http://schemas.openxmlformats.org/drawingml/2006/main" xmlns:r="http://schemas.openxmlformats.org/officeDocument/2006/relationships" xmlns:mc="http://schemas.openxmlformats.org/markup-compatibility/2006" xmlns:mv="urn:schemas-microsoft-com:mac:vml" xmlns:p="http://schemas.openxmlformats.org/presentationml/2006/main" xmlns:c="http://schemas.openxmlformats.org/drawingml/2006/chart" xmlns:dgm="http://schemas.openxmlformats.org/drawingml/2006/diagram" xmlns:o="urn:schemas-microsoft-com:office:office" xmlns:v="urn:schemas-microsoft-com:vml" xmlns:pvml="urn:schemas-microsoft-com:office:powerpoint" xmlns:com="http://schemas.openxmlformats.org/drawingml/2006/compatibility" xmlns:p14="http://schemas.microsoft.com/office/powerpoint/2010/main" xmlns:p15="http://schemas.microsoft.com/office/powerpoint/2012/main" xmlns:ahyp="http://schemas.microsoft.com/office/drawing/2018/hyperlinkcolor">
   <p:cSld>
+    <p:bg>
+      <p:bgPr>
+        <a:solidFill>
+          <a:srgbClr val="36393F"/>
+        </a:solidFill>
+      </p:bgPr>
+    </p:bg>
     <p:spTree>
       <p:nvGrpSpPr>
-        <p:cNvPr id="162" name="Shape 162"/>
-        <p:cNvGrpSpPr/>
-        <p:nvPr/>
-      </p:nvGrpSpPr>
-      <p:grpSpPr>
-        <a:xfrm>
-          <a:off x="0" y="0"/>
-          <a:ext cx="0" cy="0"/>
-          <a:chOff x="0" y="0"/>
-          <a:chExt cx="0" cy="0"/>
-        </a:xfrm>
-      </p:grpSpPr>
-      <p:sp>
-        <p:nvSpPr>
-          <p:cNvPr id="163" name="Google Shape;163;p23"/>
-          <p:cNvSpPr txBox="1"/>
-          <p:nvPr>
-            <p:ph type="title"/>
-          </p:nvPr>
-        </p:nvSpPr>
-        <p:spPr>
-          <a:xfrm>
-            <a:off x="311700" y="292625"/>
-            <a:ext cx="8520600" cy="572700"/>
-          </a:xfrm>
-          <a:prstGeom prst="rect">
-            <a:avLst/>
-          </a:prstGeom>
-        </p:spPr>
-        <p:txBody>
-          <a:bodyPr anchorCtr="0" anchor="t" bIns="91425" lIns="91425" spcFirstLastPara="1" rIns="91425" wrap="square" tIns="91425">
-            <a:normAutofit fontScale="90000"/>
-          </a:bodyPr>
-          <a:lstStyle/>
-          <a:p>
-            <a:pPr indent="0" lvl="0" marL="0" rtl="0" algn="l">
-              <a:spcBef>
-                <a:spcPts val="0"/>
-              </a:spcBef>
-              <a:spcAft>
-                <a:spcPts val="0"/>
-              </a:spcAft>
-              <a:buNone/>
-            </a:pPr>
-            <a:r>
-              <a:rPr lang="en"/>
-              <a:t>Tech Stack</a:t>
-            </a:r>
-            <a:endParaRPr/>
-          </a:p>
-        </p:txBody>
-      </p:sp>
-      <p:sp>
-        <p:nvSpPr>
-          <p:cNvPr id="164" name="Google Shape;164;p23"/>
-          <p:cNvSpPr txBox="1"/>
-          <p:nvPr>
-            <p:ph idx="1" type="body"/>
-          </p:nvPr>
-        </p:nvSpPr>
-        <p:spPr>
-          <a:xfrm>
-            <a:off x="311700" y="771475"/>
-            <a:ext cx="8520600" cy="4219500"/>
-          </a:xfrm>
-          <a:prstGeom prst="rect">
-            <a:avLst/>
-          </a:prstGeom>
-          <a:ln cap="flat" cmpd="sng" w="9525">
-            <a:solidFill>
-              <a:schemeClr val="lt1"/>
-            </a:solidFill>
-            <a:prstDash val="solid"/>
-            <a:round/>
-            <a:headEnd len="sm" w="sm" type="none"/>
-            <a:tailEnd len="sm" w="sm" type="none"/>
-          </a:ln>
-        </p:spPr>
-        <p:txBody>
-          <a:bodyPr anchorCtr="0" anchor="t" bIns="91425" lIns="91425" spcFirstLastPara="1" rIns="91425" wrap="square" tIns="91425">
-            <a:normAutofit lnSpcReduction="10000"/>
-          </a:bodyPr>
-          <a:lstStyle/>
-          <a:p>
-            <a:pPr indent="-342900" lvl="0" marL="457200" rtl="0" algn="l">
-              <a:spcBef>
-                <a:spcPts val="0"/>
-              </a:spcBef>
-              <a:spcAft>
-                <a:spcPts val="0"/>
-              </a:spcAft>
-              <a:buSzPts val="1800"/>
-              <a:buChar char="●"/>
-            </a:pPr>
-            <a:r>
-              <a:rPr lang="en"/>
-              <a:t>JavaScript, for the game logic</a:t>
-            </a:r>
-            <a:endParaRPr/>
-          </a:p>
-          <a:p>
-            <a:pPr indent="-342900" lvl="0" marL="457200" rtl="0" algn="l">
-              <a:spcBef>
-                <a:spcPts val="0"/>
-              </a:spcBef>
-              <a:spcAft>
-                <a:spcPts val="0"/>
-              </a:spcAft>
-              <a:buSzPts val="1800"/>
-              <a:buChar char="●"/>
-            </a:pPr>
-            <a:r>
-              <a:rPr lang="en"/>
-              <a:t>Node.js, a server-side JavaScript runtime environment</a:t>
-            </a:r>
-            <a:endParaRPr/>
-          </a:p>
-          <a:p>
-            <a:pPr indent="-342900" lvl="0" marL="457200" rtl="0" algn="l">
-              <a:spcBef>
-                <a:spcPts val="0"/>
-              </a:spcBef>
-              <a:spcAft>
-                <a:spcPts val="0"/>
-              </a:spcAft>
-              <a:buSzPts val="1800"/>
-              <a:buChar char="●"/>
-            </a:pPr>
-            <a:r>
-              <a:rPr lang="en"/>
-              <a:t>Discord.js, a Node framework for using Discord API calls</a:t>
-            </a:r>
-            <a:endParaRPr/>
-          </a:p>
-          <a:p>
-            <a:pPr indent="-342900" lvl="0" marL="457200" rtl="0" algn="l">
-              <a:spcBef>
-                <a:spcPts val="0"/>
-              </a:spcBef>
-              <a:spcAft>
-                <a:spcPts val="0"/>
-              </a:spcAft>
-              <a:buSzPts val="1800"/>
-              <a:buChar char="●"/>
-            </a:pPr>
-            <a:r>
-              <a:rPr lang="en"/>
-              <a:t>SQLite, to store game data as well as player scores in a discrete file</a:t>
-            </a:r>
-            <a:endParaRPr/>
-          </a:p>
-          <a:p>
-            <a:pPr indent="-342900" lvl="0" marL="457200" rtl="0" algn="l">
-              <a:spcBef>
-                <a:spcPts val="0"/>
-              </a:spcBef>
-              <a:spcAft>
-                <a:spcPts val="0"/>
-              </a:spcAft>
-              <a:buSzPts val="1800"/>
-              <a:buChar char="●"/>
-            </a:pPr>
-            <a:r>
-              <a:rPr lang="en"/>
-              <a:t>pluto@hood.edu, as a host for the bot and all its data</a:t>
-            </a:r>
-            <a:endParaRPr/>
-          </a:p>
-          <a:p>
-            <a:pPr indent="0" lvl="0" marL="0" rtl="0" algn="l">
-              <a:spcBef>
-                <a:spcPts val="0"/>
-              </a:spcBef>
-              <a:spcAft>
-                <a:spcPts val="0"/>
-              </a:spcAft>
-              <a:buNone/>
-            </a:pPr>
-            <a:r>
-              <a:t/>
-            </a:r>
-            <a:endParaRPr sz="1000"/>
-          </a:p>
-          <a:p>
-            <a:pPr indent="0" lvl="0" marL="0" rtl="0" algn="l">
-              <a:lnSpc>
-                <a:spcPct val="100000"/>
-              </a:lnSpc>
-              <a:spcBef>
-                <a:spcPts val="0"/>
-              </a:spcBef>
-              <a:spcAft>
-                <a:spcPts val="0"/>
-              </a:spcAft>
-              <a:buNone/>
-            </a:pPr>
-            <a:r>
-              <a:rPr lang="en" sz="2500">
-                <a:solidFill>
-                  <a:schemeClr val="dk1"/>
-                </a:solidFill>
-              </a:rPr>
-              <a:t>Required Functionality/Features</a:t>
-            </a:r>
-            <a:endParaRPr sz="2500">
-              <a:solidFill>
-                <a:schemeClr val="dk1"/>
-              </a:solidFill>
-            </a:endParaRPr>
-          </a:p>
-          <a:p>
-            <a:pPr indent="0" lvl="0" marL="0" rtl="0" algn="l">
-              <a:lnSpc>
-                <a:spcPct val="100000"/>
-              </a:lnSpc>
-              <a:spcBef>
-                <a:spcPts val="0"/>
-              </a:spcBef>
-              <a:spcAft>
-                <a:spcPts val="0"/>
-              </a:spcAft>
-              <a:buNone/>
-            </a:pPr>
-            <a:r>
-              <a:t/>
-            </a:r>
-            <a:endParaRPr sz="600">
-              <a:solidFill>
-                <a:schemeClr val="dk1"/>
-              </a:solidFill>
-            </a:endParaRPr>
-          </a:p>
-          <a:p>
-            <a:pPr indent="-342900" lvl="0" marL="457200" rtl="0" algn="l">
-              <a:spcBef>
-                <a:spcPts val="0"/>
-              </a:spcBef>
-              <a:spcAft>
-                <a:spcPts val="0"/>
-              </a:spcAft>
-              <a:buSzPts val="1800"/>
-              <a:buChar char="●"/>
-            </a:pPr>
-            <a:r>
-              <a:rPr lang="en"/>
-              <a:t>“/newgame” command will start the game, generating a new random board</a:t>
-            </a:r>
-            <a:endParaRPr/>
-          </a:p>
-          <a:p>
-            <a:pPr indent="-342900" lvl="0" marL="457200" rtl="0" algn="l">
-              <a:spcBef>
-                <a:spcPts val="0"/>
-              </a:spcBef>
-              <a:spcAft>
-                <a:spcPts val="0"/>
-              </a:spcAft>
-              <a:buSzPts val="1800"/>
-              <a:buChar char="●"/>
-            </a:pPr>
-            <a:r>
-              <a:rPr lang="en"/>
-              <a:t>Players will be able to select cards from the board, and when a set is found, a new board will be generated with the 3 selected cards replaced</a:t>
-            </a:r>
-            <a:endParaRPr/>
-          </a:p>
-          <a:p>
-            <a:pPr indent="-342900" lvl="0" marL="457200" rtl="0" algn="l">
-              <a:spcBef>
-                <a:spcPts val="0"/>
-              </a:spcBef>
-              <a:spcAft>
-                <a:spcPts val="0"/>
-              </a:spcAft>
-              <a:buSzPts val="1800"/>
-              <a:buChar char="●"/>
-            </a:pPr>
-            <a:r>
-              <a:rPr lang="en"/>
-              <a:t>Play will continue until the deck is empty and there are no sets left on the board, or until the user who started the game presses the cancel button</a:t>
-            </a:r>
-            <a:endParaRPr/>
-          </a:p>
-          <a:p>
-            <a:pPr indent="-342900" lvl="0" marL="457200" rtl="0" algn="l">
-              <a:spcBef>
-                <a:spcPts val="0"/>
-              </a:spcBef>
-              <a:spcAft>
-                <a:spcPts val="0"/>
-              </a:spcAft>
-              <a:buSzPts val="1800"/>
-              <a:buChar char="●"/>
-            </a:pPr>
-            <a:r>
-              <a:rPr lang="en"/>
-              <a:t>Scores will be displayed, and stats will be recorded about each game when they end or are cancelled</a:t>
-            </a:r>
-            <a:endParaRPr/>
-          </a:p>
-        </p:txBody>
-      </p:sp>
-    </p:spTree>
-  </p:cSld>
-  <p:clrMapOvr>
-    <a:masterClrMapping/>
-  </p:clrMapOvr>
-  <p:timing>
-    <p:tnLst>
-      <p:par>
-        <p:cTn dur="indefinite" nodeType="tmRoot" restart="never">
-          <p:childTnLst>
-            <p:seq concurrent="1" nextAc="seek">
-              <p:cTn dur="indefinite" id="2" nodeType="mainSeq">
-                <p:childTnLst>
-                  <p:par>
-                    <p:cTn fill="hold">
-                      <p:stCondLst>
-                        <p:cond delay="indefinite"/>
-                      </p:stCondLst>
-                      <p:childTnLst>
-                        <p:par>
-                          <p:cTn fill="hold">
-                            <p:stCondLst>
-                              <p:cond delay="0"/>
-                            </p:stCondLst>
-                            <p:childTnLst>
-                              <p:par>
-                                <p:cTn fill="hold" nodeType="clickEffect" presetClass="entr" presetID="1" presetSubtype="0">
-                                  <p:stCondLst>
-                                    <p:cond delay="0"/>
-                                  </p:stCondLst>
-                                  <p:childTnLst>
-                                    <p:set>
-                                      <p:cBhvr>
-                                        <p:cTn dur="1" fill="hold">
-                                          <p:stCondLst>
-                                            <p:cond delay="0"/>
-                                          </p:stCondLst>
-                                        </p:cTn>
-                                        <p:tgtEl>
-                                          <p:spTgt spid="164">
-                                            <p:txEl>
-                                              <p:pRg end="0" st="0"/>
-                                            </p:txEl>
-                                          </p:spTgt>
-                                        </p:tgtEl>
-                                        <p:attrNameLst>
-                                          <p:attrName>style.visibility</p:attrName>
-                                        </p:attrNameLst>
-                                      </p:cBhvr>
-                                      <p:to>
-                                        <p:strVal val="visible"/>
-                                      </p:to>
-                                    </p:set>
-                                  </p:childTnLst>
-                                </p:cTn>
-                              </p:par>
-                            </p:childTnLst>
-                          </p:cTn>
-                        </p:par>
-                      </p:childTnLst>
-                    </p:cTn>
-                  </p:par>
-                  <p:par>
-                    <p:cTn fill="hold">
-                      <p:stCondLst>
-                        <p:cond delay="indefinite"/>
-                      </p:stCondLst>
-                      <p:childTnLst>
-                        <p:par>
-                          <p:cTn fill="hold">
-                            <p:stCondLst>
-                              <p:cond delay="0"/>
-                            </p:stCondLst>
-                            <p:childTnLst>
-                              <p:par>
-                                <p:cTn fill="hold" nodeType="clickEffect" presetClass="entr" presetID="1" presetSubtype="0">
-                                  <p:stCondLst>
-                                    <p:cond delay="0"/>
-                                  </p:stCondLst>
-                                  <p:childTnLst>
-                                    <p:set>
-                                      <p:cBhvr>
-                                        <p:cTn dur="1" fill="hold">
-                                          <p:stCondLst>
-                                            <p:cond delay="0"/>
-                                          </p:stCondLst>
-                                        </p:cTn>
-                                        <p:tgtEl>
-                                          <p:spTgt spid="164">
-                                            <p:txEl>
-                                              <p:pRg end="1" st="1"/>
-                                            </p:txEl>
-                                          </p:spTgt>
-                                        </p:tgtEl>
-                                        <p:attrNameLst>
-                                          <p:attrName>style.visibility</p:attrName>
-                                        </p:attrNameLst>
-                                      </p:cBhvr>
-                                      <p:to>
-                                        <p:strVal val="visible"/>
-                                      </p:to>
-                                    </p:set>
-                                  </p:childTnLst>
-                                </p:cTn>
-                              </p:par>
-                            </p:childTnLst>
-                          </p:cTn>
-                        </p:par>
-                      </p:childTnLst>
-                    </p:cTn>
-                  </p:par>
-                  <p:par>
-                    <p:cTn fill="hold">
-                      <p:stCondLst>
-                        <p:cond delay="indefinite"/>
-                      </p:stCondLst>
-                      <p:childTnLst>
-                        <p:par>
-                          <p:cTn fill="hold">
-                            <p:stCondLst>
-                              <p:cond delay="0"/>
-                            </p:stCondLst>
-                            <p:childTnLst>
-                              <p:par>
-                                <p:cTn fill="hold" nodeType="clickEffect" presetClass="entr" presetID="1" presetSubtype="0">
-                                  <p:stCondLst>
-                                    <p:cond delay="0"/>
-                                  </p:stCondLst>
-                                  <p:childTnLst>
-                                    <p:set>
-                                      <p:cBhvr>
-                                        <p:cTn dur="1" fill="hold">
-                                          <p:stCondLst>
-                                            <p:cond delay="0"/>
-                                          </p:stCondLst>
-                                        </p:cTn>
-                                        <p:tgtEl>
-                                          <p:spTgt spid="164">
-                                            <p:txEl>
-                                              <p:pRg end="2" st="2"/>
-                                            </p:txEl>
-                                          </p:spTgt>
-                                        </p:tgtEl>
-                                        <p:attrNameLst>
-                                          <p:attrName>style.visibility</p:attrName>
-                                        </p:attrNameLst>
-                                      </p:cBhvr>
-                                      <p:to>
-                                        <p:strVal val="visible"/>
-                                      </p:to>
-                                    </p:set>
-                                  </p:childTnLst>
-                                </p:cTn>
-                              </p:par>
-                            </p:childTnLst>
-                          </p:cTn>
-                        </p:par>
-                      </p:childTnLst>
-                    </p:cTn>
-                  </p:par>
-                  <p:par>
-                    <p:cTn fill="hold">
-                      <p:stCondLst>
-                        <p:cond delay="indefinite"/>
-                      </p:stCondLst>
-                      <p:childTnLst>
-                        <p:par>
-                          <p:cTn fill="hold">
-                            <p:stCondLst>
-                              <p:cond delay="0"/>
-                            </p:stCondLst>
-                            <p:childTnLst>
-                              <p:par>
-                                <p:cTn fill="hold" nodeType="clickEffect" presetClass="entr" presetID="1" presetSubtype="0">
-                                  <p:stCondLst>
-                                    <p:cond delay="0"/>
-                                  </p:stCondLst>
-                                  <p:childTnLst>
-                                    <p:set>
-                                      <p:cBhvr>
-                                        <p:cTn dur="1" fill="hold">
-                                          <p:stCondLst>
-                                            <p:cond delay="0"/>
-                                          </p:stCondLst>
-                                        </p:cTn>
-                                        <p:tgtEl>
-                                          <p:spTgt spid="164">
-                                            <p:txEl>
-                                              <p:pRg end="3" st="3"/>
-                                            </p:txEl>
-                                          </p:spTgt>
-                                        </p:tgtEl>
-                                        <p:attrNameLst>
-                                          <p:attrName>style.visibility</p:attrName>
-                                        </p:attrNameLst>
-                                      </p:cBhvr>
-                                      <p:to>
-                                        <p:strVal val="visible"/>
-                                      </p:to>
-                                    </p:set>
-                                  </p:childTnLst>
-                                </p:cTn>
-                              </p:par>
-                            </p:childTnLst>
-                          </p:cTn>
-                        </p:par>
-                      </p:childTnLst>
-                    </p:cTn>
-                  </p:par>
-                  <p:par>
-                    <p:cTn fill="hold">
-                      <p:stCondLst>
-                        <p:cond delay="indefinite"/>
-                      </p:stCondLst>
-                      <p:childTnLst>
-                        <p:par>
-                          <p:cTn fill="hold">
-                            <p:stCondLst>
-                              <p:cond delay="0"/>
-                            </p:stCondLst>
-                            <p:childTnLst>
-                              <p:par>
-                                <p:cTn fill="hold" nodeType="clickEffect" presetClass="entr" presetID="1" presetSubtype="0">
-                                  <p:stCondLst>
-                                    <p:cond delay="0"/>
-                                  </p:stCondLst>
-                                  <p:childTnLst>
-                                    <p:set>
-                                      <p:cBhvr>
-                                        <p:cTn dur="1" fill="hold">
-                                          <p:stCondLst>
-                                            <p:cond delay="0"/>
-                                          </p:stCondLst>
-                                        </p:cTn>
-                                        <p:tgtEl>
-                                          <p:spTgt spid="164">
-                                            <p:txEl>
-                                              <p:pRg end="4" st="4"/>
-                                            </p:txEl>
-                                          </p:spTgt>
-                                        </p:tgtEl>
-                                        <p:attrNameLst>
-                                          <p:attrName>style.visibility</p:attrName>
-                                        </p:attrNameLst>
-                                      </p:cBhvr>
-                                      <p:to>
-                                        <p:strVal val="visible"/>
-                                      </p:to>
-                                    </p:set>
-                                  </p:childTnLst>
-                                </p:cTn>
-                              </p:par>
-                            </p:childTnLst>
-                          </p:cTn>
-                        </p:par>
-                      </p:childTnLst>
-                    </p:cTn>
-                  </p:par>
-                  <p:par>
-                    <p:cTn fill="hold">
-                      <p:stCondLst>
-                        <p:cond delay="indefinite"/>
-                      </p:stCondLst>
-                      <p:childTnLst>
-                        <p:par>
-                          <p:cTn fill="hold">
-                            <p:stCondLst>
-                              <p:cond delay="0"/>
-                            </p:stCondLst>
-                            <p:childTnLst>
-                              <p:par>
-                                <p:cTn fill="hold" nodeType="clickEffect" presetClass="entr" presetID="1" presetSubtype="0">
-                                  <p:stCondLst>
-                                    <p:cond delay="0"/>
-                                  </p:stCondLst>
-                                  <p:childTnLst>
-                                    <p:set>
-                                      <p:cBhvr>
-                                        <p:cTn dur="1" fill="hold">
-                                          <p:stCondLst>
-                                            <p:cond delay="0"/>
-                                          </p:stCondLst>
-                                        </p:cTn>
-                                        <p:tgtEl>
-                                          <p:spTgt spid="164">
-                                            <p:txEl>
-                                              <p:pRg end="5" st="5"/>
-                                            </p:txEl>
-                                          </p:spTgt>
-                                        </p:tgtEl>
-                                        <p:attrNameLst>
-                                          <p:attrName>style.visibility</p:attrName>
-                                        </p:attrNameLst>
-                                      </p:cBhvr>
-                                      <p:to>
-                                        <p:strVal val="visible"/>
-                                      </p:to>
-                                    </p:set>
-                                  </p:childTnLst>
-                                </p:cTn>
-                              </p:par>
-                            </p:childTnLst>
-                          </p:cTn>
-                        </p:par>
-                      </p:childTnLst>
-                    </p:cTn>
-                  </p:par>
-                  <p:par>
-                    <p:cTn fill="hold">
-                      <p:stCondLst>
-                        <p:cond delay="indefinite"/>
-                      </p:stCondLst>
-                      <p:childTnLst>
-                        <p:par>
-                          <p:cTn fill="hold">
-                            <p:stCondLst>
-                              <p:cond delay="0"/>
-                            </p:stCondLst>
-                            <p:childTnLst>
-                              <p:par>
-                                <p:cTn fill="hold" nodeType="clickEffect" presetClass="entr" presetID="1" presetSubtype="0">
-                                  <p:stCondLst>
-                                    <p:cond delay="0"/>
-                                  </p:stCondLst>
-                                  <p:childTnLst>
-                                    <p:set>
-                                      <p:cBhvr>
-                                        <p:cTn dur="1" fill="hold">
-                                          <p:stCondLst>
-                                            <p:cond delay="0"/>
-                                          </p:stCondLst>
-                                        </p:cTn>
-                                        <p:tgtEl>
-                                          <p:spTgt spid="164">
-                                            <p:txEl>
-                                              <p:pRg end="6" st="6"/>
-                                            </p:txEl>
-                                          </p:spTgt>
-                                        </p:tgtEl>
-                                        <p:attrNameLst>
-                                          <p:attrName>style.visibility</p:attrName>
-                                        </p:attrNameLst>
-                                      </p:cBhvr>
-                                      <p:to>
-                                        <p:strVal val="visible"/>
-                                      </p:to>
-                                    </p:set>
-                                  </p:childTnLst>
-                                </p:cTn>
-                              </p:par>
-                            </p:childTnLst>
-                          </p:cTn>
-                        </p:par>
-                      </p:childTnLst>
-                    </p:cTn>
-                  </p:par>
-                  <p:par>
-                    <p:cTn fill="hold">
-                      <p:stCondLst>
-                        <p:cond delay="indefinite"/>
-                      </p:stCondLst>
-                      <p:childTnLst>
-                        <p:par>
-                          <p:cTn fill="hold">
-                            <p:stCondLst>
-                              <p:cond delay="0"/>
-                            </p:stCondLst>
-                            <p:childTnLst>
-                              <p:par>
-                                <p:cTn fill="hold" nodeType="clickEffect" presetClass="entr" presetID="1" presetSubtype="0">
-                                  <p:stCondLst>
-                                    <p:cond delay="0"/>
-                                  </p:stCondLst>
-                                  <p:childTnLst>
-                                    <p:set>
-                                      <p:cBhvr>
-                                        <p:cTn dur="1" fill="hold">
-                                          <p:stCondLst>
-                                            <p:cond delay="0"/>
-                                          </p:stCondLst>
-                                        </p:cTn>
-                                        <p:tgtEl>
-                                          <p:spTgt spid="164">
-                                            <p:txEl>
-                                              <p:pRg end="7" st="7"/>
-                                            </p:txEl>
-                                          </p:spTgt>
-                                        </p:tgtEl>
-                                        <p:attrNameLst>
-                                          <p:attrName>style.visibility</p:attrName>
-                                        </p:attrNameLst>
-                                      </p:cBhvr>
-                                      <p:to>
-                                        <p:strVal val="visible"/>
-                                      </p:to>
-                                    </p:set>
-                                  </p:childTnLst>
-                                </p:cTn>
-                              </p:par>
-                            </p:childTnLst>
-                          </p:cTn>
-                        </p:par>
-                      </p:childTnLst>
-                    </p:cTn>
-                  </p:par>
-                  <p:par>
-                    <p:cTn fill="hold">
-                      <p:stCondLst>
-                        <p:cond delay="indefinite"/>
-                      </p:stCondLst>
-                      <p:childTnLst>
-                        <p:par>
-                          <p:cTn fill="hold">
-                            <p:stCondLst>
-                              <p:cond delay="0"/>
-                            </p:stCondLst>
-                            <p:childTnLst>
-                              <p:par>
-                                <p:cTn fill="hold" nodeType="clickEffect" presetClass="entr" presetID="1" presetSubtype="0">
-                                  <p:stCondLst>
-                                    <p:cond delay="0"/>
-                                  </p:stCondLst>
-                                  <p:childTnLst>
-                                    <p:set>
-                                      <p:cBhvr>
-                                        <p:cTn dur="1" fill="hold">
-                                          <p:stCondLst>
-                                            <p:cond delay="0"/>
-                                          </p:stCondLst>
-                                        </p:cTn>
-                                        <p:tgtEl>
-                                          <p:spTgt spid="164">
-                                            <p:txEl>
-                                              <p:pRg end="8" st="8"/>
-                                            </p:txEl>
-                                          </p:spTgt>
-                                        </p:tgtEl>
-                                        <p:attrNameLst>
-                                          <p:attrName>style.visibility</p:attrName>
-                                        </p:attrNameLst>
-                                      </p:cBhvr>
-                                      <p:to>
-                                        <p:strVal val="visible"/>
-                                      </p:to>
-                                    </p:set>
-                                  </p:childTnLst>
-                                </p:cTn>
-                              </p:par>
-                            </p:childTnLst>
-                          </p:cTn>
-                        </p:par>
-                      </p:childTnLst>
-                    </p:cTn>
-                  </p:par>
-                  <p:par>
-                    <p:cTn fill="hold">
-                      <p:stCondLst>
-                        <p:cond delay="indefinite"/>
-                      </p:stCondLst>
-                      <p:childTnLst>
-                        <p:par>
-                          <p:cTn fill="hold">
-                            <p:stCondLst>
-                              <p:cond delay="0"/>
-                            </p:stCondLst>
-                            <p:childTnLst>
-                              <p:par>
-                                <p:cTn fill="hold" nodeType="clickEffect" presetClass="entr" presetID="1" presetSubtype="0">
-                                  <p:stCondLst>
-                                    <p:cond delay="0"/>
-                                  </p:stCondLst>
-                                  <p:childTnLst>
-                                    <p:set>
-                                      <p:cBhvr>
-                                        <p:cTn dur="1" fill="hold">
-                                          <p:stCondLst>
-                                            <p:cond delay="0"/>
-                                          </p:stCondLst>
-                                        </p:cTn>
-                                        <p:tgtEl>
-                                          <p:spTgt spid="164">
-                                            <p:txEl>
-                                              <p:pRg end="9" st="9"/>
-                                            </p:txEl>
-                                          </p:spTgt>
-                                        </p:tgtEl>
-                                        <p:attrNameLst>
-                                          <p:attrName>style.visibility</p:attrName>
-                                        </p:attrNameLst>
-                                      </p:cBhvr>
-                                      <p:to>
-                                        <p:strVal val="visible"/>
-                                      </p:to>
-                                    </p:set>
-                                  </p:childTnLst>
-                                </p:cTn>
-                              </p:par>
-                            </p:childTnLst>
-                          </p:cTn>
-                        </p:par>
-                      </p:childTnLst>
-                    </p:cTn>
-                  </p:par>
-                  <p:par>
-                    <p:cTn fill="hold">
-                      <p:stCondLst>
-                        <p:cond delay="indefinite"/>
-                      </p:stCondLst>
-                      <p:childTnLst>
-                        <p:par>
-                          <p:cTn fill="hold">
-                            <p:stCondLst>
-                              <p:cond delay="0"/>
-                            </p:stCondLst>
-                            <p:childTnLst>
-                              <p:par>
-                                <p:cTn fill="hold" nodeType="clickEffect" presetClass="entr" presetID="1" presetSubtype="0">
-                                  <p:stCondLst>
-                                    <p:cond delay="0"/>
-                                  </p:stCondLst>
-                                  <p:childTnLst>
-                                    <p:set>
-                                      <p:cBhvr>
-                                        <p:cTn dur="1" fill="hold">
-                                          <p:stCondLst>
-                                            <p:cond delay="0"/>
-                                          </p:stCondLst>
-                                        </p:cTn>
-                                        <p:tgtEl>
-                                          <p:spTgt spid="164">
-                                            <p:txEl>
-                                              <p:pRg end="10" st="10"/>
-                                            </p:txEl>
-                                          </p:spTgt>
-                                        </p:tgtEl>
-                                        <p:attrNameLst>
-                                          <p:attrName>style.visibility</p:attrName>
-                                        </p:attrNameLst>
-                                      </p:cBhvr>
-                                      <p:to>
-                                        <p:strVal val="visible"/>
-                                      </p:to>
-                                    </p:set>
-                                  </p:childTnLst>
-                                </p:cTn>
-                              </p:par>
-                            </p:childTnLst>
-                          </p:cTn>
-                        </p:par>
-                      </p:childTnLst>
-                    </p:cTn>
-                  </p:par>
-                  <p:par>
-                    <p:cTn fill="hold">
-                      <p:stCondLst>
-                        <p:cond delay="indefinite"/>
-                      </p:stCondLst>
-                      <p:childTnLst>
-                        <p:par>
-                          <p:cTn fill="hold">
-                            <p:stCondLst>
-                              <p:cond delay="0"/>
-                            </p:stCondLst>
-                            <p:childTnLst>
-                              <p:par>
-                                <p:cTn fill="hold" nodeType="clickEffect" presetClass="entr" presetID="1" presetSubtype="0">
-                                  <p:stCondLst>
-                                    <p:cond delay="0"/>
-                                  </p:stCondLst>
-                                  <p:childTnLst>
-                                    <p:set>
-                                      <p:cBhvr>
-                                        <p:cTn dur="1" fill="hold">
-                                          <p:stCondLst>
-                                            <p:cond delay="0"/>
-                                          </p:stCondLst>
-                                        </p:cTn>
-                                        <p:tgtEl>
-                                          <p:spTgt spid="164">
-                                            <p:txEl>
-                                              <p:pRg end="11" st="11"/>
-                                            </p:txEl>
-                                          </p:spTgt>
-                                        </p:tgtEl>
-                                        <p:attrNameLst>
-                                          <p:attrName>style.visibility</p:attrName>
-                                        </p:attrNameLst>
-                                      </p:cBhvr>
-                                      <p:to>
-                                        <p:strVal val="visible"/>
-                                      </p:to>
-                                    </p:set>
-                                  </p:childTnLst>
-                                </p:cTn>
-                              </p:par>
-                            </p:childTnLst>
-                          </p:cTn>
-                        </p:par>
-                      </p:childTnLst>
-                    </p:cTn>
-                  </p:par>
-                </p:childTnLst>
-              </p:cTn>
-              <p:prevCondLst>
-                <p:cond evt="onPrev">
-                  <p:tgtEl>
-                    <p:sldTgt/>
-                  </p:tgtEl>
-                </p:cond>
-              </p:prevCondLst>
-              <p:nextCondLst>
-                <p:cond evt="onNext">
-                  <p:tgtEl>
-                    <p:sldTgt/>
-                  </p:tgtEl>
-                </p:cond>
-              </p:nextCondLst>
-            </p:seq>
-          </p:childTnLst>
-        </p:cTn>
-      </p:par>
-    </p:tnLst>
-  </p:timing>
-</p:sld>
-</file>
-
-<file path=ppt/slides/slide12.xml><?xml version="1.0" encoding="utf-8"?>
-<p:sld xmlns:a="http://schemas.openxmlformats.org/drawingml/2006/main" xmlns:r="http://schemas.openxmlformats.org/officeDocument/2006/relationships" xmlns:mc="http://schemas.openxmlformats.org/markup-compatibility/2006" xmlns:mv="urn:schemas-microsoft-com:mac:vml" xmlns:p="http://schemas.openxmlformats.org/presentationml/2006/main" xmlns:c="http://schemas.openxmlformats.org/drawingml/2006/chart" xmlns:dgm="http://schemas.openxmlformats.org/drawingml/2006/diagram" xmlns:o="urn:schemas-microsoft-com:office:office" xmlns:v="urn:schemas-microsoft-com:vml" xmlns:pvml="urn:schemas-microsoft-com:office:powerpoint" xmlns:com="http://schemas.openxmlformats.org/drawingml/2006/compatibility" xmlns:p14="http://schemas.microsoft.com/office/powerpoint/2010/main" xmlns:p15="http://schemas.microsoft.com/office/powerpoint/2012/main" xmlns:ahyp="http://schemas.microsoft.com/office/drawing/2018/hyperlinkcolor">
-  <p:cSld>
-    <p:spTree>
-      <p:nvGrpSpPr>
-        <p:cNvPr id="168" name="Shape 168"/>
-        <p:cNvGrpSpPr/>
-        <p:nvPr/>
-      </p:nvGrpSpPr>
-      <p:grpSpPr>
-        <a:xfrm>
-          <a:off x="0" y="0"/>
-          <a:ext cx="0" cy="0"/>
-          <a:chOff x="0" y="0"/>
-          <a:chExt cx="0" cy="0"/>
-        </a:xfrm>
-      </p:grpSpPr>
-      <p:sp>
-        <p:nvSpPr>
-          <p:cNvPr id="169" name="Google Shape;169;p24"/>
-          <p:cNvSpPr txBox="1"/>
-          <p:nvPr>
-            <p:ph type="title"/>
-          </p:nvPr>
-        </p:nvSpPr>
-        <p:spPr>
-          <a:xfrm>
-            <a:off x="311700" y="445025"/>
-            <a:ext cx="8520600" cy="572700"/>
-          </a:xfrm>
-          <a:prstGeom prst="rect">
-            <a:avLst/>
-          </a:prstGeom>
-        </p:spPr>
-        <p:txBody>
-          <a:bodyPr anchorCtr="0" anchor="t" bIns="91425" lIns="91425" spcFirstLastPara="1" rIns="91425" wrap="square" tIns="91425">
-            <a:normAutofit fontScale="90000"/>
-          </a:bodyPr>
-          <a:lstStyle/>
-          <a:p>
-            <a:pPr indent="0" lvl="0" marL="0" rtl="0" algn="l">
-              <a:spcBef>
-                <a:spcPts val="0"/>
-              </a:spcBef>
-              <a:spcAft>
-                <a:spcPts val="0"/>
-              </a:spcAft>
-              <a:buNone/>
-            </a:pPr>
-            <a:r>
-              <a:rPr lang="en"/>
-              <a:t>Architecture</a:t>
-            </a:r>
-            <a:endParaRPr/>
-          </a:p>
-        </p:txBody>
-      </p:sp>
-      <p:pic>
-        <p:nvPicPr>
-          <p:cNvPr id="170" name="Google Shape;170;p24"/>
-          <p:cNvPicPr preferRelativeResize="0"/>
-          <p:nvPr/>
-        </p:nvPicPr>
-        <p:blipFill>
-          <a:blip r:embed="rId3">
-            <a:alphaModFix/>
-          </a:blip>
-          <a:stretch>
-            <a:fillRect/>
-          </a:stretch>
-        </p:blipFill>
-        <p:spPr>
-          <a:xfrm>
-            <a:off x="904638" y="1017725"/>
-            <a:ext cx="7334717" cy="4125776"/>
-          </a:xfrm>
-          <a:prstGeom prst="rect">
-            <a:avLst/>
-          </a:prstGeom>
-          <a:noFill/>
-          <a:ln>
-            <a:noFill/>
-          </a:ln>
-        </p:spPr>
-      </p:pic>
-    </p:spTree>
-  </p:cSld>
-  <p:clrMapOvr>
-    <a:masterClrMapping/>
-  </p:clrMapOvr>
-</p:sld>
-</file>
-
-<file path=ppt/slides/slide13.xml><?xml version="1.0" encoding="utf-8"?>
-<p:sld xmlns:a="http://schemas.openxmlformats.org/drawingml/2006/main" xmlns:r="http://schemas.openxmlformats.org/officeDocument/2006/relationships" xmlns:mc="http://schemas.openxmlformats.org/markup-compatibility/2006" xmlns:mv="urn:schemas-microsoft-com:mac:vml" xmlns:p="http://schemas.openxmlformats.org/presentationml/2006/main" xmlns:c="http://schemas.openxmlformats.org/drawingml/2006/chart" xmlns:dgm="http://schemas.openxmlformats.org/drawingml/2006/diagram" xmlns:o="urn:schemas-microsoft-com:office:office" xmlns:v="urn:schemas-microsoft-com:vml" xmlns:pvml="urn:schemas-microsoft-com:office:powerpoint" xmlns:com="http://schemas.openxmlformats.org/drawingml/2006/compatibility" xmlns:p14="http://schemas.microsoft.com/office/powerpoint/2010/main" xmlns:p15="http://schemas.microsoft.com/office/powerpoint/2012/main" xmlns:ahyp="http://schemas.microsoft.com/office/drawing/2018/hyperlinkcolor">
-  <p:cSld>
-    <p:spTree>
-      <p:nvGrpSpPr>
-        <p:cNvPr id="174" name="Shape 174"/>
+        <p:cNvPr id="158" name="Shape 158"/>
         <p:cNvGrpSpPr/>
         <p:nvPr/>
       </p:nvGrpSpPr>
@@ -9244,824 +7913,7 @@
       </p:grpSpPr>
       <p:pic>
         <p:nvPicPr>
-          <p:cNvPr id="175" name="Google Shape;175;p25"/>
-          <p:cNvPicPr preferRelativeResize="0"/>
-          <p:nvPr/>
-        </p:nvPicPr>
-        <p:blipFill>
-          <a:blip r:embed="rId3">
-            <a:alphaModFix/>
-          </a:blip>
-          <a:stretch>
-            <a:fillRect/>
-          </a:stretch>
-        </p:blipFill>
-        <p:spPr>
-          <a:xfrm>
-            <a:off x="0" y="0"/>
-            <a:ext cx="9143999" cy="5143500"/>
-          </a:xfrm>
-          <a:prstGeom prst="rect">
-            <a:avLst/>
-          </a:prstGeom>
-          <a:noFill/>
-          <a:ln>
-            <a:noFill/>
-          </a:ln>
-        </p:spPr>
-      </p:pic>
-      <p:sp>
-        <p:nvSpPr>
-          <p:cNvPr id="176" name="Google Shape;176;p25"/>
-          <p:cNvSpPr txBox="1"/>
-          <p:nvPr>
-            <p:ph type="title"/>
-          </p:nvPr>
-        </p:nvSpPr>
-        <p:spPr>
-          <a:xfrm>
-            <a:off x="3010800" y="1999050"/>
-            <a:ext cx="3122400" cy="572700"/>
-          </a:xfrm>
-          <a:prstGeom prst="rect">
-            <a:avLst/>
-          </a:prstGeom>
-        </p:spPr>
-        <p:txBody>
-          <a:bodyPr anchorCtr="0" anchor="t" bIns="91425" lIns="91425" spcFirstLastPara="1" rIns="91425" wrap="square" tIns="91425">
-            <a:normAutofit fontScale="90000"/>
-          </a:bodyPr>
-          <a:lstStyle/>
-          <a:p>
-            <a:pPr indent="0" lvl="0" marL="0" rtl="0" algn="ctr">
-              <a:spcBef>
-                <a:spcPts val="0"/>
-              </a:spcBef>
-              <a:spcAft>
-                <a:spcPts val="0"/>
-              </a:spcAft>
-              <a:buNone/>
-            </a:pPr>
-            <a:r>
-              <a:rPr b="1" lang="en"/>
-              <a:t>Database Structure</a:t>
-            </a:r>
-            <a:endParaRPr b="1"/>
-          </a:p>
-        </p:txBody>
-      </p:sp>
-    </p:spTree>
-  </p:cSld>
-  <p:clrMapOvr>
-    <a:masterClrMapping/>
-  </p:clrMapOvr>
-</p:sld>
-</file>
-
-<file path=ppt/slides/slide14.xml><?xml version="1.0" encoding="utf-8"?>
-<p:sld xmlns:a="http://schemas.openxmlformats.org/drawingml/2006/main" xmlns:r="http://schemas.openxmlformats.org/officeDocument/2006/relationships" xmlns:mc="http://schemas.openxmlformats.org/markup-compatibility/2006" xmlns:mv="urn:schemas-microsoft-com:mac:vml" xmlns:p="http://schemas.openxmlformats.org/presentationml/2006/main" xmlns:c="http://schemas.openxmlformats.org/drawingml/2006/chart" xmlns:dgm="http://schemas.openxmlformats.org/drawingml/2006/diagram" xmlns:o="urn:schemas-microsoft-com:office:office" xmlns:v="urn:schemas-microsoft-com:vml" xmlns:pvml="urn:schemas-microsoft-com:office:powerpoint" xmlns:com="http://schemas.openxmlformats.org/drawingml/2006/compatibility" xmlns:p14="http://schemas.microsoft.com/office/powerpoint/2010/main" xmlns:p15="http://schemas.microsoft.com/office/powerpoint/2012/main" xmlns:ahyp="http://schemas.microsoft.com/office/drawing/2018/hyperlinkcolor">
-  <p:cSld>
-    <p:spTree>
-      <p:nvGrpSpPr>
-        <p:cNvPr id="180" name="Shape 180"/>
-        <p:cNvGrpSpPr/>
-        <p:nvPr/>
-      </p:nvGrpSpPr>
-      <p:grpSpPr>
-        <a:xfrm>
-          <a:off x="0" y="0"/>
-          <a:ext cx="0" cy="0"/>
-          <a:chOff x="0" y="0"/>
-          <a:chExt cx="0" cy="0"/>
-        </a:xfrm>
-      </p:grpSpPr>
-      <p:sp>
-        <p:nvSpPr>
-          <p:cNvPr id="181" name="Google Shape;181;p26"/>
-          <p:cNvSpPr txBox="1"/>
-          <p:nvPr>
-            <p:ph type="title"/>
-          </p:nvPr>
-        </p:nvSpPr>
-        <p:spPr>
-          <a:xfrm>
-            <a:off x="311700" y="445025"/>
-            <a:ext cx="8520600" cy="572700"/>
-          </a:xfrm>
-          <a:prstGeom prst="rect">
-            <a:avLst/>
-          </a:prstGeom>
-        </p:spPr>
-        <p:txBody>
-          <a:bodyPr anchorCtr="0" anchor="t" bIns="91425" lIns="91425" spcFirstLastPara="1" rIns="91425" wrap="square" tIns="91425">
-            <a:normAutofit fontScale="90000"/>
-          </a:bodyPr>
-          <a:lstStyle/>
-          <a:p>
-            <a:pPr indent="0" lvl="0" marL="0" rtl="0" algn="l">
-              <a:spcBef>
-                <a:spcPts val="0"/>
-              </a:spcBef>
-              <a:spcAft>
-                <a:spcPts val="0"/>
-              </a:spcAft>
-              <a:buNone/>
-            </a:pPr>
-            <a:r>
-              <a:rPr lang="en"/>
-              <a:t>Accomplished Work</a:t>
-            </a:r>
-            <a:endParaRPr/>
-          </a:p>
-        </p:txBody>
-      </p:sp>
-      <p:sp>
-        <p:nvSpPr>
-          <p:cNvPr id="182" name="Google Shape;182;p26"/>
-          <p:cNvSpPr txBox="1"/>
-          <p:nvPr>
-            <p:ph idx="1" type="body"/>
-          </p:nvPr>
-        </p:nvSpPr>
-        <p:spPr>
-          <a:xfrm>
-            <a:off x="311700" y="1152475"/>
-            <a:ext cx="8520600" cy="3852300"/>
-          </a:xfrm>
-          <a:prstGeom prst="rect">
-            <a:avLst/>
-          </a:prstGeom>
-        </p:spPr>
-        <p:txBody>
-          <a:bodyPr anchorCtr="0" anchor="t" bIns="91425" lIns="91425" spcFirstLastPara="1" rIns="91425" wrap="square" tIns="91425">
-            <a:normAutofit/>
-          </a:bodyPr>
-          <a:lstStyle/>
-          <a:p>
-            <a:pPr indent="-342900" lvl="0" marL="457200" rtl="0" algn="l">
-              <a:spcBef>
-                <a:spcPts val="0"/>
-              </a:spcBef>
-              <a:spcAft>
-                <a:spcPts val="0"/>
-              </a:spcAft>
-              <a:buSzPts val="1800"/>
-              <a:buChar char="●"/>
-            </a:pPr>
-            <a:r>
-              <a:rPr lang="en"/>
-              <a:t>Besides database integration and statistics, all functionalities described in this document have been </a:t>
-            </a:r>
-            <a:r>
-              <a:rPr lang="en"/>
-              <a:t>successfully implemented</a:t>
-            </a:r>
-            <a:endParaRPr/>
-          </a:p>
-          <a:p>
-            <a:pPr indent="-317500" lvl="1" marL="914400" rtl="0" algn="l">
-              <a:spcBef>
-                <a:spcPts val="0"/>
-              </a:spcBef>
-              <a:spcAft>
-                <a:spcPts val="0"/>
-              </a:spcAft>
-              <a:buSzPts val="1400"/>
-              <a:buChar char="○"/>
-            </a:pPr>
-            <a:r>
-              <a:rPr lang="en"/>
-              <a:t>Game loop is achieved through recursion of the “continueGame()” method</a:t>
-            </a:r>
-            <a:endParaRPr/>
-          </a:p>
-          <a:p>
-            <a:pPr indent="-317500" lvl="1" marL="914400" rtl="0" algn="l">
-              <a:spcBef>
-                <a:spcPts val="0"/>
-              </a:spcBef>
-              <a:spcAft>
-                <a:spcPts val="0"/>
-              </a:spcAft>
-              <a:buSzPts val="1400"/>
-              <a:buChar char="○"/>
-            </a:pPr>
-            <a:r>
-              <a:rPr lang="en"/>
-              <a:t>Cards are encoded using four digits, with values 1 2 and 3 for card properties</a:t>
-            </a:r>
-            <a:endParaRPr/>
-          </a:p>
-          <a:p>
-            <a:pPr indent="-317500" lvl="1" marL="914400" rtl="0" algn="l">
-              <a:spcBef>
-                <a:spcPts val="0"/>
-              </a:spcBef>
-              <a:spcAft>
-                <a:spcPts val="0"/>
-              </a:spcAft>
-              <a:buSzPts val="1400"/>
-              <a:buChar char="○"/>
-            </a:pPr>
-            <a:r>
-              <a:rPr lang="en"/>
-              <a:t>Images are composited using images.js, a Node.js framework for manipulating image files</a:t>
-            </a:r>
-            <a:endParaRPr/>
-          </a:p>
-          <a:p>
-            <a:pPr indent="-317500" lvl="1" marL="914400" rtl="0" algn="l">
-              <a:spcBef>
-                <a:spcPts val="0"/>
-              </a:spcBef>
-              <a:spcAft>
-                <a:spcPts val="0"/>
-              </a:spcAft>
-              <a:buSzPts val="1400"/>
-              <a:buChar char="○"/>
-            </a:pPr>
-            <a:r>
-              <a:rPr lang="en"/>
-              <a:t>Six identical reaction collectors have been made, one for each possible row</a:t>
-            </a:r>
-            <a:endParaRPr/>
-          </a:p>
-          <a:p>
-            <a:pPr indent="-317500" lvl="1" marL="914400" rtl="0" algn="l">
-              <a:spcBef>
-                <a:spcPts val="0"/>
-              </a:spcBef>
-              <a:spcAft>
-                <a:spcPts val="0"/>
-              </a:spcAft>
-              <a:buSzPts val="1400"/>
-              <a:buChar char="○"/>
-            </a:pPr>
-            <a:r>
-              <a:rPr lang="en"/>
-              <a:t>Boards are checked using an optimum pair-check algorithm as described in the paper “On the Complexity of the Game of SET,” by K. Chaudhuri et al.</a:t>
-            </a:r>
-            <a:endParaRPr/>
-          </a:p>
-          <a:p>
-            <a:pPr indent="-342900" lvl="0" marL="457200" rtl="0" algn="l">
-              <a:spcBef>
-                <a:spcPts val="0"/>
-              </a:spcBef>
-              <a:spcAft>
-                <a:spcPts val="0"/>
-              </a:spcAft>
-              <a:buSzPts val="1800"/>
-              <a:buChar char="●"/>
-            </a:pPr>
-            <a:r>
-              <a:rPr lang="en"/>
-              <a:t>The bot has yet to be hosted on pluto@hood.edu, but we have developed a Unix service file that will allow for uninterrupted operation of the program</a:t>
-            </a:r>
-            <a:endParaRPr/>
-          </a:p>
-          <a:p>
-            <a:pPr indent="-342900" lvl="0" marL="457200" rtl="0" algn="l">
-              <a:spcBef>
-                <a:spcPts val="0"/>
-              </a:spcBef>
-              <a:spcAft>
-                <a:spcPts val="0"/>
-              </a:spcAft>
-              <a:buSzPts val="1800"/>
-              <a:buChar char="●"/>
-            </a:pPr>
-            <a:r>
-              <a:rPr lang="en"/>
-              <a:t>The main logic file, “newgame.js”, contains over 1000 lines of code</a:t>
-            </a:r>
-            <a:endParaRPr/>
-          </a:p>
-          <a:p>
-            <a:pPr indent="-342900" lvl="0" marL="457200" rtl="0" algn="l">
-              <a:spcBef>
-                <a:spcPts val="0"/>
-              </a:spcBef>
-              <a:spcAft>
-                <a:spcPts val="0"/>
-              </a:spcAft>
-              <a:buSzPts val="1800"/>
-              <a:buChar char="●"/>
-            </a:pPr>
-            <a:r>
-              <a:rPr lang="en"/>
-              <a:t>The project is absolutely living up to our initial expectations, and in some cases even exceeding them</a:t>
-            </a:r>
-            <a:endParaRPr/>
-          </a:p>
-        </p:txBody>
-      </p:sp>
-    </p:spTree>
-  </p:cSld>
-  <p:clrMapOvr>
-    <a:masterClrMapping/>
-  </p:clrMapOvr>
-  <p:timing>
-    <p:tnLst>
-      <p:par>
-        <p:cTn dur="indefinite" nodeType="tmRoot" restart="never">
-          <p:childTnLst>
-            <p:seq concurrent="1" nextAc="seek">
-              <p:cTn dur="indefinite" id="2" nodeType="mainSeq">
-                <p:childTnLst>
-                  <p:par>
-                    <p:cTn fill="hold">
-                      <p:stCondLst>
-                        <p:cond delay="indefinite"/>
-                      </p:stCondLst>
-                      <p:childTnLst>
-                        <p:par>
-                          <p:cTn fill="hold">
-                            <p:stCondLst>
-                              <p:cond delay="0"/>
-                            </p:stCondLst>
-                            <p:childTnLst>
-                              <p:par>
-                                <p:cTn fill="hold" nodeType="clickEffect" presetClass="entr" presetID="1" presetSubtype="0">
-                                  <p:stCondLst>
-                                    <p:cond delay="0"/>
-                                  </p:stCondLst>
-                                  <p:childTnLst>
-                                    <p:set>
-                                      <p:cBhvr>
-                                        <p:cTn dur="1" fill="hold">
-                                          <p:stCondLst>
-                                            <p:cond delay="0"/>
-                                          </p:stCondLst>
-                                        </p:cTn>
-                                        <p:tgtEl>
-                                          <p:spTgt spid="182">
-                                            <p:txEl>
-                                              <p:pRg end="0" st="0"/>
-                                            </p:txEl>
-                                          </p:spTgt>
-                                        </p:tgtEl>
-                                        <p:attrNameLst>
-                                          <p:attrName>style.visibility</p:attrName>
-                                        </p:attrNameLst>
-                                      </p:cBhvr>
-                                      <p:to>
-                                        <p:strVal val="visible"/>
-                                      </p:to>
-                                    </p:set>
-                                  </p:childTnLst>
-                                </p:cTn>
-                              </p:par>
-                            </p:childTnLst>
-                          </p:cTn>
-                        </p:par>
-                      </p:childTnLst>
-                    </p:cTn>
-                  </p:par>
-                  <p:par>
-                    <p:cTn fill="hold">
-                      <p:stCondLst>
-                        <p:cond delay="indefinite"/>
-                      </p:stCondLst>
-                      <p:childTnLst>
-                        <p:par>
-                          <p:cTn fill="hold">
-                            <p:stCondLst>
-                              <p:cond delay="0"/>
-                            </p:stCondLst>
-                            <p:childTnLst>
-                              <p:par>
-                                <p:cTn fill="hold" nodeType="clickEffect" presetClass="entr" presetID="1" presetSubtype="0">
-                                  <p:stCondLst>
-                                    <p:cond delay="0"/>
-                                  </p:stCondLst>
-                                  <p:childTnLst>
-                                    <p:set>
-                                      <p:cBhvr>
-                                        <p:cTn dur="1" fill="hold">
-                                          <p:stCondLst>
-                                            <p:cond delay="0"/>
-                                          </p:stCondLst>
-                                        </p:cTn>
-                                        <p:tgtEl>
-                                          <p:spTgt spid="182">
-                                            <p:txEl>
-                                              <p:pRg end="1" st="1"/>
-                                            </p:txEl>
-                                          </p:spTgt>
-                                        </p:tgtEl>
-                                        <p:attrNameLst>
-                                          <p:attrName>style.visibility</p:attrName>
-                                        </p:attrNameLst>
-                                      </p:cBhvr>
-                                      <p:to>
-                                        <p:strVal val="visible"/>
-                                      </p:to>
-                                    </p:set>
-                                  </p:childTnLst>
-                                </p:cTn>
-                              </p:par>
-                            </p:childTnLst>
-                          </p:cTn>
-                        </p:par>
-                      </p:childTnLst>
-                    </p:cTn>
-                  </p:par>
-                  <p:par>
-                    <p:cTn fill="hold">
-                      <p:stCondLst>
-                        <p:cond delay="indefinite"/>
-                      </p:stCondLst>
-                      <p:childTnLst>
-                        <p:par>
-                          <p:cTn fill="hold">
-                            <p:stCondLst>
-                              <p:cond delay="0"/>
-                            </p:stCondLst>
-                            <p:childTnLst>
-                              <p:par>
-                                <p:cTn fill="hold" nodeType="clickEffect" presetClass="entr" presetID="1" presetSubtype="0">
-                                  <p:stCondLst>
-                                    <p:cond delay="0"/>
-                                  </p:stCondLst>
-                                  <p:childTnLst>
-                                    <p:set>
-                                      <p:cBhvr>
-                                        <p:cTn dur="1" fill="hold">
-                                          <p:stCondLst>
-                                            <p:cond delay="0"/>
-                                          </p:stCondLst>
-                                        </p:cTn>
-                                        <p:tgtEl>
-                                          <p:spTgt spid="182">
-                                            <p:txEl>
-                                              <p:pRg end="2" st="2"/>
-                                            </p:txEl>
-                                          </p:spTgt>
-                                        </p:tgtEl>
-                                        <p:attrNameLst>
-                                          <p:attrName>style.visibility</p:attrName>
-                                        </p:attrNameLst>
-                                      </p:cBhvr>
-                                      <p:to>
-                                        <p:strVal val="visible"/>
-                                      </p:to>
-                                    </p:set>
-                                  </p:childTnLst>
-                                </p:cTn>
-                              </p:par>
-                            </p:childTnLst>
-                          </p:cTn>
-                        </p:par>
-                      </p:childTnLst>
-                    </p:cTn>
-                  </p:par>
-                  <p:par>
-                    <p:cTn fill="hold">
-                      <p:stCondLst>
-                        <p:cond delay="indefinite"/>
-                      </p:stCondLst>
-                      <p:childTnLst>
-                        <p:par>
-                          <p:cTn fill="hold">
-                            <p:stCondLst>
-                              <p:cond delay="0"/>
-                            </p:stCondLst>
-                            <p:childTnLst>
-                              <p:par>
-                                <p:cTn fill="hold" nodeType="clickEffect" presetClass="entr" presetID="1" presetSubtype="0">
-                                  <p:stCondLst>
-                                    <p:cond delay="0"/>
-                                  </p:stCondLst>
-                                  <p:childTnLst>
-                                    <p:set>
-                                      <p:cBhvr>
-                                        <p:cTn dur="1" fill="hold">
-                                          <p:stCondLst>
-                                            <p:cond delay="0"/>
-                                          </p:stCondLst>
-                                        </p:cTn>
-                                        <p:tgtEl>
-                                          <p:spTgt spid="182">
-                                            <p:txEl>
-                                              <p:pRg end="3" st="3"/>
-                                            </p:txEl>
-                                          </p:spTgt>
-                                        </p:tgtEl>
-                                        <p:attrNameLst>
-                                          <p:attrName>style.visibility</p:attrName>
-                                        </p:attrNameLst>
-                                      </p:cBhvr>
-                                      <p:to>
-                                        <p:strVal val="visible"/>
-                                      </p:to>
-                                    </p:set>
-                                  </p:childTnLst>
-                                </p:cTn>
-                              </p:par>
-                            </p:childTnLst>
-                          </p:cTn>
-                        </p:par>
-                      </p:childTnLst>
-                    </p:cTn>
-                  </p:par>
-                  <p:par>
-                    <p:cTn fill="hold">
-                      <p:stCondLst>
-                        <p:cond delay="indefinite"/>
-                      </p:stCondLst>
-                      <p:childTnLst>
-                        <p:par>
-                          <p:cTn fill="hold">
-                            <p:stCondLst>
-                              <p:cond delay="0"/>
-                            </p:stCondLst>
-                            <p:childTnLst>
-                              <p:par>
-                                <p:cTn fill="hold" nodeType="clickEffect" presetClass="entr" presetID="1" presetSubtype="0">
-                                  <p:stCondLst>
-                                    <p:cond delay="0"/>
-                                  </p:stCondLst>
-                                  <p:childTnLst>
-                                    <p:set>
-                                      <p:cBhvr>
-                                        <p:cTn dur="1" fill="hold">
-                                          <p:stCondLst>
-                                            <p:cond delay="0"/>
-                                          </p:stCondLst>
-                                        </p:cTn>
-                                        <p:tgtEl>
-                                          <p:spTgt spid="182">
-                                            <p:txEl>
-                                              <p:pRg end="4" st="4"/>
-                                            </p:txEl>
-                                          </p:spTgt>
-                                        </p:tgtEl>
-                                        <p:attrNameLst>
-                                          <p:attrName>style.visibility</p:attrName>
-                                        </p:attrNameLst>
-                                      </p:cBhvr>
-                                      <p:to>
-                                        <p:strVal val="visible"/>
-                                      </p:to>
-                                    </p:set>
-                                  </p:childTnLst>
-                                </p:cTn>
-                              </p:par>
-                            </p:childTnLst>
-                          </p:cTn>
-                        </p:par>
-                      </p:childTnLst>
-                    </p:cTn>
-                  </p:par>
-                  <p:par>
-                    <p:cTn fill="hold">
-                      <p:stCondLst>
-                        <p:cond delay="indefinite"/>
-                      </p:stCondLst>
-                      <p:childTnLst>
-                        <p:par>
-                          <p:cTn fill="hold">
-                            <p:stCondLst>
-                              <p:cond delay="0"/>
-                            </p:stCondLst>
-                            <p:childTnLst>
-                              <p:par>
-                                <p:cTn fill="hold" nodeType="clickEffect" presetClass="entr" presetID="1" presetSubtype="0">
-                                  <p:stCondLst>
-                                    <p:cond delay="0"/>
-                                  </p:stCondLst>
-                                  <p:childTnLst>
-                                    <p:set>
-                                      <p:cBhvr>
-                                        <p:cTn dur="1" fill="hold">
-                                          <p:stCondLst>
-                                            <p:cond delay="0"/>
-                                          </p:stCondLst>
-                                        </p:cTn>
-                                        <p:tgtEl>
-                                          <p:spTgt spid="182">
-                                            <p:txEl>
-                                              <p:pRg end="5" st="5"/>
-                                            </p:txEl>
-                                          </p:spTgt>
-                                        </p:tgtEl>
-                                        <p:attrNameLst>
-                                          <p:attrName>style.visibility</p:attrName>
-                                        </p:attrNameLst>
-                                      </p:cBhvr>
-                                      <p:to>
-                                        <p:strVal val="visible"/>
-                                      </p:to>
-                                    </p:set>
-                                  </p:childTnLst>
-                                </p:cTn>
-                              </p:par>
-                            </p:childTnLst>
-                          </p:cTn>
-                        </p:par>
-                      </p:childTnLst>
-                    </p:cTn>
-                  </p:par>
-                  <p:par>
-                    <p:cTn fill="hold">
-                      <p:stCondLst>
-                        <p:cond delay="indefinite"/>
-                      </p:stCondLst>
-                      <p:childTnLst>
-                        <p:par>
-                          <p:cTn fill="hold">
-                            <p:stCondLst>
-                              <p:cond delay="0"/>
-                            </p:stCondLst>
-                            <p:childTnLst>
-                              <p:par>
-                                <p:cTn fill="hold" nodeType="clickEffect" presetClass="entr" presetID="1" presetSubtype="0">
-                                  <p:stCondLst>
-                                    <p:cond delay="0"/>
-                                  </p:stCondLst>
-                                  <p:childTnLst>
-                                    <p:set>
-                                      <p:cBhvr>
-                                        <p:cTn dur="1" fill="hold">
-                                          <p:stCondLst>
-                                            <p:cond delay="0"/>
-                                          </p:stCondLst>
-                                        </p:cTn>
-                                        <p:tgtEl>
-                                          <p:spTgt spid="182">
-                                            <p:txEl>
-                                              <p:pRg end="6" st="6"/>
-                                            </p:txEl>
-                                          </p:spTgt>
-                                        </p:tgtEl>
-                                        <p:attrNameLst>
-                                          <p:attrName>style.visibility</p:attrName>
-                                        </p:attrNameLst>
-                                      </p:cBhvr>
-                                      <p:to>
-                                        <p:strVal val="visible"/>
-                                      </p:to>
-                                    </p:set>
-                                  </p:childTnLst>
-                                </p:cTn>
-                              </p:par>
-                            </p:childTnLst>
-                          </p:cTn>
-                        </p:par>
-                      </p:childTnLst>
-                    </p:cTn>
-                  </p:par>
-                  <p:par>
-                    <p:cTn fill="hold">
-                      <p:stCondLst>
-                        <p:cond delay="indefinite"/>
-                      </p:stCondLst>
-                      <p:childTnLst>
-                        <p:par>
-                          <p:cTn fill="hold">
-                            <p:stCondLst>
-                              <p:cond delay="0"/>
-                            </p:stCondLst>
-                            <p:childTnLst>
-                              <p:par>
-                                <p:cTn fill="hold" nodeType="clickEffect" presetClass="entr" presetID="1" presetSubtype="0">
-                                  <p:stCondLst>
-                                    <p:cond delay="0"/>
-                                  </p:stCondLst>
-                                  <p:childTnLst>
-                                    <p:set>
-                                      <p:cBhvr>
-                                        <p:cTn dur="1" fill="hold">
-                                          <p:stCondLst>
-                                            <p:cond delay="0"/>
-                                          </p:stCondLst>
-                                        </p:cTn>
-                                        <p:tgtEl>
-                                          <p:spTgt spid="182">
-                                            <p:txEl>
-                                              <p:pRg end="7" st="7"/>
-                                            </p:txEl>
-                                          </p:spTgt>
-                                        </p:tgtEl>
-                                        <p:attrNameLst>
-                                          <p:attrName>style.visibility</p:attrName>
-                                        </p:attrNameLst>
-                                      </p:cBhvr>
-                                      <p:to>
-                                        <p:strVal val="visible"/>
-                                      </p:to>
-                                    </p:set>
-                                  </p:childTnLst>
-                                </p:cTn>
-                              </p:par>
-                            </p:childTnLst>
-                          </p:cTn>
-                        </p:par>
-                      </p:childTnLst>
-                    </p:cTn>
-                  </p:par>
-                  <p:par>
-                    <p:cTn fill="hold">
-                      <p:stCondLst>
-                        <p:cond delay="indefinite"/>
-                      </p:stCondLst>
-                      <p:childTnLst>
-                        <p:par>
-                          <p:cTn fill="hold">
-                            <p:stCondLst>
-                              <p:cond delay="0"/>
-                            </p:stCondLst>
-                            <p:childTnLst>
-                              <p:par>
-                                <p:cTn fill="hold" nodeType="clickEffect" presetClass="entr" presetID="1" presetSubtype="0">
-                                  <p:stCondLst>
-                                    <p:cond delay="0"/>
-                                  </p:stCondLst>
-                                  <p:childTnLst>
-                                    <p:set>
-                                      <p:cBhvr>
-                                        <p:cTn dur="1" fill="hold">
-                                          <p:stCondLst>
-                                            <p:cond delay="0"/>
-                                          </p:stCondLst>
-                                        </p:cTn>
-                                        <p:tgtEl>
-                                          <p:spTgt spid="182">
-                                            <p:txEl>
-                                              <p:pRg end="8" st="8"/>
-                                            </p:txEl>
-                                          </p:spTgt>
-                                        </p:tgtEl>
-                                        <p:attrNameLst>
-                                          <p:attrName>style.visibility</p:attrName>
-                                        </p:attrNameLst>
-                                      </p:cBhvr>
-                                      <p:to>
-                                        <p:strVal val="visible"/>
-                                      </p:to>
-                                    </p:set>
-                                  </p:childTnLst>
-                                </p:cTn>
-                              </p:par>
-                            </p:childTnLst>
-                          </p:cTn>
-                        </p:par>
-                      </p:childTnLst>
-                    </p:cTn>
-                  </p:par>
-                </p:childTnLst>
-              </p:cTn>
-              <p:prevCondLst>
-                <p:cond evt="onPrev">
-                  <p:tgtEl>
-                    <p:sldTgt/>
-                  </p:tgtEl>
-                </p:cond>
-              </p:prevCondLst>
-              <p:nextCondLst>
-                <p:cond evt="onNext">
-                  <p:tgtEl>
-                    <p:sldTgt/>
-                  </p:tgtEl>
-                </p:cond>
-              </p:nextCondLst>
-            </p:seq>
-          </p:childTnLst>
-        </p:cTn>
-      </p:par>
-    </p:tnLst>
-  </p:timing>
-</p:sld>
-</file>
-
-<file path=ppt/slides/slide15.xml><?xml version="1.0" encoding="utf-8"?>
-<p:sld xmlns:a="http://schemas.openxmlformats.org/drawingml/2006/main" xmlns:r="http://schemas.openxmlformats.org/officeDocument/2006/relationships" xmlns:mc="http://schemas.openxmlformats.org/markup-compatibility/2006" xmlns:mv="urn:schemas-microsoft-com:mac:vml" xmlns:p="http://schemas.openxmlformats.org/presentationml/2006/main" xmlns:c="http://schemas.openxmlformats.org/drawingml/2006/chart" xmlns:dgm="http://schemas.openxmlformats.org/drawingml/2006/diagram" xmlns:o="urn:schemas-microsoft-com:office:office" xmlns:v="urn:schemas-microsoft-com:vml" xmlns:pvml="urn:schemas-microsoft-com:office:powerpoint" xmlns:com="http://schemas.openxmlformats.org/drawingml/2006/compatibility" xmlns:p14="http://schemas.microsoft.com/office/powerpoint/2010/main" xmlns:p15="http://schemas.microsoft.com/office/powerpoint/2012/main" xmlns:ahyp="http://schemas.microsoft.com/office/drawing/2018/hyperlinkcolor">
-  <p:cSld>
-    <p:bg>
-      <p:bgPr>
-        <a:solidFill>
-          <a:srgbClr val="36393F"/>
-        </a:solidFill>
-      </p:bgPr>
-    </p:bg>
-    <p:spTree>
-      <p:nvGrpSpPr>
-        <p:cNvPr id="186" name="Shape 186"/>
-        <p:cNvGrpSpPr/>
-        <p:nvPr/>
-      </p:nvGrpSpPr>
-      <p:grpSpPr>
-        <a:xfrm>
-          <a:off x="0" y="0"/>
-          <a:ext cx="0" cy="0"/>
-          <a:chOff x="0" y="0"/>
-          <a:chExt cx="0" cy="0"/>
-        </a:xfrm>
-      </p:grpSpPr>
-      <p:pic>
-        <p:nvPicPr>
-          <p:cNvPr id="187" name="Google Shape;187;p27"/>
+          <p:cNvPr id="159" name="Google Shape;159;p23"/>
           <p:cNvPicPr preferRelativeResize="0"/>
           <p:nvPr/>
         </p:nvPicPr>
@@ -10089,7 +7941,7 @@
       </p:pic>
       <p:pic>
         <p:nvPicPr>
-          <p:cNvPr id="188" name="Google Shape;188;p27"/>
+          <p:cNvPr id="160" name="Google Shape;160;p23"/>
           <p:cNvPicPr preferRelativeResize="0"/>
           <p:nvPr/>
         </p:nvPicPr>
@@ -10115,6 +7967,46 @@
           </a:ln>
         </p:spPr>
       </p:pic>
+      <p:sp>
+        <p:nvSpPr>
+          <p:cNvPr id="161" name="Google Shape;161;p23"/>
+          <p:cNvSpPr txBox="1"/>
+          <p:nvPr>
+            <p:ph idx="12" type="sldNum"/>
+          </p:nvPr>
+        </p:nvSpPr>
+        <p:spPr>
+          <a:xfrm>
+            <a:off x="8472458" y="4663217"/>
+            <a:ext cx="548700" cy="393600"/>
+          </a:xfrm>
+          <a:prstGeom prst="rect">
+            <a:avLst/>
+          </a:prstGeom>
+        </p:spPr>
+        <p:txBody>
+          <a:bodyPr anchorCtr="0" anchor="ctr" bIns="91425" lIns="91425" spcFirstLastPara="1" rIns="91425" wrap="square" tIns="91425">
+            <a:normAutofit/>
+          </a:bodyPr>
+          <a:lstStyle/>
+          <a:p>
+            <a:pPr indent="0" lvl="0" marL="0" rtl="0" algn="r">
+              <a:spcBef>
+                <a:spcPts val="0"/>
+              </a:spcBef>
+              <a:spcAft>
+                <a:spcPts val="0"/>
+              </a:spcAft>
+              <a:buNone/>
+            </a:pPr>
+            <a:fld id="{00000000-1234-1234-1234-123412341234}" type="slidenum">
+              <a:rPr lang="en"/>
+              <a:t>‹#›</a:t>
+            </a:fld>
+            <a:endParaRPr/>
+          </a:p>
+        </p:txBody>
+      </p:sp>
     </p:spTree>
   </p:cSld>
   <p:clrMapOvr>
@@ -10123,12 +8015,12 @@
 </p:sld>
 </file>
 
-<file path=ppt/slides/slide16.xml><?xml version="1.0" encoding="utf-8"?>
+<file path=ppt/slides/slide12.xml><?xml version="1.0" encoding="utf-8"?>
 <p:sld xmlns:a="http://schemas.openxmlformats.org/drawingml/2006/main" xmlns:r="http://schemas.openxmlformats.org/officeDocument/2006/relationships" xmlns:mc="http://schemas.openxmlformats.org/markup-compatibility/2006" xmlns:mv="urn:schemas-microsoft-com:mac:vml" xmlns:p="http://schemas.openxmlformats.org/presentationml/2006/main" xmlns:c="http://schemas.openxmlformats.org/drawingml/2006/chart" xmlns:dgm="http://schemas.openxmlformats.org/drawingml/2006/diagram" xmlns:o="urn:schemas-microsoft-com:office:office" xmlns:v="urn:schemas-microsoft-com:vml" xmlns:pvml="urn:schemas-microsoft-com:office:powerpoint" xmlns:com="http://schemas.openxmlformats.org/drawingml/2006/compatibility" xmlns:p14="http://schemas.microsoft.com/office/powerpoint/2010/main" xmlns:p15="http://schemas.microsoft.com/office/powerpoint/2012/main" xmlns:ahyp="http://schemas.microsoft.com/office/drawing/2018/hyperlinkcolor">
   <p:cSld>
     <p:spTree>
       <p:nvGrpSpPr>
-        <p:cNvPr id="192" name="Shape 192"/>
+        <p:cNvPr id="165" name="Shape 165"/>
         <p:cNvGrpSpPr/>
         <p:nvPr/>
       </p:nvGrpSpPr>
@@ -10142,7 +8034,7 @@
       </p:grpSpPr>
       <p:sp>
         <p:nvSpPr>
-          <p:cNvPr id="193" name="Google Shape;193;p28"/>
+          <p:cNvPr id="166" name="Google Shape;166;p24"/>
           <p:cNvSpPr txBox="1"/>
           <p:nvPr>
             <p:ph type="title"/>
@@ -10182,7 +8074,7 @@
       </p:sp>
       <p:graphicFrame>
         <p:nvGraphicFramePr>
-          <p:cNvPr id="194" name="Google Shape;194;p28"/>
+          <p:cNvPr id="167" name="Google Shape;167;p24"/>
           <p:cNvGraphicFramePr/>
           <p:nvPr/>
         </p:nvGraphicFramePr>
@@ -10195,7 +8087,7 @@
             <a:tbl>
               <a:tblPr>
                 <a:noFill/>
-                <a:tableStyleId>{D4F9981A-2AB4-4B72-8474-E6CC970641C8}</a:tableStyleId>
+                <a:tableStyleId>{3FD2B99C-DA71-45E8-BFFC-D48226B6E1A8}</a:tableStyleId>
               </a:tblPr>
               <a:tblGrid>
                 <a:gridCol w="2800000"/>
@@ -10538,6 +8430,46 @@
           </a:graphicData>
         </a:graphic>
       </p:graphicFrame>
+      <p:sp>
+        <p:nvSpPr>
+          <p:cNvPr id="168" name="Google Shape;168;p24"/>
+          <p:cNvSpPr txBox="1"/>
+          <p:nvPr>
+            <p:ph idx="12" type="sldNum"/>
+          </p:nvPr>
+        </p:nvSpPr>
+        <p:spPr>
+          <a:xfrm>
+            <a:off x="8472458" y="4663217"/>
+            <a:ext cx="548700" cy="393600"/>
+          </a:xfrm>
+          <a:prstGeom prst="rect">
+            <a:avLst/>
+          </a:prstGeom>
+        </p:spPr>
+        <p:txBody>
+          <a:bodyPr anchorCtr="0" anchor="ctr" bIns="91425" lIns="91425" spcFirstLastPara="1" rIns="91425" wrap="square" tIns="91425">
+            <a:normAutofit/>
+          </a:bodyPr>
+          <a:lstStyle/>
+          <a:p>
+            <a:pPr indent="0" lvl="0" marL="0" rtl="0" algn="r">
+              <a:spcBef>
+                <a:spcPts val="0"/>
+              </a:spcBef>
+              <a:spcAft>
+                <a:spcPts val="0"/>
+              </a:spcAft>
+              <a:buNone/>
+            </a:pPr>
+            <a:fld id="{00000000-1234-1234-1234-123412341234}" type="slidenum">
+              <a:rPr lang="en"/>
+              <a:t>‹#›</a:t>
+            </a:fld>
+            <a:endParaRPr/>
+          </a:p>
+        </p:txBody>
+      </p:sp>
     </p:spTree>
   </p:cSld>
   <p:clrMapOvr>
@@ -10546,12 +8478,12 @@
 </p:sld>
 </file>
 
-<file path=ppt/slides/slide17.xml><?xml version="1.0" encoding="utf-8"?>
+<file path=ppt/slides/slide13.xml><?xml version="1.0" encoding="utf-8"?>
 <p:sld xmlns:a="http://schemas.openxmlformats.org/drawingml/2006/main" xmlns:r="http://schemas.openxmlformats.org/officeDocument/2006/relationships" xmlns:mc="http://schemas.openxmlformats.org/markup-compatibility/2006" xmlns:mv="urn:schemas-microsoft-com:mac:vml" xmlns:p="http://schemas.openxmlformats.org/presentationml/2006/main" xmlns:c="http://schemas.openxmlformats.org/drawingml/2006/chart" xmlns:dgm="http://schemas.openxmlformats.org/drawingml/2006/diagram" xmlns:o="urn:schemas-microsoft-com:office:office" xmlns:v="urn:schemas-microsoft-com:vml" xmlns:pvml="urn:schemas-microsoft-com:office:powerpoint" xmlns:com="http://schemas.openxmlformats.org/drawingml/2006/compatibility" xmlns:p14="http://schemas.microsoft.com/office/powerpoint/2010/main" xmlns:p15="http://schemas.microsoft.com/office/powerpoint/2012/main" xmlns:ahyp="http://schemas.microsoft.com/office/drawing/2018/hyperlinkcolor">
   <p:cSld>
     <p:spTree>
       <p:nvGrpSpPr>
-        <p:cNvPr id="198" name="Shape 198"/>
+        <p:cNvPr id="172" name="Shape 172"/>
         <p:cNvGrpSpPr/>
         <p:nvPr/>
       </p:nvGrpSpPr>
@@ -10565,7 +8497,7 @@
       </p:grpSpPr>
       <p:sp>
         <p:nvSpPr>
-          <p:cNvPr id="199" name="Google Shape;199;p29"/>
+          <p:cNvPr id="173" name="Google Shape;173;p25"/>
           <p:cNvSpPr txBox="1"/>
           <p:nvPr>
             <p:ph type="title"/>
@@ -10605,7 +8537,7 @@
       </p:sp>
       <p:sp>
         <p:nvSpPr>
-          <p:cNvPr id="200" name="Google Shape;200;p29"/>
+          <p:cNvPr id="174" name="Google Shape;174;p25"/>
           <p:cNvSpPr txBox="1"/>
           <p:nvPr>
             <p:ph idx="1" type="body"/>
@@ -10638,7 +8570,7 @@
             </a:pPr>
             <a:r>
               <a:rPr lang="en"/>
-              <a:t>The team communicated using Discord primarily, and using email when the other member could not be reached on Discord</a:t>
+              <a:t>Communicated using Discord and email</a:t>
             </a:r>
             <a:endParaRPr/>
           </a:p>
@@ -10655,7 +8587,7 @@
             </a:pPr>
             <a:r>
               <a:rPr lang="en"/>
-              <a:t>We used clockify to record the number of hours worked on each task</a:t>
+              <a:t>Used clockify for timekeeping</a:t>
             </a:r>
             <a:endParaRPr/>
           </a:p>
@@ -10672,7 +8604,7 @@
             </a:pPr>
             <a:r>
               <a:rPr lang="en"/>
-              <a:t>We used Jira to track our overall schedule and keep track of individual tasks</a:t>
+              <a:t>Used Jira to track tasks</a:t>
             </a:r>
             <a:endParaRPr/>
           </a:p>
@@ -10703,7 +8635,7 @@
             </a:pPr>
             <a:r>
               <a:rPr lang="en"/>
-              <a:t>Overall, this style of communication (using Discord) was very effective, and we were able to meet and work on the project remotely using Discord’s VoIP calls</a:t>
+              <a:t>Discord is a good platform for communication!</a:t>
             </a:r>
             <a:endParaRPr/>
           </a:p>
@@ -10719,24 +8651,48 @@
             </a:pPr>
             <a:r>
               <a:rPr lang="en"/>
-              <a:t>My only regret is that I wish we could have used the time in class </a:t>
+              <a:t>I wish we could have used the in-class time more effectively (more detail in next slide)</a:t>
             </a:r>
-            <a:r>
+            <a:endParaRPr/>
+          </a:p>
+        </p:txBody>
+      </p:sp>
+      <p:sp>
+        <p:nvSpPr>
+          <p:cNvPr id="175" name="Google Shape;175;p25"/>
+          <p:cNvSpPr txBox="1"/>
+          <p:nvPr>
+            <p:ph idx="12" type="sldNum"/>
+          </p:nvPr>
+        </p:nvSpPr>
+        <p:spPr>
+          <a:xfrm>
+            <a:off x="8472458" y="4663217"/>
+            <a:ext cx="548700" cy="393600"/>
+          </a:xfrm>
+          <a:prstGeom prst="rect">
+            <a:avLst/>
+          </a:prstGeom>
+        </p:spPr>
+        <p:txBody>
+          <a:bodyPr anchorCtr="0" anchor="ctr" bIns="91425" lIns="91425" spcFirstLastPara="1" rIns="91425" wrap="square" tIns="91425">
+            <a:normAutofit/>
+          </a:bodyPr>
+          <a:lstStyle/>
+          <a:p>
+            <a:pPr indent="0" lvl="0" marL="0" rtl="0" algn="r">
+              <a:spcBef>
+                <a:spcPts val="0"/>
+              </a:spcBef>
+              <a:spcAft>
+                <a:spcPts val="0"/>
+              </a:spcAft>
+              <a:buNone/>
+            </a:pPr>
+            <a:fld id="{00000000-1234-1234-1234-123412341234}" type="slidenum">
               <a:rPr lang="en"/>
-              <a:t>more</a:t>
-            </a:r>
-            <a:r>
-              <a:rPr lang="en"/>
-              <a:t> efficiently. Since the bot only has one unique ID, only one person </a:t>
-            </a:r>
-            <a:r>
-              <a:rPr lang="en"/>
-              <a:t>could</a:t>
-            </a:r>
-            <a:r>
-              <a:rPr lang="en"/>
-              <a:t> be testing features at a time, which slowed down development in some instances.</a:t>
-            </a:r>
+              <a:t>‹#›</a:t>
+            </a:fld>
             <a:endParaRPr/>
           </a:p>
         </p:txBody>
@@ -10780,7 +8736,7 @@
                                           </p:stCondLst>
                                         </p:cTn>
                                         <p:tgtEl>
-                                          <p:spTgt spid="200">
+                                          <p:spTgt spid="174">
                                             <p:txEl>
                                               <p:pRg end="0" st="0"/>
                                             </p:txEl>
@@ -10829,7 +8785,7 @@
                                           </p:stCondLst>
                                         </p:cTn>
                                         <p:tgtEl>
-                                          <p:spTgt spid="200">
+                                          <p:spTgt spid="174">
                                             <p:txEl>
                                               <p:pRg end="1" st="1"/>
                                             </p:txEl>
@@ -10878,7 +8834,7 @@
                                           </p:stCondLst>
                                         </p:cTn>
                                         <p:tgtEl>
-                                          <p:spTgt spid="200">
+                                          <p:spTgt spid="174">
                                             <p:txEl>
                                               <p:pRg end="2" st="2"/>
                                             </p:txEl>
@@ -10927,7 +8883,7 @@
                                           </p:stCondLst>
                                         </p:cTn>
                                         <p:tgtEl>
-                                          <p:spTgt spid="200">
+                                          <p:spTgt spid="174">
                                             <p:txEl>
                                               <p:pRg end="3" st="3"/>
                                             </p:txEl>
@@ -10976,7 +8932,7 @@
                                           </p:stCondLst>
                                         </p:cTn>
                                         <p:tgtEl>
-                                          <p:spTgt spid="200">
+                                          <p:spTgt spid="174">
                                             <p:txEl>
                                               <p:pRg end="4" st="4"/>
                                             </p:txEl>
@@ -11025,7 +8981,7 @@
                                           </p:stCondLst>
                                         </p:cTn>
                                         <p:tgtEl>
-                                          <p:spTgt spid="200">
+                                          <p:spTgt spid="174">
                                             <p:txEl>
                                               <p:pRg end="5" st="5"/>
                                             </p:txEl>
@@ -11073,12 +9029,12 @@
 </p:sld>
 </file>
 
-<file path=ppt/slides/slide18.xml><?xml version="1.0" encoding="utf-8"?>
+<file path=ppt/slides/slide14.xml><?xml version="1.0" encoding="utf-8"?>
 <p:sld xmlns:a="http://schemas.openxmlformats.org/drawingml/2006/main" xmlns:r="http://schemas.openxmlformats.org/officeDocument/2006/relationships" xmlns:mc="http://schemas.openxmlformats.org/markup-compatibility/2006" xmlns:mv="urn:schemas-microsoft-com:mac:vml" xmlns:p="http://schemas.openxmlformats.org/presentationml/2006/main" xmlns:c="http://schemas.openxmlformats.org/drawingml/2006/chart" xmlns:dgm="http://schemas.openxmlformats.org/drawingml/2006/diagram" xmlns:o="urn:schemas-microsoft-com:office:office" xmlns:v="urn:schemas-microsoft-com:vml" xmlns:pvml="urn:schemas-microsoft-com:office:powerpoint" xmlns:com="http://schemas.openxmlformats.org/drawingml/2006/compatibility" xmlns:p14="http://schemas.microsoft.com/office/powerpoint/2010/main" xmlns:p15="http://schemas.microsoft.com/office/powerpoint/2012/main" xmlns:ahyp="http://schemas.microsoft.com/office/drawing/2018/hyperlinkcolor">
   <p:cSld>
     <p:spTree>
       <p:nvGrpSpPr>
-        <p:cNvPr id="204" name="Shape 204"/>
+        <p:cNvPr id="179" name="Shape 179"/>
         <p:cNvGrpSpPr/>
         <p:nvPr/>
       </p:nvGrpSpPr>
@@ -11092,7 +9048,7 @@
       </p:grpSpPr>
       <p:sp>
         <p:nvSpPr>
-          <p:cNvPr id="205" name="Google Shape;205;p30"/>
+          <p:cNvPr id="180" name="Google Shape;180;p26"/>
           <p:cNvSpPr txBox="1"/>
           <p:nvPr>
             <p:ph type="title"/>
@@ -11132,7 +9088,7 @@
       </p:sp>
       <p:sp>
         <p:nvSpPr>
-          <p:cNvPr id="206" name="Google Shape;206;p30"/>
+          <p:cNvPr id="181" name="Google Shape;181;p26"/>
           <p:cNvSpPr txBox="1"/>
           <p:nvPr>
             <p:ph idx="1" type="body"/>
@@ -11165,7 +9121,7 @@
             </a:pPr>
             <a:r>
               <a:rPr lang="en"/>
-              <a:t>When you have a development environment with only one user permitted to test at a time, responsibilities must be delegated such that one team member can always be working on something, such as the database backend, that does not require immediate testing.</a:t>
+              <a:t>When environment only allows one user, allocate other tasks to other team members. Taking turns does not work</a:t>
             </a:r>
             <a:endParaRPr/>
           </a:p>
@@ -11182,24 +9138,48 @@
             </a:pPr>
             <a:r>
               <a:rPr lang="en"/>
-              <a:t>Much of our time in late February/early March was spent redesigning the overall structure of the program to account for a timing discrepancy in the generation of the board’s elements. In </a:t>
+              <a:t>We needed more time to consider our overall structure. In retrospect, due to our inexperience with the platform, this could not have been easily avoided</a:t>
             </a:r>
-            <a:r>
+            <a:endParaRPr/>
+          </a:p>
+        </p:txBody>
+      </p:sp>
+      <p:sp>
+        <p:nvSpPr>
+          <p:cNvPr id="182" name="Google Shape;182;p26"/>
+          <p:cNvSpPr txBox="1"/>
+          <p:nvPr>
+            <p:ph idx="12" type="sldNum"/>
+          </p:nvPr>
+        </p:nvSpPr>
+        <p:spPr>
+          <a:xfrm>
+            <a:off x="8472458" y="4663217"/>
+            <a:ext cx="548700" cy="393600"/>
+          </a:xfrm>
+          <a:prstGeom prst="rect">
+            <a:avLst/>
+          </a:prstGeom>
+        </p:spPr>
+        <p:txBody>
+          <a:bodyPr anchorCtr="0" anchor="ctr" bIns="91425" lIns="91425" spcFirstLastPara="1" rIns="91425" wrap="square" tIns="91425">
+            <a:normAutofit/>
+          </a:bodyPr>
+          <a:lstStyle/>
+          <a:p>
+            <a:pPr indent="0" lvl="0" marL="0" rtl="0" algn="r">
+              <a:spcBef>
+                <a:spcPts val="0"/>
+              </a:spcBef>
+              <a:spcAft>
+                <a:spcPts val="0"/>
+              </a:spcAft>
+              <a:buNone/>
+            </a:pPr>
+            <a:fld id="{00000000-1234-1234-1234-123412341234}" type="slidenum">
               <a:rPr lang="en"/>
-              <a:t>retrospect</a:t>
-            </a:r>
-            <a:r>
-              <a:rPr lang="en"/>
-              <a:t>, being first-time discord developers, we could not have </a:t>
-            </a:r>
-            <a:r>
-              <a:rPr lang="en"/>
-              <a:t>foreseen</a:t>
-            </a:r>
-            <a:r>
-              <a:rPr lang="en"/>
-              <a:t> this complication. However, in the future, were I to develop another Discord application, I would try to better account for processing overhead from the beginning, rather than having to patch it up later. </a:t>
-            </a:r>
+              <a:t>‹#›</a:t>
+            </a:fld>
             <a:endParaRPr/>
           </a:p>
         </p:txBody>
@@ -11243,7 +9223,7 @@
                                           </p:stCondLst>
                                         </p:cTn>
                                         <p:tgtEl>
-                                          <p:spTgt spid="206">
+                                          <p:spTgt spid="181">
                                             <p:txEl>
                                               <p:pRg end="0" st="0"/>
                                             </p:txEl>
@@ -11292,7 +9272,7 @@
                                           </p:stCondLst>
                                         </p:cTn>
                                         <p:tgtEl>
-                                          <p:spTgt spid="206">
+                                          <p:spTgt spid="181">
                                             <p:txEl>
                                               <p:pRg end="1" st="1"/>
                                             </p:txEl>
@@ -11340,12 +9320,12 @@
 </p:sld>
 </file>
 
-<file path=ppt/slides/slide19.xml><?xml version="1.0" encoding="utf-8"?>
+<file path=ppt/slides/slide15.xml><?xml version="1.0" encoding="utf-8"?>
 <p:sld xmlns:a="http://schemas.openxmlformats.org/drawingml/2006/main" xmlns:r="http://schemas.openxmlformats.org/officeDocument/2006/relationships" xmlns:mc="http://schemas.openxmlformats.org/markup-compatibility/2006" xmlns:mv="urn:schemas-microsoft-com:mac:vml" xmlns:p="http://schemas.openxmlformats.org/presentationml/2006/main" xmlns:c="http://schemas.openxmlformats.org/drawingml/2006/chart" xmlns:dgm="http://schemas.openxmlformats.org/drawingml/2006/diagram" xmlns:o="urn:schemas-microsoft-com:office:office" xmlns:v="urn:schemas-microsoft-com:vml" xmlns:pvml="urn:schemas-microsoft-com:office:powerpoint" xmlns:com="http://schemas.openxmlformats.org/drawingml/2006/compatibility" xmlns:p14="http://schemas.microsoft.com/office/powerpoint/2010/main" xmlns:p15="http://schemas.microsoft.com/office/powerpoint/2012/main" xmlns:ahyp="http://schemas.microsoft.com/office/drawing/2018/hyperlinkcolor">
   <p:cSld>
     <p:spTree>
       <p:nvGrpSpPr>
-        <p:cNvPr id="210" name="Shape 210"/>
+        <p:cNvPr id="186" name="Shape 186"/>
         <p:cNvGrpSpPr/>
         <p:nvPr/>
       </p:nvGrpSpPr>
@@ -11359,7 +9339,7 @@
       </p:grpSpPr>
       <p:sp>
         <p:nvSpPr>
-          <p:cNvPr id="211" name="Google Shape;211;p31"/>
+          <p:cNvPr id="187" name="Google Shape;187;p27"/>
           <p:cNvSpPr txBox="1"/>
           <p:nvPr>
             <p:ph type="title"/>
@@ -11399,7 +9379,7 @@
       </p:sp>
       <p:sp>
         <p:nvSpPr>
-          <p:cNvPr id="212" name="Google Shape;212;p31"/>
+          <p:cNvPr id="188" name="Google Shape;188;p27"/>
           <p:cNvSpPr txBox="1"/>
           <p:nvPr>
             <p:ph idx="1" type="body"/>
@@ -11432,7 +9412,7 @@
             </a:pPr>
             <a:r>
               <a:rPr lang="en"/>
-              <a:t>While the database schema has been finalized, we still need to include logic for inserting records into our tables in the program. This will be accomplished by Tuesday April 26th</a:t>
+              <a:t>Database inserts and queries</a:t>
             </a:r>
             <a:endParaRPr/>
           </a:p>
@@ -11449,12 +9429,48 @@
             </a:pPr>
             <a:r>
               <a:rPr lang="en"/>
-              <a:t>After that, we need to finally migrate the bot over to pluto@hood.edu,</a:t>
+              <a:t>Hood pluto server hosting</a:t>
             </a:r>
-            <a:r>
+            <a:endParaRPr/>
+          </a:p>
+        </p:txBody>
+      </p:sp>
+      <p:sp>
+        <p:nvSpPr>
+          <p:cNvPr id="189" name="Google Shape;189;p27"/>
+          <p:cNvSpPr txBox="1"/>
+          <p:nvPr>
+            <p:ph idx="12" type="sldNum"/>
+          </p:nvPr>
+        </p:nvSpPr>
+        <p:spPr>
+          <a:xfrm>
+            <a:off x="8472458" y="4663217"/>
+            <a:ext cx="548700" cy="393600"/>
+          </a:xfrm>
+          <a:prstGeom prst="rect">
+            <a:avLst/>
+          </a:prstGeom>
+        </p:spPr>
+        <p:txBody>
+          <a:bodyPr anchorCtr="0" anchor="ctr" bIns="91425" lIns="91425" spcFirstLastPara="1" rIns="91425" wrap="square" tIns="91425">
+            <a:normAutofit/>
+          </a:bodyPr>
+          <a:lstStyle/>
+          <a:p>
+            <a:pPr indent="0" lvl="0" marL="0" rtl="0" algn="r">
+              <a:spcBef>
+                <a:spcPts val="0"/>
+              </a:spcBef>
+              <a:spcAft>
+                <a:spcPts val="0"/>
+              </a:spcAft>
+              <a:buNone/>
+            </a:pPr>
+            <a:fld id="{00000000-1234-1234-1234-123412341234}" type="slidenum">
               <a:rPr lang="en"/>
-              <a:t> in such a way that the program will be automatically executed at runtime on the server. This will be completed by the final deliverable date, Tuesday May 5th</a:t>
-            </a:r>
+              <a:t>‹#›</a:t>
+            </a:fld>
             <a:endParaRPr/>
           </a:p>
         </p:txBody>
@@ -11498,7 +9514,7 @@
                                           </p:stCondLst>
                                         </p:cTn>
                                         <p:tgtEl>
-                                          <p:spTgt spid="212">
+                                          <p:spTgt spid="188">
                                             <p:txEl>
                                               <p:pRg end="0" st="0"/>
                                             </p:txEl>
@@ -11547,7 +9563,7 @@
                                           </p:stCondLst>
                                         </p:cTn>
                                         <p:tgtEl>
-                                          <p:spTgt spid="212">
+                                          <p:spTgt spid="188">
                                             <p:txEl>
                                               <p:pRg end="1" st="1"/>
                                             </p:txEl>
@@ -11595,12 +9611,12 @@
 </p:sld>
 </file>
 
-<file path=ppt/slides/slide2.xml><?xml version="1.0" encoding="utf-8"?>
+<file path=ppt/slides/slide16.xml><?xml version="1.0" encoding="utf-8"?>
 <p:sld xmlns:a="http://schemas.openxmlformats.org/drawingml/2006/main" xmlns:r="http://schemas.openxmlformats.org/officeDocument/2006/relationships" xmlns:mc="http://schemas.openxmlformats.org/markup-compatibility/2006" xmlns:mv="urn:schemas-microsoft-com:mac:vml" xmlns:p="http://schemas.openxmlformats.org/presentationml/2006/main" xmlns:c="http://schemas.openxmlformats.org/drawingml/2006/chart" xmlns:dgm="http://schemas.openxmlformats.org/drawingml/2006/diagram" xmlns:o="urn:schemas-microsoft-com:office:office" xmlns:v="urn:schemas-microsoft-com:vml" xmlns:pvml="urn:schemas-microsoft-com:office:powerpoint" xmlns:com="http://schemas.openxmlformats.org/drawingml/2006/compatibility" xmlns:p14="http://schemas.microsoft.com/office/powerpoint/2010/main" xmlns:p15="http://schemas.microsoft.com/office/powerpoint/2012/main" xmlns:ahyp="http://schemas.microsoft.com/office/drawing/2018/hyperlinkcolor">
   <p:cSld>
     <p:spTree>
       <p:nvGrpSpPr>
-        <p:cNvPr id="59" name="Shape 59"/>
+        <p:cNvPr id="193" name="Shape 193"/>
         <p:cNvGrpSpPr/>
         <p:nvPr/>
       </p:nvGrpSpPr>
@@ -11614,7 +9630,113 @@
       </p:grpSpPr>
       <p:sp>
         <p:nvSpPr>
-          <p:cNvPr id="60" name="Google Shape;60;p14"/>
+          <p:cNvPr id="194" name="Google Shape;194;p28"/>
+          <p:cNvSpPr txBox="1"/>
+          <p:nvPr>
+            <p:ph type="title"/>
+          </p:nvPr>
+        </p:nvSpPr>
+        <p:spPr>
+          <a:xfrm>
+            <a:off x="311700" y="2174100"/>
+            <a:ext cx="8520600" cy="795300"/>
+          </a:xfrm>
+          <a:prstGeom prst="rect">
+            <a:avLst/>
+          </a:prstGeom>
+        </p:spPr>
+        <p:txBody>
+          <a:bodyPr anchorCtr="0" anchor="t" bIns="91425" lIns="91425" spcFirstLastPara="1" rIns="91425" wrap="square" tIns="91425">
+            <a:noAutofit/>
+          </a:bodyPr>
+          <a:lstStyle/>
+          <a:p>
+            <a:pPr indent="0" lvl="0" marL="0" rtl="0" algn="ctr">
+              <a:spcBef>
+                <a:spcPts val="0"/>
+              </a:spcBef>
+              <a:spcAft>
+                <a:spcPts val="0"/>
+              </a:spcAft>
+              <a:buSzPts val="990"/>
+              <a:buNone/>
+            </a:pPr>
+            <a:r>
+              <a:rPr lang="en" sz="3520"/>
+              <a:t>In loving memory of Diana Teka</a:t>
+            </a:r>
+            <a:endParaRPr sz="3520"/>
+          </a:p>
+        </p:txBody>
+      </p:sp>
+      <p:sp>
+        <p:nvSpPr>
+          <p:cNvPr id="195" name="Google Shape;195;p28"/>
+          <p:cNvSpPr txBox="1"/>
+          <p:nvPr>
+            <p:ph idx="12" type="sldNum"/>
+          </p:nvPr>
+        </p:nvSpPr>
+        <p:spPr>
+          <a:xfrm>
+            <a:off x="8472458" y="4663217"/>
+            <a:ext cx="548700" cy="393600"/>
+          </a:xfrm>
+          <a:prstGeom prst="rect">
+            <a:avLst/>
+          </a:prstGeom>
+        </p:spPr>
+        <p:txBody>
+          <a:bodyPr anchorCtr="0" anchor="ctr" bIns="91425" lIns="91425" spcFirstLastPara="1" rIns="91425" wrap="square" tIns="91425">
+            <a:normAutofit/>
+          </a:bodyPr>
+          <a:lstStyle/>
+          <a:p>
+            <a:pPr indent="0" lvl="0" marL="0" rtl="0" algn="r">
+              <a:spcBef>
+                <a:spcPts val="0"/>
+              </a:spcBef>
+              <a:spcAft>
+                <a:spcPts val="0"/>
+              </a:spcAft>
+              <a:buNone/>
+            </a:pPr>
+            <a:fld id="{00000000-1234-1234-1234-123412341234}" type="slidenum">
+              <a:rPr lang="en"/>
+              <a:t>‹#›</a:t>
+            </a:fld>
+            <a:endParaRPr/>
+          </a:p>
+        </p:txBody>
+      </p:sp>
+    </p:spTree>
+  </p:cSld>
+  <p:clrMapOvr>
+    <a:masterClrMapping/>
+  </p:clrMapOvr>
+</p:sld>
+</file>
+
+<file path=ppt/slides/slide2.xml><?xml version="1.0" encoding="utf-8"?>
+<p:sld xmlns:a="http://schemas.openxmlformats.org/drawingml/2006/main" xmlns:r="http://schemas.openxmlformats.org/officeDocument/2006/relationships" xmlns:mc="http://schemas.openxmlformats.org/markup-compatibility/2006" xmlns:mv="urn:schemas-microsoft-com:mac:vml" xmlns:p="http://schemas.openxmlformats.org/presentationml/2006/main" xmlns:c="http://schemas.openxmlformats.org/drawingml/2006/chart" xmlns:dgm="http://schemas.openxmlformats.org/drawingml/2006/diagram" xmlns:o="urn:schemas-microsoft-com:office:office" xmlns:v="urn:schemas-microsoft-com:vml" xmlns:pvml="urn:schemas-microsoft-com:office:powerpoint" xmlns:com="http://schemas.openxmlformats.org/drawingml/2006/compatibility" xmlns:p14="http://schemas.microsoft.com/office/powerpoint/2010/main" xmlns:p15="http://schemas.microsoft.com/office/powerpoint/2012/main" xmlns:ahyp="http://schemas.microsoft.com/office/drawing/2018/hyperlinkcolor">
+  <p:cSld>
+    <p:spTree>
+      <p:nvGrpSpPr>
+        <p:cNvPr id="60" name="Shape 60"/>
+        <p:cNvGrpSpPr/>
+        <p:nvPr/>
+      </p:nvGrpSpPr>
+      <p:grpSpPr>
+        <a:xfrm>
+          <a:off x="0" y="0"/>
+          <a:ext cx="0" cy="0"/>
+          <a:chOff x="0" y="0"/>
+          <a:chExt cx="0" cy="0"/>
+        </a:xfrm>
+      </p:grpSpPr>
+      <p:sp>
+        <p:nvSpPr>
+          <p:cNvPr id="61" name="Google Shape;61;p14"/>
           <p:cNvSpPr txBox="1"/>
           <p:nvPr>
             <p:ph type="title"/>
@@ -11654,7 +9776,7 @@
       </p:sp>
       <p:sp>
         <p:nvSpPr>
-          <p:cNvPr id="61" name="Google Shape;61;p14"/>
+          <p:cNvPr id="62" name="Google Shape;62;p14"/>
           <p:cNvSpPr txBox="1"/>
           <p:nvPr>
             <p:ph idx="1" type="body"/>
@@ -11663,7 +9785,7 @@
         <p:spPr>
           <a:xfrm>
             <a:off x="311700" y="1152475"/>
-            <a:ext cx="8520600" cy="3416400"/>
+            <a:ext cx="8520600" cy="3768900"/>
           </a:xfrm>
           <a:prstGeom prst="rect">
             <a:avLst/>
@@ -11687,11 +9809,7 @@
             </a:pPr>
             <a:r>
               <a:rPr lang="en"/>
-              <a:t>VoIP and instant messaging platform r</a:t>
-            </a:r>
-            <a:r>
-              <a:rPr lang="en"/>
-              <a:t>eleased in May of 2015</a:t>
+              <a:t>VoIP/instant messaging platform (2015)</a:t>
             </a:r>
             <a:endParaRPr/>
           </a:p>
@@ -11708,7 +9826,7 @@
             </a:pPr>
             <a:r>
               <a:rPr lang="en"/>
-              <a:t>Users congregate in communities called guilds, or “servers”</a:t>
+              <a:t>Communities: guilds, or “servers”</a:t>
             </a:r>
             <a:endParaRPr/>
           </a:p>
@@ -11725,7 +9843,7 @@
             </a:pPr>
             <a:r>
               <a:rPr lang="en"/>
-              <a:t>Includes an extensive API for developing bots for the platform</a:t>
+              <a:t>Extensive API for bots</a:t>
             </a:r>
             <a:endParaRPr/>
           </a:p>
@@ -11742,7 +9860,7 @@
             </a:pPr>
             <a:r>
               <a:rPr lang="en"/>
-              <a:t>The capabilities of bots range from simple call-and-response text messaging to bots that facilitate music streaming into voice channels</a:t>
+              <a:t>Bots range from call-and-response text messaging to music streaming</a:t>
             </a:r>
             <a:endParaRPr/>
           </a:p>
@@ -11759,16 +9877,150 @@
             </a:pPr>
             <a:r>
               <a:rPr lang="en"/>
-              <a:t>Initially popular among video game enthusiasts, Discord is now regarded as an all-purpose communication platform by many </a:t>
+              <a:t>Initially popular among video game enthusiasts, now general purpose</a:t>
             </a:r>
+            <a:endParaRPr/>
+          </a:p>
+          <a:p>
+            <a:pPr indent="-342900" lvl="0" marL="457200" rtl="0" algn="l">
+              <a:spcBef>
+                <a:spcPts val="0"/>
+              </a:spcBef>
+              <a:spcAft>
+                <a:spcPts val="0"/>
+              </a:spcAft>
+              <a:buSzPts val="1800"/>
+              <a:buChar char="●"/>
+            </a:pPr>
             <a:r>
               <a:rPr lang="en"/>
-              <a:t>millennials</a:t>
+              <a:t>Bots introduced with official API (2016)</a:t>
             </a:r>
+            <a:endParaRPr/>
+          </a:p>
+          <a:p>
+            <a:pPr indent="-342900" lvl="0" marL="457200" rtl="0" algn="l">
+              <a:spcBef>
+                <a:spcPts val="0"/>
+              </a:spcBef>
+              <a:spcAft>
+                <a:spcPts val="0"/>
+              </a:spcAft>
+              <a:buSzPts val="1800"/>
+              <a:buChar char="●"/>
+            </a:pPr>
             <a:r>
               <a:rPr lang="en"/>
-              <a:t> and Gen Z-ers</a:t>
+              <a:t>Notable examples of game bots include:</a:t>
             </a:r>
+            <a:endParaRPr/>
+          </a:p>
+          <a:p>
+            <a:pPr indent="-317500" lvl="1" marL="914400" rtl="0" algn="l">
+              <a:spcBef>
+                <a:spcPts val="0"/>
+              </a:spcBef>
+              <a:spcAft>
+                <a:spcPts val="0"/>
+              </a:spcAft>
+              <a:buSzPts val="1400"/>
+              <a:buChar char="○"/>
+            </a:pPr>
+            <a:r>
+              <a:rPr lang="en"/>
+              <a:t>Pokétwo - emulates the experience of playing a Pokémon game</a:t>
+            </a:r>
+            <a:endParaRPr/>
+          </a:p>
+          <a:p>
+            <a:pPr indent="-317500" lvl="1" marL="914400" rtl="0" algn="l">
+              <a:spcBef>
+                <a:spcPts val="0"/>
+              </a:spcBef>
+              <a:spcAft>
+                <a:spcPts val="0"/>
+              </a:spcAft>
+              <a:buSzPts val="1400"/>
+              <a:buChar char="○"/>
+            </a:pPr>
+            <a:r>
+              <a:rPr lang="en"/>
+              <a:t>EPIC RPG - a bot which has dungeons and an in-game economy, as well as PVP</a:t>
+            </a:r>
+            <a:endParaRPr/>
+          </a:p>
+          <a:p>
+            <a:pPr indent="-317500" lvl="1" marL="914400" rtl="0" algn="l">
+              <a:spcBef>
+                <a:spcPts val="0"/>
+              </a:spcBef>
+              <a:spcAft>
+                <a:spcPts val="0"/>
+              </a:spcAft>
+              <a:buSzPts val="1400"/>
+              <a:buChar char="○"/>
+            </a:pPr>
+            <a:r>
+              <a:rPr lang="en"/>
+              <a:t>Gamebot - collection of games, including Chess, Connect 4, and Cards Against Humanity</a:t>
+            </a:r>
+            <a:endParaRPr/>
+          </a:p>
+          <a:p>
+            <a:pPr indent="-342900" lvl="0" marL="457200" rtl="0" algn="l">
+              <a:spcBef>
+                <a:spcPts val="0"/>
+              </a:spcBef>
+              <a:spcAft>
+                <a:spcPts val="0"/>
+              </a:spcAft>
+              <a:buSzPts val="1800"/>
+              <a:buChar char="●"/>
+            </a:pPr>
+            <a:r>
+              <a:rPr lang="en"/>
+              <a:t>However, no one has ever attempted to make a bot for the SET card game…</a:t>
+            </a:r>
+            <a:endParaRPr/>
+          </a:p>
+        </p:txBody>
+      </p:sp>
+      <p:sp>
+        <p:nvSpPr>
+          <p:cNvPr id="63" name="Google Shape;63;p14"/>
+          <p:cNvSpPr txBox="1"/>
+          <p:nvPr>
+            <p:ph idx="12" type="sldNum"/>
+          </p:nvPr>
+        </p:nvSpPr>
+        <p:spPr>
+          <a:xfrm>
+            <a:off x="8472458" y="4663217"/>
+            <a:ext cx="548700" cy="393600"/>
+          </a:xfrm>
+          <a:prstGeom prst="rect">
+            <a:avLst/>
+          </a:prstGeom>
+        </p:spPr>
+        <p:txBody>
+          <a:bodyPr anchorCtr="0" anchor="ctr" bIns="91425" lIns="91425" spcFirstLastPara="1" rIns="91425" wrap="square" tIns="91425">
+            <a:normAutofit/>
+          </a:bodyPr>
+          <a:lstStyle/>
+          <a:p>
+            <a:pPr indent="0" lvl="0" marL="0" rtl="0" algn="r">
+              <a:spcBef>
+                <a:spcPts val="0"/>
+              </a:spcBef>
+              <a:spcAft>
+                <a:spcPts val="0"/>
+              </a:spcAft>
+              <a:buNone/>
+            </a:pPr>
+            <a:fld id="{00000000-1234-1234-1234-123412341234}" type="slidenum">
+              <a:rPr lang="en"/>
+              <a:t>‹#›</a:t>
+            </a:fld>
             <a:endParaRPr/>
           </a:p>
         </p:txBody>
@@ -11812,7 +10064,7 @@
                                           </p:stCondLst>
                                         </p:cTn>
                                         <p:tgtEl>
-                                          <p:spTgt spid="61">
+                                          <p:spTgt spid="62">
                                             <p:txEl>
                                               <p:pRg end="0" st="0"/>
                                             </p:txEl>
@@ -11861,7 +10113,7 @@
                                           </p:stCondLst>
                                         </p:cTn>
                                         <p:tgtEl>
-                                          <p:spTgt spid="61">
+                                          <p:spTgt spid="62">
                                             <p:txEl>
                                               <p:pRg end="1" st="1"/>
                                             </p:txEl>
@@ -11910,7 +10162,7 @@
                                           </p:stCondLst>
                                         </p:cTn>
                                         <p:tgtEl>
-                                          <p:spTgt spid="61">
+                                          <p:spTgt spid="62">
                                             <p:txEl>
                                               <p:pRg end="2" st="2"/>
                                             </p:txEl>
@@ -11959,7 +10211,7 @@
                                           </p:stCondLst>
                                         </p:cTn>
                                         <p:tgtEl>
-                                          <p:spTgt spid="61">
+                                          <p:spTgt spid="62">
                                             <p:txEl>
                                               <p:pRg end="3" st="3"/>
                                             </p:txEl>
@@ -12008,9 +10260,303 @@
                                           </p:stCondLst>
                                         </p:cTn>
                                         <p:tgtEl>
-                                          <p:spTgt spid="61">
+                                          <p:spTgt spid="62">
                                             <p:txEl>
                                               <p:pRg end="4" st="4"/>
+                                            </p:txEl>
+                                          </p:spTgt>
+                                        </p:tgtEl>
+                                        <p:attrNameLst>
+                                          <p:attrName>style.visibility</p:attrName>
+                                        </p:attrNameLst>
+                                      </p:cBhvr>
+                                      <p:to>
+                                        <p:strVal val="visible"/>
+                                      </p:to>
+                                    </p:set>
+                                  </p:childTnLst>
+                                </p:cTn>
+                              </p:par>
+                            </p:childTnLst>
+                          </p:cTn>
+                        </p:par>
+                      </p:childTnLst>
+                    </p:cTn>
+                  </p:par>
+                  <p:par>
+                    <p:cTn fill="hold">
+                      <p:stCondLst>
+                        <p:cond delay="indefinite"/>
+                      </p:stCondLst>
+                      <p:childTnLst>
+                        <p:par>
+                          <p:cTn fill="hold">
+                            <p:stCondLst>
+                              <p:cond delay="0"/>
+                            </p:stCondLst>
+                            <p:childTnLst>
+                              <p:par>
+                                <p:cTn fill="hold" nodeType="clickEffect" presetClass="entr" presetID="1" presetSubtype="0">
+                                  <p:stCondLst>
+                                    <p:cond delay="0"/>
+                                  </p:stCondLst>
+                                  <p:childTnLst>
+                                    <p:set>
+                                      <p:cBhvr>
+                                        <p:cTn dur="1" fill="hold">
+                                          <p:stCondLst>
+                                            <p:cond delay="0"/>
+                                          </p:stCondLst>
+                                        </p:cTn>
+                                        <p:tgtEl>
+                                          <p:spTgt spid="62">
+                                            <p:txEl>
+                                              <p:pRg end="5" st="5"/>
+                                            </p:txEl>
+                                          </p:spTgt>
+                                        </p:tgtEl>
+                                        <p:attrNameLst>
+                                          <p:attrName>style.visibility</p:attrName>
+                                        </p:attrNameLst>
+                                      </p:cBhvr>
+                                      <p:to>
+                                        <p:strVal val="visible"/>
+                                      </p:to>
+                                    </p:set>
+                                  </p:childTnLst>
+                                </p:cTn>
+                              </p:par>
+                            </p:childTnLst>
+                          </p:cTn>
+                        </p:par>
+                      </p:childTnLst>
+                    </p:cTn>
+                  </p:par>
+                  <p:par>
+                    <p:cTn fill="hold">
+                      <p:stCondLst>
+                        <p:cond delay="indefinite"/>
+                      </p:stCondLst>
+                      <p:childTnLst>
+                        <p:par>
+                          <p:cTn fill="hold">
+                            <p:stCondLst>
+                              <p:cond delay="0"/>
+                            </p:stCondLst>
+                            <p:childTnLst>
+                              <p:par>
+                                <p:cTn fill="hold" nodeType="clickEffect" presetClass="entr" presetID="1" presetSubtype="0">
+                                  <p:stCondLst>
+                                    <p:cond delay="0"/>
+                                  </p:stCondLst>
+                                  <p:childTnLst>
+                                    <p:set>
+                                      <p:cBhvr>
+                                        <p:cTn dur="1" fill="hold">
+                                          <p:stCondLst>
+                                            <p:cond delay="0"/>
+                                          </p:stCondLst>
+                                        </p:cTn>
+                                        <p:tgtEl>
+                                          <p:spTgt spid="62">
+                                            <p:txEl>
+                                              <p:pRg end="6" st="6"/>
+                                            </p:txEl>
+                                          </p:spTgt>
+                                        </p:tgtEl>
+                                        <p:attrNameLst>
+                                          <p:attrName>style.visibility</p:attrName>
+                                        </p:attrNameLst>
+                                      </p:cBhvr>
+                                      <p:to>
+                                        <p:strVal val="visible"/>
+                                      </p:to>
+                                    </p:set>
+                                  </p:childTnLst>
+                                </p:cTn>
+                              </p:par>
+                            </p:childTnLst>
+                          </p:cTn>
+                        </p:par>
+                      </p:childTnLst>
+                    </p:cTn>
+                  </p:par>
+                  <p:par>
+                    <p:cTn fill="hold">
+                      <p:stCondLst>
+                        <p:cond delay="indefinite"/>
+                      </p:stCondLst>
+                      <p:childTnLst>
+                        <p:par>
+                          <p:cTn fill="hold">
+                            <p:stCondLst>
+                              <p:cond delay="0"/>
+                            </p:stCondLst>
+                            <p:childTnLst>
+                              <p:par>
+                                <p:cTn fill="hold" nodeType="clickEffect" presetClass="entr" presetID="1" presetSubtype="0">
+                                  <p:stCondLst>
+                                    <p:cond delay="0"/>
+                                  </p:stCondLst>
+                                  <p:childTnLst>
+                                    <p:set>
+                                      <p:cBhvr>
+                                        <p:cTn dur="1" fill="hold">
+                                          <p:stCondLst>
+                                            <p:cond delay="0"/>
+                                          </p:stCondLst>
+                                        </p:cTn>
+                                        <p:tgtEl>
+                                          <p:spTgt spid="62">
+                                            <p:txEl>
+                                              <p:pRg end="7" st="7"/>
+                                            </p:txEl>
+                                          </p:spTgt>
+                                        </p:tgtEl>
+                                        <p:attrNameLst>
+                                          <p:attrName>style.visibility</p:attrName>
+                                        </p:attrNameLst>
+                                      </p:cBhvr>
+                                      <p:to>
+                                        <p:strVal val="visible"/>
+                                      </p:to>
+                                    </p:set>
+                                  </p:childTnLst>
+                                </p:cTn>
+                              </p:par>
+                            </p:childTnLst>
+                          </p:cTn>
+                        </p:par>
+                      </p:childTnLst>
+                    </p:cTn>
+                  </p:par>
+                  <p:par>
+                    <p:cTn fill="hold">
+                      <p:stCondLst>
+                        <p:cond delay="indefinite"/>
+                      </p:stCondLst>
+                      <p:childTnLst>
+                        <p:par>
+                          <p:cTn fill="hold">
+                            <p:stCondLst>
+                              <p:cond delay="0"/>
+                            </p:stCondLst>
+                            <p:childTnLst>
+                              <p:par>
+                                <p:cTn fill="hold" nodeType="clickEffect" presetClass="entr" presetID="1" presetSubtype="0">
+                                  <p:stCondLst>
+                                    <p:cond delay="0"/>
+                                  </p:stCondLst>
+                                  <p:childTnLst>
+                                    <p:set>
+                                      <p:cBhvr>
+                                        <p:cTn dur="1" fill="hold">
+                                          <p:stCondLst>
+                                            <p:cond delay="0"/>
+                                          </p:stCondLst>
+                                        </p:cTn>
+                                        <p:tgtEl>
+                                          <p:spTgt spid="62">
+                                            <p:txEl>
+                                              <p:pRg end="8" st="8"/>
+                                            </p:txEl>
+                                          </p:spTgt>
+                                        </p:tgtEl>
+                                        <p:attrNameLst>
+                                          <p:attrName>style.visibility</p:attrName>
+                                        </p:attrNameLst>
+                                      </p:cBhvr>
+                                      <p:to>
+                                        <p:strVal val="visible"/>
+                                      </p:to>
+                                    </p:set>
+                                  </p:childTnLst>
+                                </p:cTn>
+                              </p:par>
+                            </p:childTnLst>
+                          </p:cTn>
+                        </p:par>
+                      </p:childTnLst>
+                    </p:cTn>
+                  </p:par>
+                  <p:par>
+                    <p:cTn fill="hold">
+                      <p:stCondLst>
+                        <p:cond delay="indefinite"/>
+                      </p:stCondLst>
+                      <p:childTnLst>
+                        <p:par>
+                          <p:cTn fill="hold">
+                            <p:stCondLst>
+                              <p:cond delay="0"/>
+                            </p:stCondLst>
+                            <p:childTnLst>
+                              <p:par>
+                                <p:cTn fill="hold" nodeType="clickEffect" presetClass="entr" presetID="1" presetSubtype="0">
+                                  <p:stCondLst>
+                                    <p:cond delay="0"/>
+                                  </p:stCondLst>
+                                  <p:childTnLst>
+                                    <p:set>
+                                      <p:cBhvr>
+                                        <p:cTn dur="1" fill="hold">
+                                          <p:stCondLst>
+                                            <p:cond delay="0"/>
+                                          </p:stCondLst>
+                                        </p:cTn>
+                                        <p:tgtEl>
+                                          <p:spTgt spid="62">
+                                            <p:txEl>
+                                              <p:pRg end="9" st="9"/>
+                                            </p:txEl>
+                                          </p:spTgt>
+                                        </p:tgtEl>
+                                        <p:attrNameLst>
+                                          <p:attrName>style.visibility</p:attrName>
+                                        </p:attrNameLst>
+                                      </p:cBhvr>
+                                      <p:to>
+                                        <p:strVal val="visible"/>
+                                      </p:to>
+                                    </p:set>
+                                  </p:childTnLst>
+                                </p:cTn>
+                              </p:par>
+                            </p:childTnLst>
+                          </p:cTn>
+                        </p:par>
+                      </p:childTnLst>
+                    </p:cTn>
+                  </p:par>
+                  <p:par>
+                    <p:cTn fill="hold">
+                      <p:stCondLst>
+                        <p:cond delay="indefinite"/>
+                      </p:stCondLst>
+                      <p:childTnLst>
+                        <p:par>
+                          <p:cTn fill="hold">
+                            <p:stCondLst>
+                              <p:cond delay="0"/>
+                            </p:stCondLst>
+                            <p:childTnLst>
+                              <p:par>
+                                <p:cTn fill="hold" nodeType="clickEffect" presetClass="entr" presetID="1" presetSubtype="0">
+                                  <p:stCondLst>
+                                    <p:cond delay="0"/>
+                                  </p:stCondLst>
+                                  <p:childTnLst>
+                                    <p:set>
+                                      <p:cBhvr>
+                                        <p:cTn dur="1" fill="hold">
+                                          <p:stCondLst>
+                                            <p:cond delay="0"/>
+                                          </p:stCondLst>
+                                        </p:cTn>
+                                        <p:tgtEl>
+                                          <p:spTgt spid="62">
+                                            <p:txEl>
+                                              <p:pRg end="10" st="10"/>
                                             </p:txEl>
                                           </p:spTgt>
                                         </p:tgtEl>
@@ -12056,12 +10602,12 @@
 </p:sld>
 </file>
 
-<file path=ppt/slides/slide20.xml><?xml version="1.0" encoding="utf-8"?>
+<file path=ppt/slides/slide3.xml><?xml version="1.0" encoding="utf-8"?>
 <p:sld xmlns:a="http://schemas.openxmlformats.org/drawingml/2006/main" xmlns:r="http://schemas.openxmlformats.org/officeDocument/2006/relationships" xmlns:mc="http://schemas.openxmlformats.org/markup-compatibility/2006" xmlns:mv="urn:schemas-microsoft-com:mac:vml" xmlns:p="http://schemas.openxmlformats.org/presentationml/2006/main" xmlns:c="http://schemas.openxmlformats.org/drawingml/2006/chart" xmlns:dgm="http://schemas.openxmlformats.org/drawingml/2006/diagram" xmlns:o="urn:schemas-microsoft-com:office:office" xmlns:v="urn:schemas-microsoft-com:vml" xmlns:pvml="urn:schemas-microsoft-com:office:powerpoint" xmlns:com="http://schemas.openxmlformats.org/drawingml/2006/compatibility" xmlns:p14="http://schemas.microsoft.com/office/powerpoint/2010/main" xmlns:p15="http://schemas.microsoft.com/office/powerpoint/2012/main" xmlns:ahyp="http://schemas.microsoft.com/office/drawing/2018/hyperlinkcolor">
   <p:cSld>
     <p:spTree>
       <p:nvGrpSpPr>
-        <p:cNvPr id="216" name="Shape 216"/>
+        <p:cNvPr id="67" name="Shape 67"/>
         <p:cNvGrpSpPr/>
         <p:nvPr/>
       </p:nvGrpSpPr>
@@ -12075,73 +10621,7 @@
       </p:grpSpPr>
       <p:sp>
         <p:nvSpPr>
-          <p:cNvPr id="217" name="Google Shape;217;p32"/>
-          <p:cNvSpPr txBox="1"/>
-          <p:nvPr>
-            <p:ph type="title"/>
-          </p:nvPr>
-        </p:nvSpPr>
-        <p:spPr>
-          <a:xfrm>
-            <a:off x="311700" y="2174100"/>
-            <a:ext cx="8520600" cy="795300"/>
-          </a:xfrm>
-          <a:prstGeom prst="rect">
-            <a:avLst/>
-          </a:prstGeom>
-        </p:spPr>
-        <p:txBody>
-          <a:bodyPr anchorCtr="0" anchor="t" bIns="91425" lIns="91425" spcFirstLastPara="1" rIns="91425" wrap="square" tIns="91425">
-            <a:noAutofit/>
-          </a:bodyPr>
-          <a:lstStyle/>
-          <a:p>
-            <a:pPr indent="0" lvl="0" marL="0" rtl="0" algn="ctr">
-              <a:spcBef>
-                <a:spcPts val="0"/>
-              </a:spcBef>
-              <a:spcAft>
-                <a:spcPts val="0"/>
-              </a:spcAft>
-              <a:buSzPts val="990"/>
-              <a:buNone/>
-            </a:pPr>
-            <a:r>
-              <a:rPr lang="en" sz="3520"/>
-              <a:t>In loving memory of Diana Teka</a:t>
-            </a:r>
-            <a:endParaRPr sz="3520"/>
-          </a:p>
-        </p:txBody>
-      </p:sp>
-    </p:spTree>
-  </p:cSld>
-  <p:clrMapOvr>
-    <a:masterClrMapping/>
-  </p:clrMapOvr>
-</p:sld>
-</file>
-
-<file path=ppt/slides/slide3.xml><?xml version="1.0" encoding="utf-8"?>
-<p:sld xmlns:a="http://schemas.openxmlformats.org/drawingml/2006/main" xmlns:r="http://schemas.openxmlformats.org/officeDocument/2006/relationships" xmlns:mc="http://schemas.openxmlformats.org/markup-compatibility/2006" xmlns:mv="urn:schemas-microsoft-com:mac:vml" xmlns:p="http://schemas.openxmlformats.org/presentationml/2006/main" xmlns:c="http://schemas.openxmlformats.org/drawingml/2006/chart" xmlns:dgm="http://schemas.openxmlformats.org/drawingml/2006/diagram" xmlns:o="urn:schemas-microsoft-com:office:office" xmlns:v="urn:schemas-microsoft-com:vml" xmlns:pvml="urn:schemas-microsoft-com:office:powerpoint" xmlns:com="http://schemas.openxmlformats.org/drawingml/2006/compatibility" xmlns:p14="http://schemas.microsoft.com/office/powerpoint/2010/main" xmlns:p15="http://schemas.microsoft.com/office/powerpoint/2012/main" xmlns:ahyp="http://schemas.microsoft.com/office/drawing/2018/hyperlinkcolor">
-  <p:cSld>
-    <p:spTree>
-      <p:nvGrpSpPr>
-        <p:cNvPr id="65" name="Shape 65"/>
-        <p:cNvGrpSpPr/>
-        <p:nvPr/>
-      </p:nvGrpSpPr>
-      <p:grpSpPr>
-        <a:xfrm>
-          <a:off x="0" y="0"/>
-          <a:ext cx="0" cy="0"/>
-          <a:chOff x="0" y="0"/>
-          <a:chExt cx="0" cy="0"/>
-        </a:xfrm>
-      </p:grpSpPr>
-      <p:sp>
-        <p:nvSpPr>
-          <p:cNvPr id="66" name="Google Shape;66;p15"/>
+          <p:cNvPr id="68" name="Google Shape;68;p15"/>
           <p:cNvSpPr txBox="1"/>
           <p:nvPr>
             <p:ph type="title"/>
@@ -12181,7 +10661,7 @@
       </p:sp>
       <p:sp>
         <p:nvSpPr>
-          <p:cNvPr id="67" name="Google Shape;67;p15"/>
+          <p:cNvPr id="69" name="Google Shape;69;p15"/>
           <p:cNvSpPr txBox="1"/>
           <p:nvPr>
             <p:ph idx="1" type="body"/>
@@ -12189,8 +10669,8 @@
         </p:nvSpPr>
         <p:spPr>
           <a:xfrm>
-            <a:off x="311700" y="1152475"/>
-            <a:ext cx="8520600" cy="3416400"/>
+            <a:off x="312201" y="1152474"/>
+            <a:ext cx="5935500" cy="3695100"/>
           </a:xfrm>
           <a:prstGeom prst="rect">
             <a:avLst/>
@@ -12218,7 +10698,7 @@
             </a:r>
             <a:r>
               <a:rPr lang="en"/>
-              <a:t>attern-recognition card game invented by geneticist Marsha Falco in 1974</a:t>
+              <a:t>attern-recognition card game, invented in 1974</a:t>
             </a:r>
             <a:endParaRPr/>
           </a:p>
@@ -12235,7 +10715,7 @@
             </a:pPr>
             <a:r>
               <a:rPr lang="en"/>
-              <a:t>Each card has four attributes: number, shading, color, and shape</a:t>
+              <a:t>4 attributes: number, shading, color, and shape</a:t>
             </a:r>
             <a:endParaRPr/>
           </a:p>
@@ -12252,7 +10732,7 @@
             </a:pPr>
             <a:r>
               <a:rPr lang="en"/>
-              <a:t>There are three possibilities for each attribute:</a:t>
+              <a:t>Three possibilities for each attribute:</a:t>
             </a:r>
             <a:endParaRPr/>
           </a:p>
@@ -12337,7 +10817,7 @@
             </a:pPr>
             <a:r>
               <a:rPr lang="en"/>
-              <a:t>There are 81 cards in the deck, one for each possible combination (3</a:t>
+              <a:t>81 cards in the deck, one for each combination (3</a:t>
             </a:r>
             <a:r>
               <a:rPr baseline="30000" lang="en"/>
@@ -12362,7 +10842,14 @@
             </a:pPr>
             <a:r>
               <a:rPr lang="en"/>
-              <a:t>A set is a group of three cards where each attribute is </a:t>
+              <a:t>A set is a group of three cards where each attribute</a:t>
+            </a:r>
+            <a:br>
+              <a:rPr lang="en"/>
+            </a:br>
+            <a:r>
+              <a:rPr lang="en"/>
+              <a:t>is </a:t>
             </a:r>
             <a:r>
               <a:rPr b="1" lang="en"/>
@@ -12378,7 +10865,14 @@
             </a:r>
             <a:r>
               <a:rPr lang="en"/>
-              <a:t> different for all three cards</a:t>
+              <a:t> different</a:t>
+            </a:r>
+            <a:br>
+              <a:rPr lang="en"/>
+            </a:br>
+            <a:r>
+              <a:rPr lang="en"/>
+              <a:t>for all three cards</a:t>
             </a:r>
             <a:endParaRPr/>
           </a:p>
@@ -12395,7 +10889,284 @@
             </a:pPr>
             <a:r>
               <a:rPr lang="en"/>
-              <a:t>Players compete to find sets on a face-up group of cards called a board</a:t>
+              <a:t>Players compete to find sets on the board</a:t>
+            </a:r>
+            <a:endParaRPr/>
+          </a:p>
+        </p:txBody>
+      </p:sp>
+      <p:sp>
+        <p:nvSpPr>
+          <p:cNvPr id="70" name="Google Shape;70;p15"/>
+          <p:cNvSpPr txBox="1"/>
+          <p:nvPr>
+            <p:ph idx="12" type="sldNum"/>
+          </p:nvPr>
+        </p:nvSpPr>
+        <p:spPr>
+          <a:xfrm>
+            <a:off x="8396258" y="4663217"/>
+            <a:ext cx="548700" cy="393600"/>
+          </a:xfrm>
+          <a:prstGeom prst="rect">
+            <a:avLst/>
+          </a:prstGeom>
+        </p:spPr>
+        <p:txBody>
+          <a:bodyPr anchorCtr="0" anchor="ctr" bIns="91425" lIns="91425" spcFirstLastPara="1" rIns="91425" wrap="square" tIns="91425">
+            <a:normAutofit/>
+          </a:bodyPr>
+          <a:lstStyle/>
+          <a:p>
+            <a:pPr indent="0" lvl="0" marL="0" rtl="0" algn="r">
+              <a:spcBef>
+                <a:spcPts val="0"/>
+              </a:spcBef>
+              <a:spcAft>
+                <a:spcPts val="0"/>
+              </a:spcAft>
+              <a:buNone/>
+            </a:pPr>
+            <a:fld id="{00000000-1234-1234-1234-123412341234}" type="slidenum">
+              <a:rPr lang="en"/>
+              <a:t>‹#›</a:t>
+            </a:fld>
+            <a:endParaRPr/>
+          </a:p>
+        </p:txBody>
+      </p:sp>
+      <p:pic>
+        <p:nvPicPr>
+          <p:cNvPr id="71" name="Google Shape;71;p15"/>
+          <p:cNvPicPr preferRelativeResize="0"/>
+          <p:nvPr/>
+        </p:nvPicPr>
+        <p:blipFill>
+          <a:blip r:embed="rId3">
+            <a:alphaModFix/>
+          </a:blip>
+          <a:stretch>
+            <a:fillRect/>
+          </a:stretch>
+        </p:blipFill>
+        <p:spPr>
+          <a:xfrm>
+            <a:off x="6421225" y="35613"/>
+            <a:ext cx="2254350" cy="1690763"/>
+          </a:xfrm>
+          <a:prstGeom prst="rect">
+            <a:avLst/>
+          </a:prstGeom>
+          <a:noFill/>
+          <a:ln>
+            <a:noFill/>
+          </a:ln>
+        </p:spPr>
+      </p:pic>
+      <p:pic>
+        <p:nvPicPr>
+          <p:cNvPr id="72" name="Google Shape;72;p15"/>
+          <p:cNvPicPr preferRelativeResize="0"/>
+          <p:nvPr/>
+        </p:nvPicPr>
+        <p:blipFill>
+          <a:blip r:embed="rId4">
+            <a:alphaModFix/>
+          </a:blip>
+          <a:stretch>
+            <a:fillRect/>
+          </a:stretch>
+        </p:blipFill>
+        <p:spPr>
+          <a:xfrm>
+            <a:off x="6421242" y="1726385"/>
+            <a:ext cx="2254334" cy="1690750"/>
+          </a:xfrm>
+          <a:prstGeom prst="rect">
+            <a:avLst/>
+          </a:prstGeom>
+          <a:noFill/>
+          <a:ln>
+            <a:noFill/>
+          </a:ln>
+        </p:spPr>
+      </p:pic>
+      <p:pic>
+        <p:nvPicPr>
+          <p:cNvPr id="73" name="Google Shape;73;p15"/>
+          <p:cNvPicPr preferRelativeResize="0"/>
+          <p:nvPr/>
+        </p:nvPicPr>
+        <p:blipFill>
+          <a:blip r:embed="rId5">
+            <a:alphaModFix/>
+          </a:blip>
+          <a:stretch>
+            <a:fillRect/>
+          </a:stretch>
+        </p:blipFill>
+        <p:spPr>
+          <a:xfrm>
+            <a:off x="6421225" y="3417135"/>
+            <a:ext cx="2254350" cy="1690763"/>
+          </a:xfrm>
+          <a:prstGeom prst="rect">
+            <a:avLst/>
+          </a:prstGeom>
+          <a:noFill/>
+          <a:ln>
+            <a:noFill/>
+          </a:ln>
+        </p:spPr>
+      </p:pic>
+      <p:sp>
+        <p:nvSpPr>
+          <p:cNvPr id="74" name="Google Shape;74;p15"/>
+          <p:cNvSpPr/>
+          <p:nvPr/>
+        </p:nvSpPr>
+        <p:spPr>
+          <a:xfrm>
+            <a:off x="6421225" y="35625"/>
+            <a:ext cx="2182500" cy="1690800"/>
+          </a:xfrm>
+          <a:prstGeom prst="rect">
+            <a:avLst/>
+          </a:prstGeom>
+          <a:solidFill>
+            <a:srgbClr val="EEEEEE">
+              <a:alpha val="0"/>
+            </a:srgbClr>
+          </a:solidFill>
+          <a:ln cap="flat" cmpd="sng" w="9525">
+            <a:solidFill>
+              <a:schemeClr val="dk1"/>
+            </a:solidFill>
+            <a:prstDash val="solid"/>
+            <a:round/>
+            <a:headEnd len="sm" w="sm" type="none"/>
+            <a:tailEnd len="sm" w="sm" type="none"/>
+          </a:ln>
+        </p:spPr>
+        <p:txBody>
+          <a:bodyPr anchorCtr="0" anchor="ctr" bIns="91425" lIns="91425" spcFirstLastPara="1" rIns="91425" wrap="square" tIns="91425">
+            <a:noAutofit/>
+          </a:bodyPr>
+          <a:lstStyle/>
+          <a:p>
+            <a:pPr indent="0" lvl="0" marL="0" rtl="0" algn="l">
+              <a:spcBef>
+                <a:spcPts val="0"/>
+              </a:spcBef>
+              <a:spcAft>
+                <a:spcPts val="0"/>
+              </a:spcAft>
+              <a:buNone/>
+            </a:pPr>
+            <a:r>
+              <a:t/>
+            </a:r>
+            <a:endParaRPr/>
+          </a:p>
+        </p:txBody>
+      </p:sp>
+      <p:sp>
+        <p:nvSpPr>
+          <p:cNvPr id="75" name="Google Shape;75;p15"/>
+          <p:cNvSpPr/>
+          <p:nvPr/>
+        </p:nvSpPr>
+        <p:spPr>
+          <a:xfrm>
+            <a:off x="6421225" y="1726826"/>
+            <a:ext cx="2182500" cy="1690800"/>
+          </a:xfrm>
+          <a:prstGeom prst="rect">
+            <a:avLst/>
+          </a:prstGeom>
+          <a:solidFill>
+            <a:srgbClr val="EEEEEE">
+              <a:alpha val="0"/>
+            </a:srgbClr>
+          </a:solidFill>
+          <a:ln cap="flat" cmpd="sng" w="9525">
+            <a:solidFill>
+              <a:schemeClr val="dk1"/>
+            </a:solidFill>
+            <a:prstDash val="solid"/>
+            <a:round/>
+            <a:headEnd len="sm" w="sm" type="none"/>
+            <a:tailEnd len="sm" w="sm" type="none"/>
+          </a:ln>
+        </p:spPr>
+        <p:txBody>
+          <a:bodyPr anchorCtr="0" anchor="ctr" bIns="91425" lIns="91425" spcFirstLastPara="1" rIns="91425" wrap="square" tIns="91425">
+            <a:noAutofit/>
+          </a:bodyPr>
+          <a:lstStyle/>
+          <a:p>
+            <a:pPr indent="0" lvl="0" marL="0" rtl="0" algn="l">
+              <a:spcBef>
+                <a:spcPts val="0"/>
+              </a:spcBef>
+              <a:spcAft>
+                <a:spcPts val="0"/>
+              </a:spcAft>
+              <a:buNone/>
+            </a:pPr>
+            <a:r>
+              <a:t/>
+            </a:r>
+            <a:endParaRPr/>
+          </a:p>
+        </p:txBody>
+      </p:sp>
+      <p:sp>
+        <p:nvSpPr>
+          <p:cNvPr id="76" name="Google Shape;76;p15"/>
+          <p:cNvSpPr/>
+          <p:nvPr/>
+        </p:nvSpPr>
+        <p:spPr>
+          <a:xfrm>
+            <a:off x="6421225" y="3418028"/>
+            <a:ext cx="2182500" cy="1690800"/>
+          </a:xfrm>
+          <a:prstGeom prst="rect">
+            <a:avLst/>
+          </a:prstGeom>
+          <a:solidFill>
+            <a:srgbClr val="EEEEEE">
+              <a:alpha val="0"/>
+            </a:srgbClr>
+          </a:solidFill>
+          <a:ln cap="flat" cmpd="sng" w="9525">
+            <a:solidFill>
+              <a:schemeClr val="dk1"/>
+            </a:solidFill>
+            <a:prstDash val="solid"/>
+            <a:round/>
+            <a:headEnd len="sm" w="sm" type="none"/>
+            <a:tailEnd len="sm" w="sm" type="none"/>
+          </a:ln>
+        </p:spPr>
+        <p:txBody>
+          <a:bodyPr anchorCtr="0" anchor="ctr" bIns="91425" lIns="91425" spcFirstLastPara="1" rIns="91425" wrap="square" tIns="91425">
+            <a:noAutofit/>
+          </a:bodyPr>
+          <a:lstStyle/>
+          <a:p>
+            <a:pPr indent="0" lvl="0" marL="0" rtl="0" algn="l">
+              <a:spcBef>
+                <a:spcPts val="0"/>
+              </a:spcBef>
+              <a:spcAft>
+                <a:spcPts val="0"/>
+              </a:spcAft>
+              <a:buNone/>
+            </a:pPr>
+            <a:r>
+              <a:t/>
             </a:r>
             <a:endParaRPr/>
           </a:p>
@@ -12440,7 +11211,7 @@
                                           </p:stCondLst>
                                         </p:cTn>
                                         <p:tgtEl>
-                                          <p:spTgt spid="67">
+                                          <p:spTgt spid="69">
                                             <p:txEl>
                                               <p:pRg end="0" st="0"/>
                                             </p:txEl>
@@ -12489,7 +11260,7 @@
                                           </p:stCondLst>
                                         </p:cTn>
                                         <p:tgtEl>
-                                          <p:spTgt spid="67">
+                                          <p:spTgt spid="69">
                                             <p:txEl>
                                               <p:pRg end="1" st="1"/>
                                             </p:txEl>
@@ -12538,7 +11309,7 @@
                                           </p:stCondLst>
                                         </p:cTn>
                                         <p:tgtEl>
-                                          <p:spTgt spid="67">
+                                          <p:spTgt spid="69">
                                             <p:txEl>
                                               <p:pRg end="2" st="2"/>
                                             </p:txEl>
@@ -12587,7 +11358,7 @@
                                           </p:stCondLst>
                                         </p:cTn>
                                         <p:tgtEl>
-                                          <p:spTgt spid="67">
+                                          <p:spTgt spid="69">
                                             <p:txEl>
                                               <p:pRg end="3" st="3"/>
                                             </p:txEl>
@@ -12636,7 +11407,7 @@
                                           </p:stCondLst>
                                         </p:cTn>
                                         <p:tgtEl>
-                                          <p:spTgt spid="67">
+                                          <p:spTgt spid="69">
                                             <p:txEl>
                                               <p:pRg end="4" st="4"/>
                                             </p:txEl>
@@ -12685,7 +11456,7 @@
                                           </p:stCondLst>
                                         </p:cTn>
                                         <p:tgtEl>
-                                          <p:spTgt spid="67">
+                                          <p:spTgt spid="69">
                                             <p:txEl>
                                               <p:pRg end="5" st="5"/>
                                             </p:txEl>
@@ -12734,7 +11505,7 @@
                                           </p:stCondLst>
                                         </p:cTn>
                                         <p:tgtEl>
-                                          <p:spTgt spid="67">
+                                          <p:spTgt spid="69">
                                             <p:txEl>
                                               <p:pRg end="6" st="6"/>
                                             </p:txEl>
@@ -12783,7 +11554,7 @@
                                           </p:stCondLst>
                                         </p:cTn>
                                         <p:tgtEl>
-                                          <p:spTgt spid="67">
+                                          <p:spTgt spid="69">
                                             <p:txEl>
                                               <p:pRg end="7" st="7"/>
                                             </p:txEl>
@@ -12832,7 +11603,7 @@
                                           </p:stCondLst>
                                         </p:cTn>
                                         <p:tgtEl>
-                                          <p:spTgt spid="67">
+                                          <p:spTgt spid="69">
                                             <p:txEl>
                                               <p:pRg end="8" st="8"/>
                                             </p:txEl>
@@ -12881,7 +11652,7 @@
                                           </p:stCondLst>
                                         </p:cTn>
                                         <p:tgtEl>
-                                          <p:spTgt spid="67">
+                                          <p:spTgt spid="69">
                                             <p:txEl>
                                               <p:pRg end="9" st="9"/>
                                             </p:txEl>
@@ -12934,7 +11705,7 @@
   <p:cSld>
     <p:spTree>
       <p:nvGrpSpPr>
-        <p:cNvPr id="71" name="Shape 71"/>
+        <p:cNvPr id="80" name="Shape 80"/>
         <p:cNvGrpSpPr/>
         <p:nvPr/>
       </p:nvGrpSpPr>
@@ -12948,21 +11719,21 @@
       </p:grpSpPr>
       <p:grpSp>
         <p:nvGrpSpPr>
-          <p:cNvPr id="72" name="Google Shape;72;p16"/>
+          <p:cNvPr id="81" name="Google Shape;81;p16"/>
           <p:cNvGrpSpPr/>
           <p:nvPr/>
         </p:nvGrpSpPr>
         <p:grpSpPr>
           <a:xfrm>
-            <a:off x="1975876" y="81225"/>
-            <a:ext cx="5192317" cy="4981082"/>
+            <a:off x="388041" y="708074"/>
+            <a:ext cx="3885411" cy="3727344"/>
             <a:chOff x="1975876" y="81225"/>
             <a:chExt cx="5192317" cy="4981082"/>
           </a:xfrm>
         </p:grpSpPr>
         <p:pic>
           <p:nvPicPr>
-            <p:cNvPr id="73" name="Google Shape;73;p16"/>
+            <p:cNvPr id="82" name="Google Shape;82;p16"/>
             <p:cNvPicPr preferRelativeResize="0"/>
             <p:nvPr/>
           </p:nvPicPr>
@@ -12989,7 +11760,7 @@
         </p:pic>
         <p:pic>
           <p:nvPicPr>
-            <p:cNvPr id="74" name="Google Shape;74;p16"/>
+            <p:cNvPr id="83" name="Google Shape;83;p16"/>
             <p:cNvPicPr preferRelativeResize="0"/>
             <p:nvPr/>
           </p:nvPicPr>
@@ -13016,7 +11787,7 @@
         </p:pic>
         <p:pic>
           <p:nvPicPr>
-            <p:cNvPr id="75" name="Google Shape;75;p16"/>
+            <p:cNvPr id="84" name="Google Shape;84;p16"/>
             <p:cNvPicPr preferRelativeResize="0"/>
             <p:nvPr/>
           </p:nvPicPr>
@@ -13043,7 +11814,7 @@
         </p:pic>
         <p:pic>
           <p:nvPicPr>
-            <p:cNvPr id="76" name="Google Shape;76;p16"/>
+            <p:cNvPr id="85" name="Google Shape;85;p16"/>
             <p:cNvPicPr preferRelativeResize="0"/>
             <p:nvPr/>
           </p:nvPicPr>
@@ -13070,7 +11841,7 @@
         </p:pic>
         <p:cxnSp>
           <p:nvCxnSpPr>
-            <p:cNvPr id="77" name="Google Shape;77;p16"/>
+            <p:cNvPr id="86" name="Google Shape;86;p16"/>
             <p:cNvCxnSpPr/>
             <p:nvPr/>
           </p:nvCxnSpPr>
@@ -13096,7 +11867,7 @@
         </p:cxnSp>
         <p:cxnSp>
           <p:nvCxnSpPr>
-            <p:cNvPr id="78" name="Google Shape;78;p16"/>
+            <p:cNvPr id="87" name="Google Shape;87;p16"/>
             <p:cNvCxnSpPr/>
             <p:nvPr/>
           </p:nvCxnSpPr>
@@ -13122,7 +11893,7 @@
         </p:cxnSp>
         <p:cxnSp>
           <p:nvCxnSpPr>
-            <p:cNvPr id="79" name="Google Shape;79;p16"/>
+            <p:cNvPr id="88" name="Google Shape;88;p16"/>
             <p:cNvCxnSpPr/>
             <p:nvPr/>
           </p:nvCxnSpPr>
@@ -13148,7 +11919,7 @@
         </p:cxnSp>
         <p:cxnSp>
           <p:nvCxnSpPr>
-            <p:cNvPr id="80" name="Google Shape;80;p16"/>
+            <p:cNvPr id="89" name="Google Shape;89;p16"/>
             <p:cNvCxnSpPr/>
             <p:nvPr/>
           </p:nvCxnSpPr>
@@ -13174,7 +11945,7 @@
         </p:cxnSp>
         <p:cxnSp>
           <p:nvCxnSpPr>
-            <p:cNvPr id="81" name="Google Shape;81;p16"/>
+            <p:cNvPr id="90" name="Google Shape;90;p16"/>
             <p:cNvCxnSpPr/>
             <p:nvPr/>
           </p:nvCxnSpPr>
@@ -13200,7 +11971,7 @@
         </p:cxnSp>
         <p:cxnSp>
           <p:nvCxnSpPr>
-            <p:cNvPr id="82" name="Google Shape;82;p16"/>
+            <p:cNvPr id="91" name="Google Shape;91;p16"/>
             <p:cNvCxnSpPr/>
             <p:nvPr/>
           </p:nvCxnSpPr>
@@ -13226,337 +11997,7 @@
         </p:cxnSp>
         <p:cxnSp>
           <p:nvCxnSpPr>
-            <p:cNvPr id="83" name="Google Shape;83;p16"/>
-            <p:cNvCxnSpPr/>
-            <p:nvPr/>
-          </p:nvCxnSpPr>
-          <p:spPr>
-            <a:xfrm>
-              <a:off x="7165890" y="81225"/>
-              <a:ext cx="0" cy="4980900"/>
-            </a:xfrm>
-            <a:prstGeom prst="straightConnector1">
-              <a:avLst/>
-            </a:prstGeom>
-            <a:noFill/>
-            <a:ln cap="flat" cmpd="sng" w="19050">
-              <a:solidFill>
-                <a:schemeClr val="dk1"/>
-              </a:solidFill>
-              <a:prstDash val="solid"/>
-              <a:round/>
-              <a:headEnd len="sm" w="sm" type="none"/>
-              <a:tailEnd len="sm" w="sm" type="none"/>
-            </a:ln>
-          </p:spPr>
-        </p:cxnSp>
-      </p:grpSp>
-    </p:spTree>
-  </p:cSld>
-  <p:clrMapOvr>
-    <a:masterClrMapping/>
-  </p:clrMapOvr>
-</p:sld>
-</file>
-
-<file path=ppt/slides/slide5.xml><?xml version="1.0" encoding="utf-8"?>
-<p:sld xmlns:a="http://schemas.openxmlformats.org/drawingml/2006/main" xmlns:r="http://schemas.openxmlformats.org/officeDocument/2006/relationships" xmlns:mc="http://schemas.openxmlformats.org/markup-compatibility/2006" xmlns:mv="urn:schemas-microsoft-com:mac:vml" xmlns:p="http://schemas.openxmlformats.org/presentationml/2006/main" xmlns:c="http://schemas.openxmlformats.org/drawingml/2006/chart" xmlns:dgm="http://schemas.openxmlformats.org/drawingml/2006/diagram" xmlns:o="urn:schemas-microsoft-com:office:office" xmlns:v="urn:schemas-microsoft-com:vml" xmlns:pvml="urn:schemas-microsoft-com:office:powerpoint" xmlns:com="http://schemas.openxmlformats.org/drawingml/2006/compatibility" xmlns:p14="http://schemas.microsoft.com/office/powerpoint/2010/main" xmlns:p15="http://schemas.microsoft.com/office/powerpoint/2012/main" xmlns:ahyp="http://schemas.microsoft.com/office/drawing/2018/hyperlinkcolor">
-  <p:cSld>
-    <p:spTree>
-      <p:nvGrpSpPr>
-        <p:cNvPr id="87" name="Shape 87"/>
-        <p:cNvGrpSpPr/>
-        <p:nvPr/>
-      </p:nvGrpSpPr>
-      <p:grpSpPr>
-        <a:xfrm>
-          <a:off x="0" y="0"/>
-          <a:ext cx="0" cy="0"/>
-          <a:chOff x="0" y="0"/>
-          <a:chExt cx="0" cy="0"/>
-        </a:xfrm>
-      </p:grpSpPr>
-      <p:grpSp>
-        <p:nvGrpSpPr>
-          <p:cNvPr id="88" name="Google Shape;88;p17"/>
-          <p:cNvGrpSpPr/>
-          <p:nvPr/>
-        </p:nvGrpSpPr>
-        <p:grpSpPr>
-          <a:xfrm>
-            <a:off x="1975876" y="81225"/>
-            <a:ext cx="5192317" cy="4981082"/>
-            <a:chOff x="1975876" y="81225"/>
-            <a:chExt cx="5192317" cy="4981082"/>
-          </a:xfrm>
-        </p:grpSpPr>
-        <p:pic>
-          <p:nvPicPr>
-            <p:cNvPr id="89" name="Google Shape;89;p17"/>
-            <p:cNvPicPr preferRelativeResize="0"/>
-            <p:nvPr/>
-          </p:nvPicPr>
-          <p:blipFill rotWithShape="1">
-            <a:blip r:embed="rId3">
-              <a:alphaModFix/>
-            </a:blip>
-            <a:srcRect b="0" l="0" r="0" t="0"/>
-            <a:stretch/>
-          </p:blipFill>
-          <p:spPr>
-            <a:xfrm>
-              <a:off x="2015897" y="89954"/>
-              <a:ext cx="5134855" cy="1237355"/>
-            </a:xfrm>
-            <a:prstGeom prst="rect">
-              <a:avLst/>
-            </a:prstGeom>
-            <a:noFill/>
-            <a:ln>
-              <a:noFill/>
-            </a:ln>
-          </p:spPr>
-        </p:pic>
-        <p:pic>
-          <p:nvPicPr>
-            <p:cNvPr id="90" name="Google Shape;90;p17"/>
-            <p:cNvPicPr preferRelativeResize="0"/>
-            <p:nvPr/>
-          </p:nvPicPr>
-          <p:blipFill rotWithShape="1">
-            <a:blip r:embed="rId4">
-              <a:alphaModFix/>
-            </a:blip>
-            <a:srcRect b="0" l="0" r="0" t="0"/>
-            <a:stretch/>
-          </p:blipFill>
-          <p:spPr>
-            <a:xfrm>
-              <a:off x="2015920" y="1327309"/>
-              <a:ext cx="5134814" cy="1237355"/>
-            </a:xfrm>
-            <a:prstGeom prst="rect">
-              <a:avLst/>
-            </a:prstGeom>
-            <a:noFill/>
-            <a:ln>
-              <a:noFill/>
-            </a:ln>
-          </p:spPr>
-        </p:pic>
-        <p:pic>
-          <p:nvPicPr>
-            <p:cNvPr id="91" name="Google Shape;91;p17"/>
-            <p:cNvPicPr preferRelativeResize="0"/>
-            <p:nvPr/>
-          </p:nvPicPr>
-          <p:blipFill rotWithShape="1">
-            <a:blip r:embed="rId5">
-              <a:alphaModFix/>
-            </a:blip>
-            <a:srcRect b="0" l="0" r="0" t="0"/>
-            <a:stretch/>
-          </p:blipFill>
-          <p:spPr>
-            <a:xfrm>
-              <a:off x="2015897" y="2564664"/>
-              <a:ext cx="5134862" cy="1237355"/>
-            </a:xfrm>
-            <a:prstGeom prst="rect">
-              <a:avLst/>
-            </a:prstGeom>
-            <a:noFill/>
-            <a:ln>
-              <a:noFill/>
-            </a:ln>
-          </p:spPr>
-        </p:pic>
-        <p:pic>
-          <p:nvPicPr>
-            <p:cNvPr id="92" name="Google Shape;92;p17"/>
-            <p:cNvPicPr preferRelativeResize="0"/>
-            <p:nvPr/>
-          </p:nvPicPr>
-          <p:blipFill rotWithShape="1">
-            <a:blip r:embed="rId6">
-              <a:alphaModFix/>
-            </a:blip>
-            <a:srcRect b="0" l="0" r="0" t="0"/>
-            <a:stretch/>
-          </p:blipFill>
-          <p:spPr>
-            <a:xfrm>
-              <a:off x="2015923" y="3802019"/>
-              <a:ext cx="5134862" cy="1251366"/>
-            </a:xfrm>
-            <a:prstGeom prst="rect">
-              <a:avLst/>
-            </a:prstGeom>
-            <a:noFill/>
-            <a:ln>
-              <a:noFill/>
-            </a:ln>
-          </p:spPr>
-        </p:pic>
-        <p:cxnSp>
-          <p:nvCxnSpPr>
-            <p:cNvPr id="93" name="Google Shape;93;p17"/>
-            <p:cNvCxnSpPr/>
-            <p:nvPr/>
-          </p:nvCxnSpPr>
-          <p:spPr>
-            <a:xfrm>
-              <a:off x="1998567" y="1341752"/>
-              <a:ext cx="5169600" cy="0"/>
-            </a:xfrm>
-            <a:prstGeom prst="straightConnector1">
-              <a:avLst/>
-            </a:prstGeom>
-            <a:noFill/>
-            <a:ln cap="flat" cmpd="sng" w="19050">
-              <a:solidFill>
-                <a:schemeClr val="dk1"/>
-              </a:solidFill>
-              <a:prstDash val="solid"/>
-              <a:round/>
-              <a:headEnd len="sm" w="sm" type="none"/>
-              <a:tailEnd len="sm" w="sm" type="none"/>
-            </a:ln>
-          </p:spPr>
-        </p:cxnSp>
-        <p:cxnSp>
-          <p:nvCxnSpPr>
-            <p:cNvPr id="94" name="Google Shape;94;p17"/>
-            <p:cNvCxnSpPr/>
-            <p:nvPr/>
-          </p:nvCxnSpPr>
-          <p:spPr>
-            <a:xfrm>
-              <a:off x="1998593" y="2571666"/>
-              <a:ext cx="5169600" cy="0"/>
-            </a:xfrm>
-            <a:prstGeom prst="straightConnector1">
-              <a:avLst/>
-            </a:prstGeom>
-            <a:noFill/>
-            <a:ln cap="flat" cmpd="sng" w="19050">
-              <a:solidFill>
-                <a:schemeClr val="dk1"/>
-              </a:solidFill>
-              <a:prstDash val="solid"/>
-              <a:round/>
-              <a:headEnd len="sm" w="sm" type="none"/>
-              <a:tailEnd len="sm" w="sm" type="none"/>
-            </a:ln>
-          </p:spPr>
-        </p:cxnSp>
-        <p:cxnSp>
-          <p:nvCxnSpPr>
-            <p:cNvPr id="95" name="Google Shape;95;p17"/>
-            <p:cNvCxnSpPr/>
-            <p:nvPr/>
-          </p:nvCxnSpPr>
-          <p:spPr>
-            <a:xfrm>
-              <a:off x="1998567" y="81407"/>
-              <a:ext cx="5169600" cy="0"/>
-            </a:xfrm>
-            <a:prstGeom prst="straightConnector1">
-              <a:avLst/>
-            </a:prstGeom>
-            <a:noFill/>
-            <a:ln cap="flat" cmpd="sng" w="19050">
-              <a:solidFill>
-                <a:schemeClr val="dk1"/>
-              </a:solidFill>
-              <a:prstDash val="solid"/>
-              <a:round/>
-              <a:headEnd len="sm" w="sm" type="none"/>
-              <a:tailEnd len="sm" w="sm" type="none"/>
-            </a:ln>
-          </p:spPr>
-        </p:cxnSp>
-        <p:cxnSp>
-          <p:nvCxnSpPr>
-            <p:cNvPr id="96" name="Google Shape;96;p17"/>
-            <p:cNvCxnSpPr/>
-            <p:nvPr/>
-          </p:nvCxnSpPr>
-          <p:spPr>
-            <a:xfrm>
-              <a:off x="1998554" y="3802019"/>
-              <a:ext cx="5169600" cy="0"/>
-            </a:xfrm>
-            <a:prstGeom prst="straightConnector1">
-              <a:avLst/>
-            </a:prstGeom>
-            <a:noFill/>
-            <a:ln cap="flat" cmpd="sng" w="19050">
-              <a:solidFill>
-                <a:schemeClr val="dk1"/>
-              </a:solidFill>
-              <a:prstDash val="solid"/>
-              <a:round/>
-              <a:headEnd len="sm" w="sm" type="none"/>
-              <a:tailEnd len="sm" w="sm" type="none"/>
-            </a:ln>
-          </p:spPr>
-        </p:cxnSp>
-        <p:cxnSp>
-          <p:nvCxnSpPr>
-            <p:cNvPr id="97" name="Google Shape;97;p17"/>
-            <p:cNvCxnSpPr/>
-            <p:nvPr/>
-          </p:nvCxnSpPr>
-          <p:spPr>
-            <a:xfrm>
-              <a:off x="1998541" y="5053378"/>
-              <a:ext cx="5169600" cy="0"/>
-            </a:xfrm>
-            <a:prstGeom prst="straightConnector1">
-              <a:avLst/>
-            </a:prstGeom>
-            <a:noFill/>
-            <a:ln cap="flat" cmpd="sng" w="19050">
-              <a:solidFill>
-                <a:schemeClr val="dk1"/>
-              </a:solidFill>
-              <a:prstDash val="solid"/>
-              <a:round/>
-              <a:headEnd len="sm" w="sm" type="none"/>
-              <a:tailEnd len="sm" w="sm" type="none"/>
-            </a:ln>
-          </p:spPr>
-        </p:cxnSp>
-        <p:cxnSp>
-          <p:nvCxnSpPr>
-            <p:cNvPr id="98" name="Google Shape;98;p17"/>
-            <p:cNvCxnSpPr/>
-            <p:nvPr/>
-          </p:nvCxnSpPr>
-          <p:spPr>
-            <a:xfrm>
-              <a:off x="1975876" y="81407"/>
-              <a:ext cx="0" cy="4980900"/>
-            </a:xfrm>
-            <a:prstGeom prst="straightConnector1">
-              <a:avLst/>
-            </a:prstGeom>
-            <a:noFill/>
-            <a:ln cap="flat" cmpd="sng" w="19050">
-              <a:solidFill>
-                <a:schemeClr val="dk1"/>
-              </a:solidFill>
-              <a:prstDash val="solid"/>
-              <a:round/>
-              <a:headEnd len="sm" w="sm" type="none"/>
-              <a:tailEnd len="sm" w="sm" type="none"/>
-            </a:ln>
-          </p:spPr>
-        </p:cxnSp>
-        <p:cxnSp>
-          <p:nvCxnSpPr>
-            <p:cNvPr id="99" name="Google Shape;99;p17"/>
+            <p:cNvPr id="92" name="Google Shape;92;p16"/>
             <p:cNvCxnSpPr/>
             <p:nvPr/>
           </p:nvCxnSpPr>
@@ -13583,14 +12024,14 @@
       </p:grpSp>
       <p:sp>
         <p:nvSpPr>
-          <p:cNvPr id="100" name="Google Shape;100;p17"/>
+          <p:cNvPr id="93" name="Google Shape;93;p16"/>
           <p:cNvSpPr/>
           <p:nvPr/>
         </p:nvSpPr>
         <p:spPr>
           <a:xfrm>
-            <a:off x="2019175" y="129800"/>
-            <a:ext cx="1658700" cy="1168200"/>
+            <a:off x="420477" y="3519013"/>
+            <a:ext cx="1241100" cy="874200"/>
           </a:xfrm>
           <a:prstGeom prst="rect">
             <a:avLst/>
@@ -13646,14 +12087,14 @@
       </p:sp>
       <p:sp>
         <p:nvSpPr>
-          <p:cNvPr id="101" name="Google Shape;101;p17"/>
+          <p:cNvPr id="94" name="Google Shape;94;p16"/>
           <p:cNvSpPr/>
           <p:nvPr/>
         </p:nvSpPr>
         <p:spPr>
           <a:xfrm>
-            <a:off x="2019175" y="1371202"/>
-            <a:ext cx="1658700" cy="1168200"/>
+            <a:off x="420477" y="2598249"/>
+            <a:ext cx="1241100" cy="874200"/>
           </a:xfrm>
           <a:prstGeom prst="rect">
             <a:avLst/>
@@ -13709,14 +12150,14 @@
       </p:sp>
       <p:sp>
         <p:nvSpPr>
-          <p:cNvPr id="102" name="Google Shape;102;p17"/>
+          <p:cNvPr id="95" name="Google Shape;95;p16"/>
           <p:cNvSpPr/>
           <p:nvPr/>
         </p:nvSpPr>
         <p:spPr>
           <a:xfrm>
-            <a:off x="3756974" y="1371202"/>
-            <a:ext cx="1658700" cy="1168200"/>
+            <a:off x="3005725" y="1673386"/>
+            <a:ext cx="1241100" cy="874200"/>
           </a:xfrm>
           <a:prstGeom prst="rect">
             <a:avLst/>
@@ -13770,53 +12211,68 @@
           </a:p>
         </p:txBody>
       </p:sp>
-    </p:spTree>
-  </p:cSld>
-  <p:clrMapOvr>
-    <a:masterClrMapping/>
-  </p:clrMapOvr>
-</p:sld>
-</file>
-
-<file path=ppt/slides/slide6.xml><?xml version="1.0" encoding="utf-8"?>
-<p:sld xmlns:a="http://schemas.openxmlformats.org/drawingml/2006/main" xmlns:r="http://schemas.openxmlformats.org/officeDocument/2006/relationships" xmlns:mc="http://schemas.openxmlformats.org/markup-compatibility/2006" xmlns:mv="urn:schemas-microsoft-com:mac:vml" xmlns:p="http://schemas.openxmlformats.org/presentationml/2006/main" xmlns:c="http://schemas.openxmlformats.org/drawingml/2006/chart" xmlns:dgm="http://schemas.openxmlformats.org/drawingml/2006/diagram" xmlns:o="urn:schemas-microsoft-com:office:office" xmlns:v="urn:schemas-microsoft-com:vml" xmlns:pvml="urn:schemas-microsoft-com:office:powerpoint" xmlns:com="http://schemas.openxmlformats.org/drawingml/2006/compatibility" xmlns:p14="http://schemas.microsoft.com/office/powerpoint/2010/main" xmlns:p15="http://schemas.microsoft.com/office/powerpoint/2012/main" xmlns:ahyp="http://schemas.microsoft.com/office/drawing/2018/hyperlinkcolor">
-  <p:cSld>
-    <p:spTree>
-      <p:nvGrpSpPr>
-        <p:cNvPr id="106" name="Shape 106"/>
-        <p:cNvGrpSpPr/>
-        <p:nvPr/>
-      </p:nvGrpSpPr>
-      <p:grpSpPr>
-        <a:xfrm>
-          <a:off x="0" y="0"/>
-          <a:ext cx="0" cy="0"/>
-          <a:chOff x="0" y="0"/>
-          <a:chExt cx="0" cy="0"/>
-        </a:xfrm>
-      </p:grpSpPr>
+      <p:sp>
+        <p:nvSpPr>
+          <p:cNvPr id="96" name="Google Shape;96;p16"/>
+          <p:cNvSpPr txBox="1"/>
+          <p:nvPr>
+            <p:ph idx="12" type="sldNum"/>
+          </p:nvPr>
+        </p:nvSpPr>
+        <p:spPr>
+          <a:xfrm>
+            <a:off x="8472458" y="4663217"/>
+            <a:ext cx="548700" cy="393600"/>
+          </a:xfrm>
+          <a:prstGeom prst="rect">
+            <a:avLst/>
+          </a:prstGeom>
+        </p:spPr>
+        <p:txBody>
+          <a:bodyPr anchorCtr="0" anchor="ctr" bIns="91425" lIns="91425" spcFirstLastPara="1" rIns="91425" wrap="square" tIns="91425">
+            <a:normAutofit/>
+          </a:bodyPr>
+          <a:lstStyle/>
+          <a:p>
+            <a:pPr indent="0" lvl="0" marL="0" rtl="0" algn="r">
+              <a:spcBef>
+                <a:spcPts val="0"/>
+              </a:spcBef>
+              <a:spcAft>
+                <a:spcPts val="0"/>
+              </a:spcAft>
+              <a:buNone/>
+            </a:pPr>
+            <a:fld id="{00000000-1234-1234-1234-123412341234}" type="slidenum">
+              <a:rPr lang="en"/>
+              <a:t>‹#›</a:t>
+            </a:fld>
+            <a:endParaRPr/>
+          </a:p>
+        </p:txBody>
+      </p:sp>
       <p:grpSp>
         <p:nvGrpSpPr>
-          <p:cNvPr id="107" name="Google Shape;107;p18"/>
+          <p:cNvPr id="97" name="Google Shape;97;p16"/>
           <p:cNvGrpSpPr/>
           <p:nvPr/>
         </p:nvGrpSpPr>
         <p:grpSpPr>
           <a:xfrm>
-            <a:off x="1975876" y="81225"/>
-            <a:ext cx="5192317" cy="4981082"/>
+            <a:off x="4875206" y="710327"/>
+            <a:ext cx="3880738" cy="3722861"/>
             <a:chOff x="1975876" y="81225"/>
             <a:chExt cx="5192317" cy="4981082"/>
           </a:xfrm>
         </p:grpSpPr>
         <p:pic>
           <p:nvPicPr>
-            <p:cNvPr id="108" name="Google Shape;108;p18"/>
+            <p:cNvPr id="98" name="Google Shape;98;p16"/>
             <p:cNvPicPr preferRelativeResize="0"/>
             <p:nvPr/>
           </p:nvPicPr>
           <p:blipFill rotWithShape="1">
-            <a:blip r:embed="rId3">
+            <a:blip r:embed="rId7">
               <a:alphaModFix/>
             </a:blip>
             <a:srcRect b="0" l="0" r="0" t="0"/>
@@ -13838,12 +12294,12 @@
         </p:pic>
         <p:pic>
           <p:nvPicPr>
-            <p:cNvPr id="109" name="Google Shape;109;p18"/>
+            <p:cNvPr id="99" name="Google Shape;99;p16"/>
             <p:cNvPicPr preferRelativeResize="0"/>
             <p:nvPr/>
           </p:nvPicPr>
           <p:blipFill rotWithShape="1">
-            <a:blip r:embed="rId4">
+            <a:blip r:embed="rId8">
               <a:alphaModFix/>
             </a:blip>
             <a:srcRect b="0" l="0" r="0" t="0"/>
@@ -13865,12 +12321,12 @@
         </p:pic>
         <p:pic>
           <p:nvPicPr>
-            <p:cNvPr id="110" name="Google Shape;110;p18"/>
+            <p:cNvPr id="100" name="Google Shape;100;p16"/>
             <p:cNvPicPr preferRelativeResize="0"/>
             <p:nvPr/>
           </p:nvPicPr>
           <p:blipFill rotWithShape="1">
-            <a:blip r:embed="rId5">
+            <a:blip r:embed="rId9">
               <a:alphaModFix/>
             </a:blip>
             <a:srcRect b="0" l="0" r="0" t="0"/>
@@ -13892,12 +12348,12 @@
         </p:pic>
         <p:pic>
           <p:nvPicPr>
-            <p:cNvPr id="111" name="Google Shape;111;p18"/>
+            <p:cNvPr id="101" name="Google Shape;101;p16"/>
             <p:cNvPicPr preferRelativeResize="0"/>
             <p:nvPr/>
           </p:nvPicPr>
           <p:blipFill rotWithShape="1">
-            <a:blip r:embed="rId6">
+            <a:blip r:embed="rId10">
               <a:alphaModFix/>
             </a:blip>
             <a:srcRect b="0" l="0" r="0" t="0"/>
@@ -13919,7 +12375,7 @@
         </p:pic>
         <p:cxnSp>
           <p:nvCxnSpPr>
-            <p:cNvPr id="112" name="Google Shape;112;p18"/>
+            <p:cNvPr id="102" name="Google Shape;102;p16"/>
             <p:cNvCxnSpPr/>
             <p:nvPr/>
           </p:nvCxnSpPr>
@@ -13945,7 +12401,7 @@
         </p:cxnSp>
         <p:cxnSp>
           <p:nvCxnSpPr>
-            <p:cNvPr id="113" name="Google Shape;113;p18"/>
+            <p:cNvPr id="103" name="Google Shape;103;p16"/>
             <p:cNvCxnSpPr/>
             <p:nvPr/>
           </p:nvCxnSpPr>
@@ -13971,7 +12427,7 @@
         </p:cxnSp>
         <p:cxnSp>
           <p:nvCxnSpPr>
-            <p:cNvPr id="114" name="Google Shape;114;p18"/>
+            <p:cNvPr id="104" name="Google Shape;104;p16"/>
             <p:cNvCxnSpPr/>
             <p:nvPr/>
           </p:nvCxnSpPr>
@@ -13997,7 +12453,7 @@
         </p:cxnSp>
         <p:cxnSp>
           <p:nvCxnSpPr>
-            <p:cNvPr id="115" name="Google Shape;115;p18"/>
+            <p:cNvPr id="105" name="Google Shape;105;p16"/>
             <p:cNvCxnSpPr/>
             <p:nvPr/>
           </p:nvCxnSpPr>
@@ -14023,7 +12479,7 @@
         </p:cxnSp>
         <p:cxnSp>
           <p:nvCxnSpPr>
-            <p:cNvPr id="116" name="Google Shape;116;p18"/>
+            <p:cNvPr id="106" name="Google Shape;106;p16"/>
             <p:cNvCxnSpPr/>
             <p:nvPr/>
           </p:nvCxnSpPr>
@@ -14049,7 +12505,7 @@
         </p:cxnSp>
         <p:cxnSp>
           <p:nvCxnSpPr>
-            <p:cNvPr id="117" name="Google Shape;117;p18"/>
+            <p:cNvPr id="107" name="Google Shape;107;p16"/>
             <p:cNvCxnSpPr/>
             <p:nvPr/>
           </p:nvCxnSpPr>
@@ -14075,7 +12531,7 @@
         </p:cxnSp>
         <p:cxnSp>
           <p:nvCxnSpPr>
-            <p:cNvPr id="118" name="Google Shape;118;p18"/>
+            <p:cNvPr id="108" name="Google Shape;108;p16"/>
             <p:cNvCxnSpPr/>
             <p:nvPr/>
           </p:nvCxnSpPr>
@@ -14102,533 +12558,14 @@
       </p:grpSp>
       <p:sp>
         <p:nvSpPr>
-          <p:cNvPr id="119" name="Google Shape;119;p18"/>
+          <p:cNvPr id="109" name="Google Shape;109;p16"/>
           <p:cNvSpPr/>
           <p:nvPr/>
         </p:nvSpPr>
         <p:spPr>
           <a:xfrm>
-            <a:off x="2019175" y="3837575"/>
-            <a:ext cx="1658700" cy="1168200"/>
-          </a:xfrm>
-          <a:prstGeom prst="rect">
-            <a:avLst/>
-          </a:prstGeom>
-          <a:noFill/>
-          <a:ln cap="flat" cmpd="sng" w="38100">
-            <a:solidFill>
-              <a:srgbClr val="00FF00"/>
-            </a:solidFill>
-            <a:prstDash val="solid"/>
-            <a:round/>
-            <a:headEnd len="sm" w="sm" type="none"/>
-            <a:tailEnd len="sm" w="sm" type="none"/>
-          </a:ln>
-        </p:spPr>
-        <p:txBody>
-          <a:bodyPr anchorCtr="0" anchor="ctr" bIns="91425" lIns="91425" spcFirstLastPara="1" rIns="91425" wrap="square" tIns="91425">
-            <a:noAutofit/>
-          </a:bodyPr>
-          <a:lstStyle/>
-          <a:p>
-            <a:pPr indent="0" lvl="0" marL="0" marR="0" rtl="0" algn="l">
-              <a:lnSpc>
-                <a:spcPct val="100000"/>
-              </a:lnSpc>
-              <a:spcBef>
-                <a:spcPts val="0"/>
-              </a:spcBef>
-              <a:spcAft>
-                <a:spcPts val="0"/>
-              </a:spcAft>
-              <a:buClr>
-                <a:srgbClr val="000000"/>
-              </a:buClr>
-              <a:buSzPts val="1400"/>
-              <a:buFont typeface="Arial"/>
-              <a:buNone/>
-            </a:pPr>
-            <a:r>
-              <a:t/>
-            </a:r>
-            <a:endParaRPr b="0" i="0" sz="1400" u="none" cap="none" strike="noStrike">
-              <a:solidFill>
-                <a:srgbClr val="000000"/>
-              </a:solidFill>
-              <a:latin typeface="Arial"/>
-              <a:ea typeface="Arial"/>
-              <a:cs typeface="Arial"/>
-              <a:sym typeface="Arial"/>
-            </a:endParaRPr>
-          </a:p>
-        </p:txBody>
-      </p:sp>
-      <p:sp>
-        <p:nvSpPr>
-          <p:cNvPr id="120" name="Google Shape;120;p18"/>
-          <p:cNvSpPr/>
-          <p:nvPr/>
-        </p:nvSpPr>
-        <p:spPr>
-          <a:xfrm>
-            <a:off x="2019175" y="2607127"/>
-            <a:ext cx="1658700" cy="1168200"/>
-          </a:xfrm>
-          <a:prstGeom prst="rect">
-            <a:avLst/>
-          </a:prstGeom>
-          <a:noFill/>
-          <a:ln cap="flat" cmpd="sng" w="38100">
-            <a:solidFill>
-              <a:srgbClr val="00FF00"/>
-            </a:solidFill>
-            <a:prstDash val="solid"/>
-            <a:round/>
-            <a:headEnd len="sm" w="sm" type="none"/>
-            <a:tailEnd len="sm" w="sm" type="none"/>
-          </a:ln>
-        </p:spPr>
-        <p:txBody>
-          <a:bodyPr anchorCtr="0" anchor="ctr" bIns="91425" lIns="91425" spcFirstLastPara="1" rIns="91425" wrap="square" tIns="91425">
-            <a:noAutofit/>
-          </a:bodyPr>
-          <a:lstStyle/>
-          <a:p>
-            <a:pPr indent="0" lvl="0" marL="0" marR="0" rtl="0" algn="l">
-              <a:lnSpc>
-                <a:spcPct val="100000"/>
-              </a:lnSpc>
-              <a:spcBef>
-                <a:spcPts val="0"/>
-              </a:spcBef>
-              <a:spcAft>
-                <a:spcPts val="0"/>
-              </a:spcAft>
-              <a:buClr>
-                <a:srgbClr val="000000"/>
-              </a:buClr>
-              <a:buSzPts val="1400"/>
-              <a:buFont typeface="Arial"/>
-              <a:buNone/>
-            </a:pPr>
-            <a:r>
-              <a:t/>
-            </a:r>
-            <a:endParaRPr b="0" i="0" sz="1400" u="none" cap="none" strike="noStrike">
-              <a:solidFill>
-                <a:srgbClr val="000000"/>
-              </a:solidFill>
-              <a:latin typeface="Arial"/>
-              <a:ea typeface="Arial"/>
-              <a:cs typeface="Arial"/>
-              <a:sym typeface="Arial"/>
-            </a:endParaRPr>
-          </a:p>
-        </p:txBody>
-      </p:sp>
-      <p:sp>
-        <p:nvSpPr>
-          <p:cNvPr id="121" name="Google Shape;121;p18"/>
-          <p:cNvSpPr/>
-          <p:nvPr/>
-        </p:nvSpPr>
-        <p:spPr>
-          <a:xfrm>
-            <a:off x="5473924" y="1371202"/>
-            <a:ext cx="1658700" cy="1168200"/>
-          </a:xfrm>
-          <a:prstGeom prst="rect">
-            <a:avLst/>
-          </a:prstGeom>
-          <a:noFill/>
-          <a:ln cap="flat" cmpd="sng" w="38100">
-            <a:solidFill>
-              <a:srgbClr val="00FF00"/>
-            </a:solidFill>
-            <a:prstDash val="solid"/>
-            <a:round/>
-            <a:headEnd len="sm" w="sm" type="none"/>
-            <a:tailEnd len="sm" w="sm" type="none"/>
-          </a:ln>
-        </p:spPr>
-        <p:txBody>
-          <a:bodyPr anchorCtr="0" anchor="ctr" bIns="91425" lIns="91425" spcFirstLastPara="1" rIns="91425" wrap="square" tIns="91425">
-            <a:noAutofit/>
-          </a:bodyPr>
-          <a:lstStyle/>
-          <a:p>
-            <a:pPr indent="0" lvl="0" marL="0" marR="0" rtl="0" algn="l">
-              <a:lnSpc>
-                <a:spcPct val="100000"/>
-              </a:lnSpc>
-              <a:spcBef>
-                <a:spcPts val="0"/>
-              </a:spcBef>
-              <a:spcAft>
-                <a:spcPts val="0"/>
-              </a:spcAft>
-              <a:buClr>
-                <a:srgbClr val="000000"/>
-              </a:buClr>
-              <a:buSzPts val="1400"/>
-              <a:buFont typeface="Arial"/>
-              <a:buNone/>
-            </a:pPr>
-            <a:r>
-              <a:t/>
-            </a:r>
-            <a:endParaRPr b="0" i="0" sz="1400" u="none" cap="none" strike="noStrike">
-              <a:solidFill>
-                <a:srgbClr val="000000"/>
-              </a:solidFill>
-              <a:latin typeface="Arial"/>
-              <a:ea typeface="Arial"/>
-              <a:cs typeface="Arial"/>
-              <a:sym typeface="Arial"/>
-            </a:endParaRPr>
-          </a:p>
-        </p:txBody>
-      </p:sp>
-    </p:spTree>
-  </p:cSld>
-  <p:clrMapOvr>
-    <a:masterClrMapping/>
-  </p:clrMapOvr>
-</p:sld>
-</file>
-
-<file path=ppt/slides/slide7.xml><?xml version="1.0" encoding="utf-8"?>
-<p:sld xmlns:a="http://schemas.openxmlformats.org/drawingml/2006/main" xmlns:r="http://schemas.openxmlformats.org/officeDocument/2006/relationships" xmlns:mc="http://schemas.openxmlformats.org/markup-compatibility/2006" xmlns:mv="urn:schemas-microsoft-com:mac:vml" xmlns:p="http://schemas.openxmlformats.org/presentationml/2006/main" xmlns:c="http://schemas.openxmlformats.org/drawingml/2006/chart" xmlns:dgm="http://schemas.openxmlformats.org/drawingml/2006/diagram" xmlns:o="urn:schemas-microsoft-com:office:office" xmlns:v="urn:schemas-microsoft-com:vml" xmlns:pvml="urn:schemas-microsoft-com:office:powerpoint" xmlns:com="http://schemas.openxmlformats.org/drawingml/2006/compatibility" xmlns:p14="http://schemas.microsoft.com/office/powerpoint/2010/main" xmlns:p15="http://schemas.microsoft.com/office/powerpoint/2012/main" xmlns:ahyp="http://schemas.microsoft.com/office/drawing/2018/hyperlinkcolor">
-  <p:cSld>
-    <p:spTree>
-      <p:nvGrpSpPr>
-        <p:cNvPr id="125" name="Shape 125"/>
-        <p:cNvGrpSpPr/>
-        <p:nvPr/>
-      </p:nvGrpSpPr>
-      <p:grpSpPr>
-        <a:xfrm>
-          <a:off x="0" y="0"/>
-          <a:ext cx="0" cy="0"/>
-          <a:chOff x="0" y="0"/>
-          <a:chExt cx="0" cy="0"/>
-        </a:xfrm>
-      </p:grpSpPr>
-      <p:grpSp>
-        <p:nvGrpSpPr>
-          <p:cNvPr id="126" name="Google Shape;126;p19"/>
-          <p:cNvGrpSpPr/>
-          <p:nvPr/>
-        </p:nvGrpSpPr>
-        <p:grpSpPr>
-          <a:xfrm>
-            <a:off x="1975876" y="81225"/>
-            <a:ext cx="5192317" cy="4981082"/>
-            <a:chOff x="1975876" y="81225"/>
-            <a:chExt cx="5192317" cy="4981082"/>
-          </a:xfrm>
-        </p:grpSpPr>
-        <p:pic>
-          <p:nvPicPr>
-            <p:cNvPr id="127" name="Google Shape;127;p19"/>
-            <p:cNvPicPr preferRelativeResize="0"/>
-            <p:nvPr/>
-          </p:nvPicPr>
-          <p:blipFill rotWithShape="1">
-            <a:blip r:embed="rId3">
-              <a:alphaModFix/>
-            </a:blip>
-            <a:srcRect b="0" l="0" r="0" t="0"/>
-            <a:stretch/>
-          </p:blipFill>
-          <p:spPr>
-            <a:xfrm>
-              <a:off x="2015897" y="89954"/>
-              <a:ext cx="5134855" cy="1237355"/>
-            </a:xfrm>
-            <a:prstGeom prst="rect">
-              <a:avLst/>
-            </a:prstGeom>
-            <a:noFill/>
-            <a:ln>
-              <a:noFill/>
-            </a:ln>
-          </p:spPr>
-        </p:pic>
-        <p:pic>
-          <p:nvPicPr>
-            <p:cNvPr id="128" name="Google Shape;128;p19"/>
-            <p:cNvPicPr preferRelativeResize="0"/>
-            <p:nvPr/>
-          </p:nvPicPr>
-          <p:blipFill rotWithShape="1">
-            <a:blip r:embed="rId4">
-              <a:alphaModFix/>
-            </a:blip>
-            <a:srcRect b="0" l="0" r="0" t="0"/>
-            <a:stretch/>
-          </p:blipFill>
-          <p:spPr>
-            <a:xfrm>
-              <a:off x="2015920" y="1327309"/>
-              <a:ext cx="5134814" cy="1237355"/>
-            </a:xfrm>
-            <a:prstGeom prst="rect">
-              <a:avLst/>
-            </a:prstGeom>
-            <a:noFill/>
-            <a:ln>
-              <a:noFill/>
-            </a:ln>
-          </p:spPr>
-        </p:pic>
-        <p:pic>
-          <p:nvPicPr>
-            <p:cNvPr id="129" name="Google Shape;129;p19"/>
-            <p:cNvPicPr preferRelativeResize="0"/>
-            <p:nvPr/>
-          </p:nvPicPr>
-          <p:blipFill rotWithShape="1">
-            <a:blip r:embed="rId5">
-              <a:alphaModFix/>
-            </a:blip>
-            <a:srcRect b="0" l="0" r="0" t="0"/>
-            <a:stretch/>
-          </p:blipFill>
-          <p:spPr>
-            <a:xfrm>
-              <a:off x="2015897" y="2564664"/>
-              <a:ext cx="5134862" cy="1237355"/>
-            </a:xfrm>
-            <a:prstGeom prst="rect">
-              <a:avLst/>
-            </a:prstGeom>
-            <a:noFill/>
-            <a:ln>
-              <a:noFill/>
-            </a:ln>
-          </p:spPr>
-        </p:pic>
-        <p:pic>
-          <p:nvPicPr>
-            <p:cNvPr id="130" name="Google Shape;130;p19"/>
-            <p:cNvPicPr preferRelativeResize="0"/>
-            <p:nvPr/>
-          </p:nvPicPr>
-          <p:blipFill rotWithShape="1">
-            <a:blip r:embed="rId6">
-              <a:alphaModFix/>
-            </a:blip>
-            <a:srcRect b="0" l="0" r="0" t="0"/>
-            <a:stretch/>
-          </p:blipFill>
-          <p:spPr>
-            <a:xfrm>
-              <a:off x="2015923" y="3802019"/>
-              <a:ext cx="5134862" cy="1251366"/>
-            </a:xfrm>
-            <a:prstGeom prst="rect">
-              <a:avLst/>
-            </a:prstGeom>
-            <a:noFill/>
-            <a:ln>
-              <a:noFill/>
-            </a:ln>
-          </p:spPr>
-        </p:pic>
-        <p:cxnSp>
-          <p:nvCxnSpPr>
-            <p:cNvPr id="131" name="Google Shape;131;p19"/>
-            <p:cNvCxnSpPr/>
-            <p:nvPr/>
-          </p:nvCxnSpPr>
-          <p:spPr>
-            <a:xfrm>
-              <a:off x="1998567" y="1341752"/>
-              <a:ext cx="5169600" cy="0"/>
-            </a:xfrm>
-            <a:prstGeom prst="straightConnector1">
-              <a:avLst/>
-            </a:prstGeom>
-            <a:noFill/>
-            <a:ln cap="flat" cmpd="sng" w="19050">
-              <a:solidFill>
-                <a:schemeClr val="dk1"/>
-              </a:solidFill>
-              <a:prstDash val="solid"/>
-              <a:round/>
-              <a:headEnd len="sm" w="sm" type="none"/>
-              <a:tailEnd len="sm" w="sm" type="none"/>
-            </a:ln>
-          </p:spPr>
-        </p:cxnSp>
-        <p:cxnSp>
-          <p:nvCxnSpPr>
-            <p:cNvPr id="132" name="Google Shape;132;p19"/>
-            <p:cNvCxnSpPr/>
-            <p:nvPr/>
-          </p:nvCxnSpPr>
-          <p:spPr>
-            <a:xfrm>
-              <a:off x="1998593" y="2571666"/>
-              <a:ext cx="5169600" cy="0"/>
-            </a:xfrm>
-            <a:prstGeom prst="straightConnector1">
-              <a:avLst/>
-            </a:prstGeom>
-            <a:noFill/>
-            <a:ln cap="flat" cmpd="sng" w="19050">
-              <a:solidFill>
-                <a:schemeClr val="dk1"/>
-              </a:solidFill>
-              <a:prstDash val="solid"/>
-              <a:round/>
-              <a:headEnd len="sm" w="sm" type="none"/>
-              <a:tailEnd len="sm" w="sm" type="none"/>
-            </a:ln>
-          </p:spPr>
-        </p:cxnSp>
-        <p:cxnSp>
-          <p:nvCxnSpPr>
-            <p:cNvPr id="133" name="Google Shape;133;p19"/>
-            <p:cNvCxnSpPr/>
-            <p:nvPr/>
-          </p:nvCxnSpPr>
-          <p:spPr>
-            <a:xfrm>
-              <a:off x="1998567" y="81407"/>
-              <a:ext cx="5169600" cy="0"/>
-            </a:xfrm>
-            <a:prstGeom prst="straightConnector1">
-              <a:avLst/>
-            </a:prstGeom>
-            <a:noFill/>
-            <a:ln cap="flat" cmpd="sng" w="19050">
-              <a:solidFill>
-                <a:schemeClr val="dk1"/>
-              </a:solidFill>
-              <a:prstDash val="solid"/>
-              <a:round/>
-              <a:headEnd len="sm" w="sm" type="none"/>
-              <a:tailEnd len="sm" w="sm" type="none"/>
-            </a:ln>
-          </p:spPr>
-        </p:cxnSp>
-        <p:cxnSp>
-          <p:nvCxnSpPr>
-            <p:cNvPr id="134" name="Google Shape;134;p19"/>
-            <p:cNvCxnSpPr/>
-            <p:nvPr/>
-          </p:nvCxnSpPr>
-          <p:spPr>
-            <a:xfrm>
-              <a:off x="1998554" y="3802019"/>
-              <a:ext cx="5169600" cy="0"/>
-            </a:xfrm>
-            <a:prstGeom prst="straightConnector1">
-              <a:avLst/>
-            </a:prstGeom>
-            <a:noFill/>
-            <a:ln cap="flat" cmpd="sng" w="19050">
-              <a:solidFill>
-                <a:schemeClr val="dk1"/>
-              </a:solidFill>
-              <a:prstDash val="solid"/>
-              <a:round/>
-              <a:headEnd len="sm" w="sm" type="none"/>
-              <a:tailEnd len="sm" w="sm" type="none"/>
-            </a:ln>
-          </p:spPr>
-        </p:cxnSp>
-        <p:cxnSp>
-          <p:nvCxnSpPr>
-            <p:cNvPr id="135" name="Google Shape;135;p19"/>
-            <p:cNvCxnSpPr/>
-            <p:nvPr/>
-          </p:nvCxnSpPr>
-          <p:spPr>
-            <a:xfrm>
-              <a:off x="1998541" y="5053378"/>
-              <a:ext cx="5169600" cy="0"/>
-            </a:xfrm>
-            <a:prstGeom prst="straightConnector1">
-              <a:avLst/>
-            </a:prstGeom>
-            <a:noFill/>
-            <a:ln cap="flat" cmpd="sng" w="19050">
-              <a:solidFill>
-                <a:schemeClr val="dk1"/>
-              </a:solidFill>
-              <a:prstDash val="solid"/>
-              <a:round/>
-              <a:headEnd len="sm" w="sm" type="none"/>
-              <a:tailEnd len="sm" w="sm" type="none"/>
-            </a:ln>
-          </p:spPr>
-        </p:cxnSp>
-        <p:cxnSp>
-          <p:nvCxnSpPr>
-            <p:cNvPr id="136" name="Google Shape;136;p19"/>
-            <p:cNvCxnSpPr/>
-            <p:nvPr/>
-          </p:nvCxnSpPr>
-          <p:spPr>
-            <a:xfrm>
-              <a:off x="1975876" y="81407"/>
-              <a:ext cx="0" cy="4980900"/>
-            </a:xfrm>
-            <a:prstGeom prst="straightConnector1">
-              <a:avLst/>
-            </a:prstGeom>
-            <a:noFill/>
-            <a:ln cap="flat" cmpd="sng" w="19050">
-              <a:solidFill>
-                <a:schemeClr val="dk1"/>
-              </a:solidFill>
-              <a:prstDash val="solid"/>
-              <a:round/>
-              <a:headEnd len="sm" w="sm" type="none"/>
-              <a:tailEnd len="sm" w="sm" type="none"/>
-            </a:ln>
-          </p:spPr>
-        </p:cxnSp>
-        <p:cxnSp>
-          <p:nvCxnSpPr>
-            <p:cNvPr id="137" name="Google Shape;137;p19"/>
-            <p:cNvCxnSpPr/>
-            <p:nvPr/>
-          </p:nvCxnSpPr>
-          <p:spPr>
-            <a:xfrm>
-              <a:off x="7165890" y="81225"/>
-              <a:ext cx="0" cy="4980900"/>
-            </a:xfrm>
-            <a:prstGeom prst="straightConnector1">
-              <a:avLst/>
-            </a:prstGeom>
-            <a:noFill/>
-            <a:ln cap="flat" cmpd="sng" w="19050">
-              <a:solidFill>
-                <a:schemeClr val="dk1"/>
-              </a:solidFill>
-              <a:prstDash val="solid"/>
-              <a:round/>
-              <a:headEnd len="sm" w="sm" type="none"/>
-              <a:tailEnd len="sm" w="sm" type="none"/>
-            </a:ln>
-          </p:spPr>
-        </p:cxnSp>
-      </p:grpSp>
-      <p:sp>
-        <p:nvSpPr>
-          <p:cNvPr id="138" name="Google Shape;138;p19"/>
-          <p:cNvSpPr/>
-          <p:nvPr/>
-        </p:nvSpPr>
-        <p:spPr>
-          <a:xfrm>
-            <a:off x="5476675" y="3837002"/>
-            <a:ext cx="1658700" cy="1168200"/>
+            <a:off x="7491584" y="3517309"/>
+            <a:ext cx="1239600" cy="873000"/>
           </a:xfrm>
           <a:prstGeom prst="rect">
             <a:avLst/>
@@ -14684,14 +12621,14 @@
       </p:sp>
       <p:sp>
         <p:nvSpPr>
-          <p:cNvPr id="139" name="Google Shape;139;p19"/>
+          <p:cNvPr id="110" name="Google Shape;110;p16"/>
           <p:cNvSpPr/>
           <p:nvPr/>
         </p:nvSpPr>
         <p:spPr>
           <a:xfrm>
-            <a:off x="5476675" y="2604102"/>
-            <a:ext cx="1658700" cy="1168200"/>
+            <a:off x="7491584" y="2595867"/>
+            <a:ext cx="1239600" cy="873000"/>
           </a:xfrm>
           <a:prstGeom prst="rect">
             <a:avLst/>
@@ -14747,14 +12684,14 @@
       </p:sp>
       <p:sp>
         <p:nvSpPr>
-          <p:cNvPr id="140" name="Google Shape;140;p19"/>
+          <p:cNvPr id="111" name="Google Shape;111;p16"/>
           <p:cNvSpPr/>
           <p:nvPr/>
         </p:nvSpPr>
         <p:spPr>
           <a:xfrm>
-            <a:off x="5476675" y="1371202"/>
-            <a:ext cx="1658700" cy="1168200"/>
+            <a:off x="7491584" y="1674425"/>
+            <a:ext cx="1239600" cy="873000"/>
           </a:xfrm>
           <a:prstGeom prst="rect">
             <a:avLst/>
@@ -14816,12 +12753,12 @@
 </p:sld>
 </file>
 
-<file path=ppt/slides/slide8.xml><?xml version="1.0" encoding="utf-8"?>
+<file path=ppt/slides/slide5.xml><?xml version="1.0" encoding="utf-8"?>
 <p:sld xmlns:a="http://schemas.openxmlformats.org/drawingml/2006/main" xmlns:r="http://schemas.openxmlformats.org/officeDocument/2006/relationships" xmlns:mc="http://schemas.openxmlformats.org/markup-compatibility/2006" xmlns:mv="urn:schemas-microsoft-com:mac:vml" xmlns:p="http://schemas.openxmlformats.org/presentationml/2006/main" xmlns:c="http://schemas.openxmlformats.org/drawingml/2006/chart" xmlns:dgm="http://schemas.openxmlformats.org/drawingml/2006/diagram" xmlns:o="urn:schemas-microsoft-com:office:office" xmlns:v="urn:schemas-microsoft-com:vml" xmlns:pvml="urn:schemas-microsoft-com:office:powerpoint" xmlns:com="http://schemas.openxmlformats.org/drawingml/2006/compatibility" xmlns:p14="http://schemas.microsoft.com/office/powerpoint/2010/main" xmlns:p15="http://schemas.microsoft.com/office/powerpoint/2012/main" xmlns:ahyp="http://schemas.microsoft.com/office/drawing/2018/hyperlinkcolor">
   <p:cSld>
     <p:spTree>
       <p:nvGrpSpPr>
-        <p:cNvPr id="144" name="Shape 144"/>
+        <p:cNvPr id="115" name="Shape 115"/>
         <p:cNvGrpSpPr/>
         <p:nvPr/>
       </p:nvGrpSpPr>
@@ -14835,7 +12772,7 @@
       </p:grpSpPr>
       <p:sp>
         <p:nvSpPr>
-          <p:cNvPr id="145" name="Google Shape;145;p20"/>
+          <p:cNvPr id="116" name="Google Shape;116;p17"/>
           <p:cNvSpPr txBox="1"/>
           <p:nvPr>
             <p:ph type="title"/>
@@ -14875,7 +12812,7 @@
       </p:sp>
       <p:sp>
         <p:nvSpPr>
-          <p:cNvPr id="146" name="Google Shape;146;p20"/>
+          <p:cNvPr id="117" name="Google Shape;117;p17"/>
           <p:cNvSpPr txBox="1"/>
           <p:nvPr>
             <p:ph idx="1" type="body"/>
@@ -14884,7 +12821,7 @@
         <p:spPr>
           <a:xfrm>
             <a:off x="311700" y="1152475"/>
-            <a:ext cx="8520600" cy="3416400"/>
+            <a:ext cx="4691100" cy="3416400"/>
           </a:xfrm>
           <a:prstGeom prst="rect">
             <a:avLst/>
@@ -14908,7 +12845,7 @@
             </a:pPr>
             <a:r>
               <a:rPr lang="en"/>
-              <a:t>Generate a board of 12 cards face-up, such that all users in a guild can see</a:t>
+              <a:t>Generate board visible to all</a:t>
             </a:r>
             <a:endParaRPr/>
           </a:p>
@@ -14925,7 +12862,7 @@
             </a:pPr>
             <a:r>
               <a:rPr lang="en"/>
-              <a:t>Recognize a correct 3-card set using arithmetic</a:t>
+              <a:t>Recognize sets using arithmetic</a:t>
             </a:r>
             <a:endParaRPr/>
           </a:p>
@@ -14942,7 +12879,7 @@
             </a:pPr>
             <a:r>
               <a:rPr lang="en"/>
-              <a:t>Systematically check a board for sets, and add 3 cards if no set is found</a:t>
+              <a:t>Check boards for sets, add 3 if no set</a:t>
             </a:r>
             <a:endParaRPr/>
           </a:p>
@@ -14959,7 +12896,7 @@
             </a:pPr>
             <a:r>
               <a:rPr lang="en"/>
-              <a:t>Take user inputs using Discord emoji reactions</a:t>
+              <a:t>User inputs using Discord emojis</a:t>
             </a:r>
             <a:endParaRPr/>
           </a:p>
@@ -14976,7 +12913,7 @@
             </a:pPr>
             <a:r>
               <a:rPr lang="en"/>
-              <a:t>Regenerate the board after a set is found, such that the board always has at least 12 cards</a:t>
+              <a:t>Regenerate the board after set is found</a:t>
             </a:r>
             <a:endParaRPr/>
           </a:p>
@@ -14993,7 +12930,7 @@
             </a:pPr>
             <a:r>
               <a:rPr lang="en"/>
-              <a:t>Show user scores in an ordered leaderboard when the game ends</a:t>
+              <a:t>Show user scores in a leaderboard</a:t>
             </a:r>
             <a:endParaRPr/>
           </a:p>
@@ -15010,20 +12947,80 @@
             </a:pPr>
             <a:r>
               <a:rPr lang="en"/>
-              <a:t>Track relevant statistics in each guild so users can review their performance alongside other users in </a:t>
-            </a:r>
-            <a:r>
-              <a:rPr lang="en"/>
-              <a:t>their</a:t>
-            </a:r>
-            <a:r>
-              <a:rPr lang="en"/>
-              <a:t> guild</a:t>
+              <a:t>Track relevant statistics in each guild</a:t>
             </a:r>
             <a:endParaRPr/>
           </a:p>
         </p:txBody>
       </p:sp>
+      <p:sp>
+        <p:nvSpPr>
+          <p:cNvPr id="118" name="Google Shape;118;p17"/>
+          <p:cNvSpPr txBox="1"/>
+          <p:nvPr>
+            <p:ph idx="12" type="sldNum"/>
+          </p:nvPr>
+        </p:nvSpPr>
+        <p:spPr>
+          <a:xfrm>
+            <a:off x="8472458" y="4663217"/>
+            <a:ext cx="548700" cy="393600"/>
+          </a:xfrm>
+          <a:prstGeom prst="rect">
+            <a:avLst/>
+          </a:prstGeom>
+        </p:spPr>
+        <p:txBody>
+          <a:bodyPr anchorCtr="0" anchor="ctr" bIns="91425" lIns="91425" spcFirstLastPara="1" rIns="91425" wrap="square" tIns="91425">
+            <a:normAutofit/>
+          </a:bodyPr>
+          <a:lstStyle/>
+          <a:p>
+            <a:pPr indent="0" lvl="0" marL="0" rtl="0" algn="r">
+              <a:spcBef>
+                <a:spcPts val="0"/>
+              </a:spcBef>
+              <a:spcAft>
+                <a:spcPts val="0"/>
+              </a:spcAft>
+              <a:buNone/>
+            </a:pPr>
+            <a:fld id="{00000000-1234-1234-1234-123412341234}" type="slidenum">
+              <a:rPr lang="en"/>
+              <a:t>‹#›</a:t>
+            </a:fld>
+            <a:endParaRPr/>
+          </a:p>
+        </p:txBody>
+      </p:sp>
+      <p:pic>
+        <p:nvPicPr>
+          <p:cNvPr id="119" name="Google Shape;119;p17"/>
+          <p:cNvPicPr preferRelativeResize="0"/>
+          <p:nvPr/>
+        </p:nvPicPr>
+        <p:blipFill>
+          <a:blip r:embed="rId3">
+            <a:alphaModFix/>
+          </a:blip>
+          <a:stretch>
+            <a:fillRect/>
+          </a:stretch>
+        </p:blipFill>
+        <p:spPr>
+          <a:xfrm>
+            <a:off x="5036775" y="160450"/>
+            <a:ext cx="3588300" cy="4822612"/>
+          </a:xfrm>
+          <a:prstGeom prst="rect">
+            <a:avLst/>
+          </a:prstGeom>
+          <a:noFill/>
+          <a:ln>
+            <a:noFill/>
+          </a:ln>
+        </p:spPr>
+      </p:pic>
     </p:spTree>
   </p:cSld>
   <p:clrMapOvr>
@@ -15063,7 +13060,7 @@
                                           </p:stCondLst>
                                         </p:cTn>
                                         <p:tgtEl>
-                                          <p:spTgt spid="146">
+                                          <p:spTgt spid="117">
                                             <p:txEl>
                                               <p:pRg end="0" st="0"/>
                                             </p:txEl>
@@ -15112,7 +13109,7 @@
                                           </p:stCondLst>
                                         </p:cTn>
                                         <p:tgtEl>
-                                          <p:spTgt spid="146">
+                                          <p:spTgt spid="117">
                                             <p:txEl>
                                               <p:pRg end="1" st="1"/>
                                             </p:txEl>
@@ -15161,7 +13158,7 @@
                                           </p:stCondLst>
                                         </p:cTn>
                                         <p:tgtEl>
-                                          <p:spTgt spid="146">
+                                          <p:spTgt spid="117">
                                             <p:txEl>
                                               <p:pRg end="2" st="2"/>
                                             </p:txEl>
@@ -15210,7 +13207,7 @@
                                           </p:stCondLst>
                                         </p:cTn>
                                         <p:tgtEl>
-                                          <p:spTgt spid="146">
+                                          <p:spTgt spid="117">
                                             <p:txEl>
                                               <p:pRg end="3" st="3"/>
                                             </p:txEl>
@@ -15259,7 +13256,7 @@
                                           </p:stCondLst>
                                         </p:cTn>
                                         <p:tgtEl>
-                                          <p:spTgt spid="146">
+                                          <p:spTgt spid="117">
                                             <p:txEl>
                                               <p:pRg end="4" st="4"/>
                                             </p:txEl>
@@ -15308,7 +13305,7 @@
                                           </p:stCondLst>
                                         </p:cTn>
                                         <p:tgtEl>
-                                          <p:spTgt spid="146">
+                                          <p:spTgt spid="117">
                                             <p:txEl>
                                               <p:pRg end="5" st="5"/>
                                             </p:txEl>
@@ -15357,7 +13354,7 @@
                                           </p:stCondLst>
                                         </p:cTn>
                                         <p:tgtEl>
-                                          <p:spTgt spid="146">
+                                          <p:spTgt spid="117">
                                             <p:txEl>
                                               <p:pRg end="6" st="6"/>
                                             </p:txEl>
@@ -15405,12 +13402,12 @@
 </p:sld>
 </file>
 
-<file path=ppt/slides/slide9.xml><?xml version="1.0" encoding="utf-8"?>
+<file path=ppt/slides/slide6.xml><?xml version="1.0" encoding="utf-8"?>
 <p:sld xmlns:a="http://schemas.openxmlformats.org/drawingml/2006/main" xmlns:r="http://schemas.openxmlformats.org/officeDocument/2006/relationships" xmlns:mc="http://schemas.openxmlformats.org/markup-compatibility/2006" xmlns:mv="urn:schemas-microsoft-com:mac:vml" xmlns:p="http://schemas.openxmlformats.org/presentationml/2006/main" xmlns:c="http://schemas.openxmlformats.org/drawingml/2006/chart" xmlns:dgm="http://schemas.openxmlformats.org/drawingml/2006/diagram" xmlns:o="urn:schemas-microsoft-com:office:office" xmlns:v="urn:schemas-microsoft-com:vml" xmlns:pvml="urn:schemas-microsoft-com:office:powerpoint" xmlns:com="http://schemas.openxmlformats.org/drawingml/2006/compatibility" xmlns:p14="http://schemas.microsoft.com/office/powerpoint/2010/main" xmlns:p15="http://schemas.microsoft.com/office/powerpoint/2012/main" xmlns:ahyp="http://schemas.microsoft.com/office/drawing/2018/hyperlinkcolor">
   <p:cSld>
     <p:spTree>
       <p:nvGrpSpPr>
-        <p:cNvPr id="150" name="Shape 150"/>
+        <p:cNvPr id="123" name="Shape 123"/>
         <p:cNvGrpSpPr/>
         <p:nvPr/>
       </p:nvGrpSpPr>
@@ -15424,7 +13421,7 @@
       </p:grpSpPr>
       <p:sp>
         <p:nvSpPr>
-          <p:cNvPr id="151" name="Google Shape;151;p21"/>
+          <p:cNvPr id="124" name="Google Shape;124;p18"/>
           <p:cNvSpPr txBox="1"/>
           <p:nvPr>
             <p:ph type="title"/>
@@ -15456,7 +13453,11 @@
             </a:pPr>
             <a:r>
               <a:rPr lang="en"/>
-              <a:t>Background</a:t>
+              <a:t>Project</a:t>
+            </a:r>
+            <a:r>
+              <a:rPr lang="en"/>
+              <a:t> Plan</a:t>
             </a:r>
             <a:endParaRPr/>
           </a:p>
@@ -15464,7 +13465,7 @@
       </p:sp>
       <p:sp>
         <p:nvSpPr>
-          <p:cNvPr id="152" name="Google Shape;152;p21"/>
+          <p:cNvPr id="125" name="Google Shape;125;p18"/>
           <p:cNvSpPr txBox="1"/>
           <p:nvPr>
             <p:ph idx="1" type="body"/>
@@ -15473,7 +13474,7 @@
         <p:spPr>
           <a:xfrm>
             <a:off x="311700" y="1152475"/>
-            <a:ext cx="8520600" cy="3895500"/>
+            <a:ext cx="8520600" cy="3416400"/>
           </a:xfrm>
           <a:prstGeom prst="rect">
             <a:avLst/>
@@ -15481,7 +13482,7 @@
         </p:spPr>
         <p:txBody>
           <a:bodyPr anchorCtr="0" anchor="t" bIns="91425" lIns="91425" spcFirstLastPara="1" rIns="91425" wrap="square" tIns="91425">
-            <a:normAutofit lnSpcReduction="10000"/>
+            <a:normAutofit/>
           </a:bodyPr>
           <a:lstStyle/>
           <a:p>
@@ -15497,7 +13498,7 @@
             </a:pPr>
             <a:r>
               <a:rPr lang="en"/>
-              <a:t>Bots have existed on the platform since December 2015, when Discord launched their unofficial API</a:t>
+              <a:t>Create a game loop</a:t>
             </a:r>
             <a:endParaRPr/>
           </a:p>
@@ -15514,15 +13515,7 @@
             </a:pPr>
             <a:r>
               <a:rPr lang="en"/>
-              <a:t>Common use cases for bots at that time included an early music streaming bot, a dice-rolling bot, and bot which </a:t>
-            </a:r>
-            <a:r>
-              <a:rPr lang="en"/>
-              <a:t>scans</a:t>
-            </a:r>
-            <a:r>
-              <a:rPr lang="en"/>
-              <a:t> the internet for funny images</a:t>
+              <a:t>Encode the cards mathematically</a:t>
             </a:r>
             <a:endParaRPr/>
           </a:p>
@@ -15539,91 +13532,7 @@
             </a:pPr>
             <a:r>
               <a:rPr lang="en"/>
-              <a:t>In recent years, bots </a:t>
-            </a:r>
-            <a:r>
-              <a:rPr lang="en"/>
-              <a:t>have</a:t>
-            </a:r>
-            <a:r>
-              <a:rPr lang="en"/>
-              <a:t> been made for all sorts of purposes, including games. </a:t>
-            </a:r>
-            <a:r>
-              <a:rPr lang="en"/>
-              <a:t>Notable</a:t>
-            </a:r>
-            <a:r>
-              <a:rPr lang="en"/>
-              <a:t> examples of game bots include:</a:t>
-            </a:r>
-            <a:endParaRPr/>
-          </a:p>
-          <a:p>
-            <a:pPr indent="-317500" lvl="1" marL="914400" rtl="0" algn="l">
-              <a:spcBef>
-                <a:spcPts val="0"/>
-              </a:spcBef>
-              <a:spcAft>
-                <a:spcPts val="0"/>
-              </a:spcAft>
-              <a:buSzPts val="1400"/>
-              <a:buChar char="○"/>
-            </a:pPr>
-            <a:r>
-              <a:rPr lang="en"/>
-              <a:t>Pokétwo - a bot that emulates the experience of playing a Pokémon game</a:t>
-            </a:r>
-            <a:endParaRPr/>
-          </a:p>
-          <a:p>
-            <a:pPr indent="-317500" lvl="1" marL="914400" rtl="0" algn="l">
-              <a:spcBef>
-                <a:spcPts val="0"/>
-              </a:spcBef>
-              <a:spcAft>
-                <a:spcPts val="0"/>
-              </a:spcAft>
-              <a:buSzPts val="1400"/>
-              <a:buChar char="○"/>
-            </a:pPr>
-            <a:r>
-              <a:rPr lang="en"/>
-              <a:t>EPIC RPG - a bot which guides users through a role-playing game with dungeons, an in-game economy, and player-versus-player interactions</a:t>
-            </a:r>
-            <a:endParaRPr/>
-          </a:p>
-          <a:p>
-            <a:pPr indent="-317500" lvl="1" marL="914400" rtl="0" algn="l">
-              <a:spcBef>
-                <a:spcPts val="0"/>
-              </a:spcBef>
-              <a:spcAft>
-                <a:spcPts val="0"/>
-              </a:spcAft>
-              <a:buSzPts val="1400"/>
-              <a:buChar char="○"/>
-            </a:pPr>
-            <a:r>
-              <a:rPr lang="en"/>
-              <a:t>AniGame - a collectible card game where users can assemble teams of fighters to fight through randomly generated dungeons, or battle it out against other players</a:t>
-            </a:r>
-            <a:endParaRPr/>
-          </a:p>
-          <a:p>
-            <a:pPr indent="-317500" lvl="1" marL="914400" rtl="0" algn="l">
-              <a:spcBef>
-                <a:spcPts val="0"/>
-              </a:spcBef>
-              <a:spcAft>
-                <a:spcPts val="0"/>
-              </a:spcAft>
-              <a:buSzPts val="1400"/>
-              <a:buChar char="○"/>
-            </a:pPr>
-            <a:r>
-              <a:rPr lang="en"/>
-              <a:t>Gamebot - a collection of games for Discord guilds, including Chess, Connect 4, Cards Against Humanity, and various others</a:t>
+              <a:t>Stitch images of the cards together into rows</a:t>
             </a:r>
             <a:endParaRPr/>
           </a:p>
@@ -15640,8 +13549,116 @@
             </a:pPr>
             <a:r>
               <a:rPr lang="en"/>
-              <a:t>However, no one has ever attempted to make a bot for the SET card game…</a:t>
+              <a:t>Use reaction collectors to record user inputs</a:t>
             </a:r>
+            <a:endParaRPr/>
+          </a:p>
+          <a:p>
+            <a:pPr indent="-342900" lvl="0" marL="457200" rtl="0" algn="l">
+              <a:spcBef>
+                <a:spcPts val="0"/>
+              </a:spcBef>
+              <a:spcAft>
+                <a:spcPts val="0"/>
+              </a:spcAft>
+              <a:buSzPts val="1800"/>
+              <a:buChar char="●"/>
+            </a:pPr>
+            <a:r>
+              <a:rPr lang="en"/>
+              <a:t>Check the board for sets efficiently</a:t>
+            </a:r>
+            <a:endParaRPr/>
+          </a:p>
+          <a:p>
+            <a:pPr indent="-342900" lvl="0" marL="457200" rtl="0" algn="l">
+              <a:spcBef>
+                <a:spcPts val="0"/>
+              </a:spcBef>
+              <a:spcAft>
+                <a:spcPts val="0"/>
+              </a:spcAft>
+              <a:buSzPts val="1800"/>
+              <a:buChar char="●"/>
+            </a:pPr>
+            <a:r>
+              <a:rPr lang="en"/>
+              <a:t>Store game data in a JSON file</a:t>
+            </a:r>
+            <a:endParaRPr/>
+          </a:p>
+          <a:p>
+            <a:pPr indent="-342900" lvl="0" marL="457200" rtl="0" algn="l">
+              <a:spcBef>
+                <a:spcPts val="0"/>
+              </a:spcBef>
+              <a:spcAft>
+                <a:spcPts val="0"/>
+              </a:spcAft>
+              <a:buSzPts val="1800"/>
+              <a:buChar char="●"/>
+            </a:pPr>
+            <a:r>
+              <a:rPr lang="en"/>
+              <a:t>Send game data to a database</a:t>
+            </a:r>
+            <a:endParaRPr/>
+          </a:p>
+          <a:p>
+            <a:pPr indent="-342900" lvl="0" marL="457200" rtl="0" algn="l">
+              <a:spcBef>
+                <a:spcPts val="0"/>
+              </a:spcBef>
+              <a:spcAft>
+                <a:spcPts val="0"/>
+              </a:spcAft>
+              <a:buSzPts val="1800"/>
+              <a:buChar char="●"/>
+            </a:pPr>
+            <a:r>
+              <a:rPr lang="en"/>
+              <a:t>Host the bot on Hood’s “pluto” server</a:t>
+            </a:r>
+            <a:endParaRPr/>
+          </a:p>
+        </p:txBody>
+      </p:sp>
+      <p:sp>
+        <p:nvSpPr>
+          <p:cNvPr id="126" name="Google Shape;126;p18"/>
+          <p:cNvSpPr txBox="1"/>
+          <p:nvPr>
+            <p:ph idx="12" type="sldNum"/>
+          </p:nvPr>
+        </p:nvSpPr>
+        <p:spPr>
+          <a:xfrm>
+            <a:off x="8472458" y="4663217"/>
+            <a:ext cx="548700" cy="393600"/>
+          </a:xfrm>
+          <a:prstGeom prst="rect">
+            <a:avLst/>
+          </a:prstGeom>
+        </p:spPr>
+        <p:txBody>
+          <a:bodyPr anchorCtr="0" anchor="ctr" bIns="91425" lIns="91425" spcFirstLastPara="1" rIns="91425" wrap="square" tIns="91425">
+            <a:normAutofit/>
+          </a:bodyPr>
+          <a:lstStyle/>
+          <a:p>
+            <a:pPr indent="0" lvl="0" marL="0" rtl="0" algn="r">
+              <a:spcBef>
+                <a:spcPts val="0"/>
+              </a:spcBef>
+              <a:spcAft>
+                <a:spcPts val="0"/>
+              </a:spcAft>
+              <a:buNone/>
+            </a:pPr>
+            <a:fld id="{00000000-1234-1234-1234-123412341234}" type="slidenum">
+              <a:rPr lang="en"/>
+              <a:t>‹#›</a:t>
+            </a:fld>
             <a:endParaRPr/>
           </a:p>
         </p:txBody>
@@ -15685,7 +13702,7 @@
                                           </p:stCondLst>
                                         </p:cTn>
                                         <p:tgtEl>
-                                          <p:spTgt spid="152">
+                                          <p:spTgt spid="125">
                                             <p:txEl>
                                               <p:pRg end="0" st="0"/>
                                             </p:txEl>
@@ -15734,7 +13751,7 @@
                                           </p:stCondLst>
                                         </p:cTn>
                                         <p:tgtEl>
-                                          <p:spTgt spid="152">
+                                          <p:spTgt spid="125">
                                             <p:txEl>
                                               <p:pRg end="1" st="1"/>
                                             </p:txEl>
@@ -15783,7 +13800,7 @@
                                           </p:stCondLst>
                                         </p:cTn>
                                         <p:tgtEl>
-                                          <p:spTgt spid="152">
+                                          <p:spTgt spid="125">
                                             <p:txEl>
                                               <p:pRg end="2" st="2"/>
                                             </p:txEl>
@@ -15832,7 +13849,7 @@
                                           </p:stCondLst>
                                         </p:cTn>
                                         <p:tgtEl>
-                                          <p:spTgt spid="152">
+                                          <p:spTgt spid="125">
                                             <p:txEl>
                                               <p:pRg end="3" st="3"/>
                                             </p:txEl>
@@ -15881,7 +13898,7 @@
                                           </p:stCondLst>
                                         </p:cTn>
                                         <p:tgtEl>
-                                          <p:spTgt spid="152">
+                                          <p:spTgt spid="125">
                                             <p:txEl>
                                               <p:pRg end="4" st="4"/>
                                             </p:txEl>
@@ -15930,7 +13947,7 @@
                                           </p:stCondLst>
                                         </p:cTn>
                                         <p:tgtEl>
-                                          <p:spTgt spid="152">
+                                          <p:spTgt spid="125">
                                             <p:txEl>
                                               <p:pRg end="5" st="5"/>
                                             </p:txEl>
@@ -15979,7 +13996,7 @@
                                           </p:stCondLst>
                                         </p:cTn>
                                         <p:tgtEl>
-                                          <p:spTgt spid="152">
+                                          <p:spTgt spid="125">
                                             <p:txEl>
                                               <p:pRg end="6" st="6"/>
                                             </p:txEl>
@@ -16028,7 +14045,7 @@
                                           </p:stCondLst>
                                         </p:cTn>
                                         <p:tgtEl>
-                                          <p:spTgt spid="152">
+                                          <p:spTgt spid="125">
                                             <p:txEl>
                                               <p:pRg end="7" st="7"/>
                                             </p:txEl>
@@ -16076,7 +14093,1525 @@
 </p:sld>
 </file>
 
+<file path=ppt/slides/slide7.xml><?xml version="1.0" encoding="utf-8"?>
+<p:sld xmlns:a="http://schemas.openxmlformats.org/drawingml/2006/main" xmlns:r="http://schemas.openxmlformats.org/officeDocument/2006/relationships" xmlns:mc="http://schemas.openxmlformats.org/markup-compatibility/2006" xmlns:mv="urn:schemas-microsoft-com:mac:vml" xmlns:p="http://schemas.openxmlformats.org/presentationml/2006/main" xmlns:c="http://schemas.openxmlformats.org/drawingml/2006/chart" xmlns:dgm="http://schemas.openxmlformats.org/drawingml/2006/diagram" xmlns:o="urn:schemas-microsoft-com:office:office" xmlns:v="urn:schemas-microsoft-com:vml" xmlns:pvml="urn:schemas-microsoft-com:office:powerpoint" xmlns:com="http://schemas.openxmlformats.org/drawingml/2006/compatibility" xmlns:p14="http://schemas.microsoft.com/office/powerpoint/2010/main" xmlns:p15="http://schemas.microsoft.com/office/powerpoint/2012/main" xmlns:ahyp="http://schemas.microsoft.com/office/drawing/2018/hyperlinkcolor">
+  <p:cSld>
+    <p:spTree>
+      <p:nvGrpSpPr>
+        <p:cNvPr id="130" name="Shape 130"/>
+        <p:cNvGrpSpPr/>
+        <p:nvPr/>
+      </p:nvGrpSpPr>
+      <p:grpSpPr>
+        <a:xfrm>
+          <a:off x="0" y="0"/>
+          <a:ext cx="0" cy="0"/>
+          <a:chOff x="0" y="0"/>
+          <a:chExt cx="0" cy="0"/>
+        </a:xfrm>
+      </p:grpSpPr>
+      <p:sp>
+        <p:nvSpPr>
+          <p:cNvPr id="131" name="Google Shape;131;p19"/>
+          <p:cNvSpPr txBox="1"/>
+          <p:nvPr>
+            <p:ph type="title"/>
+          </p:nvPr>
+        </p:nvSpPr>
+        <p:spPr>
+          <a:xfrm>
+            <a:off x="311700" y="292625"/>
+            <a:ext cx="8520600" cy="572700"/>
+          </a:xfrm>
+          <a:prstGeom prst="rect">
+            <a:avLst/>
+          </a:prstGeom>
+        </p:spPr>
+        <p:txBody>
+          <a:bodyPr anchorCtr="0" anchor="t" bIns="91425" lIns="91425" spcFirstLastPara="1" rIns="91425" wrap="square" tIns="91425">
+            <a:normAutofit fontScale="90000"/>
+          </a:bodyPr>
+          <a:lstStyle/>
+          <a:p>
+            <a:pPr indent="0" lvl="0" marL="0" rtl="0" algn="l">
+              <a:spcBef>
+                <a:spcPts val="0"/>
+              </a:spcBef>
+              <a:spcAft>
+                <a:spcPts val="0"/>
+              </a:spcAft>
+              <a:buNone/>
+            </a:pPr>
+            <a:r>
+              <a:rPr lang="en"/>
+              <a:t>Tech Stack</a:t>
+            </a:r>
+            <a:endParaRPr/>
+          </a:p>
+        </p:txBody>
+      </p:sp>
+      <p:sp>
+        <p:nvSpPr>
+          <p:cNvPr id="132" name="Google Shape;132;p19"/>
+          <p:cNvSpPr txBox="1"/>
+          <p:nvPr>
+            <p:ph idx="1" type="body"/>
+          </p:nvPr>
+        </p:nvSpPr>
+        <p:spPr>
+          <a:xfrm>
+            <a:off x="311700" y="771475"/>
+            <a:ext cx="8520600" cy="4219500"/>
+          </a:xfrm>
+          <a:prstGeom prst="rect">
+            <a:avLst/>
+          </a:prstGeom>
+          <a:ln cap="flat" cmpd="sng" w="9525">
+            <a:solidFill>
+              <a:schemeClr val="lt1"/>
+            </a:solidFill>
+            <a:prstDash val="solid"/>
+            <a:round/>
+            <a:headEnd len="sm" w="sm" type="none"/>
+            <a:tailEnd len="sm" w="sm" type="none"/>
+          </a:ln>
+        </p:spPr>
+        <p:txBody>
+          <a:bodyPr anchorCtr="0" anchor="t" bIns="91425" lIns="91425" spcFirstLastPara="1" rIns="91425" wrap="square" tIns="91425">
+            <a:normAutofit/>
+          </a:bodyPr>
+          <a:lstStyle/>
+          <a:p>
+            <a:pPr indent="-342900" lvl="0" marL="457200" rtl="0" algn="l">
+              <a:spcBef>
+                <a:spcPts val="0"/>
+              </a:spcBef>
+              <a:spcAft>
+                <a:spcPts val="0"/>
+              </a:spcAft>
+              <a:buSzPts val="1800"/>
+              <a:buChar char="●"/>
+            </a:pPr>
+            <a:r>
+              <a:rPr lang="en"/>
+              <a:t>JavaScript, for the game logic</a:t>
+            </a:r>
+            <a:endParaRPr/>
+          </a:p>
+          <a:p>
+            <a:pPr indent="-342900" lvl="0" marL="457200" rtl="0" algn="l">
+              <a:spcBef>
+                <a:spcPts val="0"/>
+              </a:spcBef>
+              <a:spcAft>
+                <a:spcPts val="0"/>
+              </a:spcAft>
+              <a:buSzPts val="1800"/>
+              <a:buChar char="●"/>
+            </a:pPr>
+            <a:r>
+              <a:rPr lang="en"/>
+              <a:t>Node.js, a server-side runtime environment</a:t>
+            </a:r>
+            <a:endParaRPr/>
+          </a:p>
+          <a:p>
+            <a:pPr indent="-342900" lvl="0" marL="457200" rtl="0" algn="l">
+              <a:spcBef>
+                <a:spcPts val="0"/>
+              </a:spcBef>
+              <a:spcAft>
+                <a:spcPts val="0"/>
+              </a:spcAft>
+              <a:buSzPts val="1800"/>
+              <a:buChar char="●"/>
+            </a:pPr>
+            <a:r>
+              <a:rPr lang="en"/>
+              <a:t>Discord.js, a Node framework for the Discord API</a:t>
+            </a:r>
+            <a:endParaRPr/>
+          </a:p>
+          <a:p>
+            <a:pPr indent="-342900" lvl="0" marL="457200" rtl="0" algn="l">
+              <a:spcBef>
+                <a:spcPts val="0"/>
+              </a:spcBef>
+              <a:spcAft>
+                <a:spcPts val="0"/>
+              </a:spcAft>
+              <a:buSzPts val="1800"/>
+              <a:buChar char="●"/>
+            </a:pPr>
+            <a:r>
+              <a:rPr lang="en"/>
+              <a:t>SQLite, to store game data in a discrete file</a:t>
+            </a:r>
+            <a:endParaRPr/>
+          </a:p>
+          <a:p>
+            <a:pPr indent="-342900" lvl="0" marL="457200" rtl="0" algn="l">
+              <a:spcBef>
+                <a:spcPts val="0"/>
+              </a:spcBef>
+              <a:spcAft>
+                <a:spcPts val="0"/>
+              </a:spcAft>
+              <a:buSzPts val="1800"/>
+              <a:buChar char="●"/>
+            </a:pPr>
+            <a:r>
+              <a:rPr lang="en"/>
+              <a:t>pluto@hood.edu, as a host for the bot and all its data</a:t>
+            </a:r>
+            <a:endParaRPr/>
+          </a:p>
+          <a:p>
+            <a:pPr indent="0" lvl="0" marL="0" rtl="0" algn="l">
+              <a:spcBef>
+                <a:spcPts val="0"/>
+              </a:spcBef>
+              <a:spcAft>
+                <a:spcPts val="0"/>
+              </a:spcAft>
+              <a:buNone/>
+            </a:pPr>
+            <a:r>
+              <a:t/>
+            </a:r>
+            <a:endParaRPr sz="1000"/>
+          </a:p>
+          <a:p>
+            <a:pPr indent="0" lvl="0" marL="0" rtl="0" algn="l">
+              <a:lnSpc>
+                <a:spcPct val="100000"/>
+              </a:lnSpc>
+              <a:spcBef>
+                <a:spcPts val="0"/>
+              </a:spcBef>
+              <a:spcAft>
+                <a:spcPts val="0"/>
+              </a:spcAft>
+              <a:buNone/>
+            </a:pPr>
+            <a:r>
+              <a:rPr lang="en" sz="2500">
+                <a:solidFill>
+                  <a:schemeClr val="dk1"/>
+                </a:solidFill>
+              </a:rPr>
+              <a:t>Required Functionality/Features</a:t>
+            </a:r>
+            <a:endParaRPr sz="2500">
+              <a:solidFill>
+                <a:schemeClr val="dk1"/>
+              </a:solidFill>
+            </a:endParaRPr>
+          </a:p>
+          <a:p>
+            <a:pPr indent="0" lvl="0" marL="0" rtl="0" algn="l">
+              <a:lnSpc>
+                <a:spcPct val="100000"/>
+              </a:lnSpc>
+              <a:spcBef>
+                <a:spcPts val="0"/>
+              </a:spcBef>
+              <a:spcAft>
+                <a:spcPts val="0"/>
+              </a:spcAft>
+              <a:buNone/>
+            </a:pPr>
+            <a:r>
+              <a:t/>
+            </a:r>
+            <a:endParaRPr sz="600">
+              <a:solidFill>
+                <a:schemeClr val="dk1"/>
+              </a:solidFill>
+            </a:endParaRPr>
+          </a:p>
+          <a:p>
+            <a:pPr indent="-342900" lvl="0" marL="457200" rtl="0" algn="l">
+              <a:spcBef>
+                <a:spcPts val="0"/>
+              </a:spcBef>
+              <a:spcAft>
+                <a:spcPts val="0"/>
+              </a:spcAft>
+              <a:buSzPts val="1800"/>
+              <a:buChar char="●"/>
+            </a:pPr>
+            <a:r>
+              <a:rPr lang="en"/>
+              <a:t>“/newgame” command starts game, generating a board</a:t>
+            </a:r>
+            <a:endParaRPr/>
+          </a:p>
+          <a:p>
+            <a:pPr indent="-342900" lvl="0" marL="457200" rtl="0" algn="l">
+              <a:spcBef>
+                <a:spcPts val="0"/>
+              </a:spcBef>
+              <a:spcAft>
+                <a:spcPts val="0"/>
+              </a:spcAft>
+              <a:buSzPts val="1800"/>
+              <a:buChar char="●"/>
+            </a:pPr>
+            <a:r>
+              <a:rPr lang="en"/>
+              <a:t>Players select cards; when set is found, replace used cards</a:t>
+            </a:r>
+            <a:endParaRPr/>
+          </a:p>
+          <a:p>
+            <a:pPr indent="-342900" lvl="0" marL="457200" rtl="0" algn="l">
+              <a:spcBef>
+                <a:spcPts val="0"/>
+              </a:spcBef>
+              <a:spcAft>
+                <a:spcPts val="0"/>
+              </a:spcAft>
+              <a:buSzPts val="1800"/>
+              <a:buChar char="●"/>
+            </a:pPr>
+            <a:r>
+              <a:rPr lang="en"/>
+              <a:t>Game continues until deck is empty or game is cancelled</a:t>
+            </a:r>
+            <a:endParaRPr/>
+          </a:p>
+          <a:p>
+            <a:pPr indent="-342900" lvl="0" marL="457200" rtl="0" algn="l">
+              <a:spcBef>
+                <a:spcPts val="0"/>
+              </a:spcBef>
+              <a:spcAft>
+                <a:spcPts val="0"/>
+              </a:spcAft>
+              <a:buSzPts val="1800"/>
+              <a:buChar char="●"/>
+            </a:pPr>
+            <a:r>
+              <a:rPr lang="en"/>
+              <a:t>Scores displayed, and saved to DB</a:t>
+            </a:r>
+            <a:endParaRPr/>
+          </a:p>
+        </p:txBody>
+      </p:sp>
+      <p:sp>
+        <p:nvSpPr>
+          <p:cNvPr id="133" name="Google Shape;133;p19"/>
+          <p:cNvSpPr txBox="1"/>
+          <p:nvPr>
+            <p:ph idx="12" type="sldNum"/>
+          </p:nvPr>
+        </p:nvSpPr>
+        <p:spPr>
+          <a:xfrm>
+            <a:off x="8472458" y="4663217"/>
+            <a:ext cx="548700" cy="393600"/>
+          </a:xfrm>
+          <a:prstGeom prst="rect">
+            <a:avLst/>
+          </a:prstGeom>
+        </p:spPr>
+        <p:txBody>
+          <a:bodyPr anchorCtr="0" anchor="ctr" bIns="91425" lIns="91425" spcFirstLastPara="1" rIns="91425" wrap="square" tIns="91425">
+            <a:normAutofit/>
+          </a:bodyPr>
+          <a:lstStyle/>
+          <a:p>
+            <a:pPr indent="0" lvl="0" marL="0" rtl="0" algn="r">
+              <a:spcBef>
+                <a:spcPts val="0"/>
+              </a:spcBef>
+              <a:spcAft>
+                <a:spcPts val="0"/>
+              </a:spcAft>
+              <a:buNone/>
+            </a:pPr>
+            <a:fld id="{00000000-1234-1234-1234-123412341234}" type="slidenum">
+              <a:rPr lang="en"/>
+              <a:t>‹#›</a:t>
+            </a:fld>
+            <a:endParaRPr/>
+          </a:p>
+        </p:txBody>
+      </p:sp>
+    </p:spTree>
+  </p:cSld>
+  <p:clrMapOvr>
+    <a:masterClrMapping/>
+  </p:clrMapOvr>
+  <p:timing>
+    <p:tnLst>
+      <p:par>
+        <p:cTn dur="indefinite" nodeType="tmRoot" restart="never">
+          <p:childTnLst>
+            <p:seq concurrent="1" nextAc="seek">
+              <p:cTn dur="indefinite" id="2" nodeType="mainSeq">
+                <p:childTnLst>
+                  <p:par>
+                    <p:cTn fill="hold">
+                      <p:stCondLst>
+                        <p:cond delay="indefinite"/>
+                      </p:stCondLst>
+                      <p:childTnLst>
+                        <p:par>
+                          <p:cTn fill="hold">
+                            <p:stCondLst>
+                              <p:cond delay="0"/>
+                            </p:stCondLst>
+                            <p:childTnLst>
+                              <p:par>
+                                <p:cTn fill="hold" nodeType="clickEffect" presetClass="entr" presetID="1" presetSubtype="0">
+                                  <p:stCondLst>
+                                    <p:cond delay="0"/>
+                                  </p:stCondLst>
+                                  <p:childTnLst>
+                                    <p:set>
+                                      <p:cBhvr>
+                                        <p:cTn dur="1" fill="hold">
+                                          <p:stCondLst>
+                                            <p:cond delay="0"/>
+                                          </p:stCondLst>
+                                        </p:cTn>
+                                        <p:tgtEl>
+                                          <p:spTgt spid="132">
+                                            <p:txEl>
+                                              <p:pRg end="0" st="0"/>
+                                            </p:txEl>
+                                          </p:spTgt>
+                                        </p:tgtEl>
+                                        <p:attrNameLst>
+                                          <p:attrName>style.visibility</p:attrName>
+                                        </p:attrNameLst>
+                                      </p:cBhvr>
+                                      <p:to>
+                                        <p:strVal val="visible"/>
+                                      </p:to>
+                                    </p:set>
+                                  </p:childTnLst>
+                                </p:cTn>
+                              </p:par>
+                            </p:childTnLst>
+                          </p:cTn>
+                        </p:par>
+                      </p:childTnLst>
+                    </p:cTn>
+                  </p:par>
+                  <p:par>
+                    <p:cTn fill="hold">
+                      <p:stCondLst>
+                        <p:cond delay="indefinite"/>
+                      </p:stCondLst>
+                      <p:childTnLst>
+                        <p:par>
+                          <p:cTn fill="hold">
+                            <p:stCondLst>
+                              <p:cond delay="0"/>
+                            </p:stCondLst>
+                            <p:childTnLst>
+                              <p:par>
+                                <p:cTn fill="hold" nodeType="clickEffect" presetClass="entr" presetID="1" presetSubtype="0">
+                                  <p:stCondLst>
+                                    <p:cond delay="0"/>
+                                  </p:stCondLst>
+                                  <p:childTnLst>
+                                    <p:set>
+                                      <p:cBhvr>
+                                        <p:cTn dur="1" fill="hold">
+                                          <p:stCondLst>
+                                            <p:cond delay="0"/>
+                                          </p:stCondLst>
+                                        </p:cTn>
+                                        <p:tgtEl>
+                                          <p:spTgt spid="132">
+                                            <p:txEl>
+                                              <p:pRg end="1" st="1"/>
+                                            </p:txEl>
+                                          </p:spTgt>
+                                        </p:tgtEl>
+                                        <p:attrNameLst>
+                                          <p:attrName>style.visibility</p:attrName>
+                                        </p:attrNameLst>
+                                      </p:cBhvr>
+                                      <p:to>
+                                        <p:strVal val="visible"/>
+                                      </p:to>
+                                    </p:set>
+                                  </p:childTnLst>
+                                </p:cTn>
+                              </p:par>
+                            </p:childTnLst>
+                          </p:cTn>
+                        </p:par>
+                      </p:childTnLst>
+                    </p:cTn>
+                  </p:par>
+                  <p:par>
+                    <p:cTn fill="hold">
+                      <p:stCondLst>
+                        <p:cond delay="indefinite"/>
+                      </p:stCondLst>
+                      <p:childTnLst>
+                        <p:par>
+                          <p:cTn fill="hold">
+                            <p:stCondLst>
+                              <p:cond delay="0"/>
+                            </p:stCondLst>
+                            <p:childTnLst>
+                              <p:par>
+                                <p:cTn fill="hold" nodeType="clickEffect" presetClass="entr" presetID="1" presetSubtype="0">
+                                  <p:stCondLst>
+                                    <p:cond delay="0"/>
+                                  </p:stCondLst>
+                                  <p:childTnLst>
+                                    <p:set>
+                                      <p:cBhvr>
+                                        <p:cTn dur="1" fill="hold">
+                                          <p:stCondLst>
+                                            <p:cond delay="0"/>
+                                          </p:stCondLst>
+                                        </p:cTn>
+                                        <p:tgtEl>
+                                          <p:spTgt spid="132">
+                                            <p:txEl>
+                                              <p:pRg end="2" st="2"/>
+                                            </p:txEl>
+                                          </p:spTgt>
+                                        </p:tgtEl>
+                                        <p:attrNameLst>
+                                          <p:attrName>style.visibility</p:attrName>
+                                        </p:attrNameLst>
+                                      </p:cBhvr>
+                                      <p:to>
+                                        <p:strVal val="visible"/>
+                                      </p:to>
+                                    </p:set>
+                                  </p:childTnLst>
+                                </p:cTn>
+                              </p:par>
+                            </p:childTnLst>
+                          </p:cTn>
+                        </p:par>
+                      </p:childTnLst>
+                    </p:cTn>
+                  </p:par>
+                  <p:par>
+                    <p:cTn fill="hold">
+                      <p:stCondLst>
+                        <p:cond delay="indefinite"/>
+                      </p:stCondLst>
+                      <p:childTnLst>
+                        <p:par>
+                          <p:cTn fill="hold">
+                            <p:stCondLst>
+                              <p:cond delay="0"/>
+                            </p:stCondLst>
+                            <p:childTnLst>
+                              <p:par>
+                                <p:cTn fill="hold" nodeType="clickEffect" presetClass="entr" presetID="1" presetSubtype="0">
+                                  <p:stCondLst>
+                                    <p:cond delay="0"/>
+                                  </p:stCondLst>
+                                  <p:childTnLst>
+                                    <p:set>
+                                      <p:cBhvr>
+                                        <p:cTn dur="1" fill="hold">
+                                          <p:stCondLst>
+                                            <p:cond delay="0"/>
+                                          </p:stCondLst>
+                                        </p:cTn>
+                                        <p:tgtEl>
+                                          <p:spTgt spid="132">
+                                            <p:txEl>
+                                              <p:pRg end="3" st="3"/>
+                                            </p:txEl>
+                                          </p:spTgt>
+                                        </p:tgtEl>
+                                        <p:attrNameLst>
+                                          <p:attrName>style.visibility</p:attrName>
+                                        </p:attrNameLst>
+                                      </p:cBhvr>
+                                      <p:to>
+                                        <p:strVal val="visible"/>
+                                      </p:to>
+                                    </p:set>
+                                  </p:childTnLst>
+                                </p:cTn>
+                              </p:par>
+                            </p:childTnLst>
+                          </p:cTn>
+                        </p:par>
+                      </p:childTnLst>
+                    </p:cTn>
+                  </p:par>
+                  <p:par>
+                    <p:cTn fill="hold">
+                      <p:stCondLst>
+                        <p:cond delay="indefinite"/>
+                      </p:stCondLst>
+                      <p:childTnLst>
+                        <p:par>
+                          <p:cTn fill="hold">
+                            <p:stCondLst>
+                              <p:cond delay="0"/>
+                            </p:stCondLst>
+                            <p:childTnLst>
+                              <p:par>
+                                <p:cTn fill="hold" nodeType="clickEffect" presetClass="entr" presetID="1" presetSubtype="0">
+                                  <p:stCondLst>
+                                    <p:cond delay="0"/>
+                                  </p:stCondLst>
+                                  <p:childTnLst>
+                                    <p:set>
+                                      <p:cBhvr>
+                                        <p:cTn dur="1" fill="hold">
+                                          <p:stCondLst>
+                                            <p:cond delay="0"/>
+                                          </p:stCondLst>
+                                        </p:cTn>
+                                        <p:tgtEl>
+                                          <p:spTgt spid="132">
+                                            <p:txEl>
+                                              <p:pRg end="4" st="4"/>
+                                            </p:txEl>
+                                          </p:spTgt>
+                                        </p:tgtEl>
+                                        <p:attrNameLst>
+                                          <p:attrName>style.visibility</p:attrName>
+                                        </p:attrNameLst>
+                                      </p:cBhvr>
+                                      <p:to>
+                                        <p:strVal val="visible"/>
+                                      </p:to>
+                                    </p:set>
+                                  </p:childTnLst>
+                                </p:cTn>
+                              </p:par>
+                            </p:childTnLst>
+                          </p:cTn>
+                        </p:par>
+                      </p:childTnLst>
+                    </p:cTn>
+                  </p:par>
+                  <p:par>
+                    <p:cTn fill="hold">
+                      <p:stCondLst>
+                        <p:cond delay="indefinite"/>
+                      </p:stCondLst>
+                      <p:childTnLst>
+                        <p:par>
+                          <p:cTn fill="hold">
+                            <p:stCondLst>
+                              <p:cond delay="0"/>
+                            </p:stCondLst>
+                            <p:childTnLst>
+                              <p:par>
+                                <p:cTn fill="hold" nodeType="clickEffect" presetClass="entr" presetID="1" presetSubtype="0">
+                                  <p:stCondLst>
+                                    <p:cond delay="0"/>
+                                  </p:stCondLst>
+                                  <p:childTnLst>
+                                    <p:set>
+                                      <p:cBhvr>
+                                        <p:cTn dur="1" fill="hold">
+                                          <p:stCondLst>
+                                            <p:cond delay="0"/>
+                                          </p:stCondLst>
+                                        </p:cTn>
+                                        <p:tgtEl>
+                                          <p:spTgt spid="132">
+                                            <p:txEl>
+                                              <p:pRg end="5" st="5"/>
+                                            </p:txEl>
+                                          </p:spTgt>
+                                        </p:tgtEl>
+                                        <p:attrNameLst>
+                                          <p:attrName>style.visibility</p:attrName>
+                                        </p:attrNameLst>
+                                      </p:cBhvr>
+                                      <p:to>
+                                        <p:strVal val="visible"/>
+                                      </p:to>
+                                    </p:set>
+                                  </p:childTnLst>
+                                </p:cTn>
+                              </p:par>
+                            </p:childTnLst>
+                          </p:cTn>
+                        </p:par>
+                      </p:childTnLst>
+                    </p:cTn>
+                  </p:par>
+                  <p:par>
+                    <p:cTn fill="hold">
+                      <p:stCondLst>
+                        <p:cond delay="indefinite"/>
+                      </p:stCondLst>
+                      <p:childTnLst>
+                        <p:par>
+                          <p:cTn fill="hold">
+                            <p:stCondLst>
+                              <p:cond delay="0"/>
+                            </p:stCondLst>
+                            <p:childTnLst>
+                              <p:par>
+                                <p:cTn fill="hold" nodeType="clickEffect" presetClass="entr" presetID="1" presetSubtype="0">
+                                  <p:stCondLst>
+                                    <p:cond delay="0"/>
+                                  </p:stCondLst>
+                                  <p:childTnLst>
+                                    <p:set>
+                                      <p:cBhvr>
+                                        <p:cTn dur="1" fill="hold">
+                                          <p:stCondLst>
+                                            <p:cond delay="0"/>
+                                          </p:stCondLst>
+                                        </p:cTn>
+                                        <p:tgtEl>
+                                          <p:spTgt spid="132">
+                                            <p:txEl>
+                                              <p:pRg end="6" st="6"/>
+                                            </p:txEl>
+                                          </p:spTgt>
+                                        </p:tgtEl>
+                                        <p:attrNameLst>
+                                          <p:attrName>style.visibility</p:attrName>
+                                        </p:attrNameLst>
+                                      </p:cBhvr>
+                                      <p:to>
+                                        <p:strVal val="visible"/>
+                                      </p:to>
+                                    </p:set>
+                                  </p:childTnLst>
+                                </p:cTn>
+                              </p:par>
+                            </p:childTnLst>
+                          </p:cTn>
+                        </p:par>
+                      </p:childTnLst>
+                    </p:cTn>
+                  </p:par>
+                  <p:par>
+                    <p:cTn fill="hold">
+                      <p:stCondLst>
+                        <p:cond delay="indefinite"/>
+                      </p:stCondLst>
+                      <p:childTnLst>
+                        <p:par>
+                          <p:cTn fill="hold">
+                            <p:stCondLst>
+                              <p:cond delay="0"/>
+                            </p:stCondLst>
+                            <p:childTnLst>
+                              <p:par>
+                                <p:cTn fill="hold" nodeType="clickEffect" presetClass="entr" presetID="1" presetSubtype="0">
+                                  <p:stCondLst>
+                                    <p:cond delay="0"/>
+                                  </p:stCondLst>
+                                  <p:childTnLst>
+                                    <p:set>
+                                      <p:cBhvr>
+                                        <p:cTn dur="1" fill="hold">
+                                          <p:stCondLst>
+                                            <p:cond delay="0"/>
+                                          </p:stCondLst>
+                                        </p:cTn>
+                                        <p:tgtEl>
+                                          <p:spTgt spid="132">
+                                            <p:txEl>
+                                              <p:pRg end="7" st="7"/>
+                                            </p:txEl>
+                                          </p:spTgt>
+                                        </p:tgtEl>
+                                        <p:attrNameLst>
+                                          <p:attrName>style.visibility</p:attrName>
+                                        </p:attrNameLst>
+                                      </p:cBhvr>
+                                      <p:to>
+                                        <p:strVal val="visible"/>
+                                      </p:to>
+                                    </p:set>
+                                  </p:childTnLst>
+                                </p:cTn>
+                              </p:par>
+                            </p:childTnLst>
+                          </p:cTn>
+                        </p:par>
+                      </p:childTnLst>
+                    </p:cTn>
+                  </p:par>
+                  <p:par>
+                    <p:cTn fill="hold">
+                      <p:stCondLst>
+                        <p:cond delay="indefinite"/>
+                      </p:stCondLst>
+                      <p:childTnLst>
+                        <p:par>
+                          <p:cTn fill="hold">
+                            <p:stCondLst>
+                              <p:cond delay="0"/>
+                            </p:stCondLst>
+                            <p:childTnLst>
+                              <p:par>
+                                <p:cTn fill="hold" nodeType="clickEffect" presetClass="entr" presetID="1" presetSubtype="0">
+                                  <p:stCondLst>
+                                    <p:cond delay="0"/>
+                                  </p:stCondLst>
+                                  <p:childTnLst>
+                                    <p:set>
+                                      <p:cBhvr>
+                                        <p:cTn dur="1" fill="hold">
+                                          <p:stCondLst>
+                                            <p:cond delay="0"/>
+                                          </p:stCondLst>
+                                        </p:cTn>
+                                        <p:tgtEl>
+                                          <p:spTgt spid="132">
+                                            <p:txEl>
+                                              <p:pRg end="8" st="8"/>
+                                            </p:txEl>
+                                          </p:spTgt>
+                                        </p:tgtEl>
+                                        <p:attrNameLst>
+                                          <p:attrName>style.visibility</p:attrName>
+                                        </p:attrNameLst>
+                                      </p:cBhvr>
+                                      <p:to>
+                                        <p:strVal val="visible"/>
+                                      </p:to>
+                                    </p:set>
+                                  </p:childTnLst>
+                                </p:cTn>
+                              </p:par>
+                            </p:childTnLst>
+                          </p:cTn>
+                        </p:par>
+                      </p:childTnLst>
+                    </p:cTn>
+                  </p:par>
+                  <p:par>
+                    <p:cTn fill="hold">
+                      <p:stCondLst>
+                        <p:cond delay="indefinite"/>
+                      </p:stCondLst>
+                      <p:childTnLst>
+                        <p:par>
+                          <p:cTn fill="hold">
+                            <p:stCondLst>
+                              <p:cond delay="0"/>
+                            </p:stCondLst>
+                            <p:childTnLst>
+                              <p:par>
+                                <p:cTn fill="hold" nodeType="clickEffect" presetClass="entr" presetID="1" presetSubtype="0">
+                                  <p:stCondLst>
+                                    <p:cond delay="0"/>
+                                  </p:stCondLst>
+                                  <p:childTnLst>
+                                    <p:set>
+                                      <p:cBhvr>
+                                        <p:cTn dur="1" fill="hold">
+                                          <p:stCondLst>
+                                            <p:cond delay="0"/>
+                                          </p:stCondLst>
+                                        </p:cTn>
+                                        <p:tgtEl>
+                                          <p:spTgt spid="132">
+                                            <p:txEl>
+                                              <p:pRg end="9" st="9"/>
+                                            </p:txEl>
+                                          </p:spTgt>
+                                        </p:tgtEl>
+                                        <p:attrNameLst>
+                                          <p:attrName>style.visibility</p:attrName>
+                                        </p:attrNameLst>
+                                      </p:cBhvr>
+                                      <p:to>
+                                        <p:strVal val="visible"/>
+                                      </p:to>
+                                    </p:set>
+                                  </p:childTnLst>
+                                </p:cTn>
+                              </p:par>
+                            </p:childTnLst>
+                          </p:cTn>
+                        </p:par>
+                      </p:childTnLst>
+                    </p:cTn>
+                  </p:par>
+                  <p:par>
+                    <p:cTn fill="hold">
+                      <p:stCondLst>
+                        <p:cond delay="indefinite"/>
+                      </p:stCondLst>
+                      <p:childTnLst>
+                        <p:par>
+                          <p:cTn fill="hold">
+                            <p:stCondLst>
+                              <p:cond delay="0"/>
+                            </p:stCondLst>
+                            <p:childTnLst>
+                              <p:par>
+                                <p:cTn fill="hold" nodeType="clickEffect" presetClass="entr" presetID="1" presetSubtype="0">
+                                  <p:stCondLst>
+                                    <p:cond delay="0"/>
+                                  </p:stCondLst>
+                                  <p:childTnLst>
+                                    <p:set>
+                                      <p:cBhvr>
+                                        <p:cTn dur="1" fill="hold">
+                                          <p:stCondLst>
+                                            <p:cond delay="0"/>
+                                          </p:stCondLst>
+                                        </p:cTn>
+                                        <p:tgtEl>
+                                          <p:spTgt spid="132">
+                                            <p:txEl>
+                                              <p:pRg end="10" st="10"/>
+                                            </p:txEl>
+                                          </p:spTgt>
+                                        </p:tgtEl>
+                                        <p:attrNameLst>
+                                          <p:attrName>style.visibility</p:attrName>
+                                        </p:attrNameLst>
+                                      </p:cBhvr>
+                                      <p:to>
+                                        <p:strVal val="visible"/>
+                                      </p:to>
+                                    </p:set>
+                                  </p:childTnLst>
+                                </p:cTn>
+                              </p:par>
+                            </p:childTnLst>
+                          </p:cTn>
+                        </p:par>
+                      </p:childTnLst>
+                    </p:cTn>
+                  </p:par>
+                  <p:par>
+                    <p:cTn fill="hold">
+                      <p:stCondLst>
+                        <p:cond delay="indefinite"/>
+                      </p:stCondLst>
+                      <p:childTnLst>
+                        <p:par>
+                          <p:cTn fill="hold">
+                            <p:stCondLst>
+                              <p:cond delay="0"/>
+                            </p:stCondLst>
+                            <p:childTnLst>
+                              <p:par>
+                                <p:cTn fill="hold" nodeType="clickEffect" presetClass="entr" presetID="1" presetSubtype="0">
+                                  <p:stCondLst>
+                                    <p:cond delay="0"/>
+                                  </p:stCondLst>
+                                  <p:childTnLst>
+                                    <p:set>
+                                      <p:cBhvr>
+                                        <p:cTn dur="1" fill="hold">
+                                          <p:stCondLst>
+                                            <p:cond delay="0"/>
+                                          </p:stCondLst>
+                                        </p:cTn>
+                                        <p:tgtEl>
+                                          <p:spTgt spid="132">
+                                            <p:txEl>
+                                              <p:pRg end="11" st="11"/>
+                                            </p:txEl>
+                                          </p:spTgt>
+                                        </p:tgtEl>
+                                        <p:attrNameLst>
+                                          <p:attrName>style.visibility</p:attrName>
+                                        </p:attrNameLst>
+                                      </p:cBhvr>
+                                      <p:to>
+                                        <p:strVal val="visible"/>
+                                      </p:to>
+                                    </p:set>
+                                  </p:childTnLst>
+                                </p:cTn>
+                              </p:par>
+                            </p:childTnLst>
+                          </p:cTn>
+                        </p:par>
+                      </p:childTnLst>
+                    </p:cTn>
+                  </p:par>
+                </p:childTnLst>
+              </p:cTn>
+              <p:prevCondLst>
+                <p:cond evt="onPrev">
+                  <p:tgtEl>
+                    <p:sldTgt/>
+                  </p:tgtEl>
+                </p:cond>
+              </p:prevCondLst>
+              <p:nextCondLst>
+                <p:cond evt="onNext">
+                  <p:tgtEl>
+                    <p:sldTgt/>
+                  </p:tgtEl>
+                </p:cond>
+              </p:nextCondLst>
+            </p:seq>
+          </p:childTnLst>
+        </p:cTn>
+      </p:par>
+    </p:tnLst>
+  </p:timing>
+</p:sld>
+</file>
+
+<file path=ppt/slides/slide8.xml><?xml version="1.0" encoding="utf-8"?>
+<p:sld xmlns:a="http://schemas.openxmlformats.org/drawingml/2006/main" xmlns:r="http://schemas.openxmlformats.org/officeDocument/2006/relationships" xmlns:mc="http://schemas.openxmlformats.org/markup-compatibility/2006" xmlns:mv="urn:schemas-microsoft-com:mac:vml" xmlns:p="http://schemas.openxmlformats.org/presentationml/2006/main" xmlns:c="http://schemas.openxmlformats.org/drawingml/2006/chart" xmlns:dgm="http://schemas.openxmlformats.org/drawingml/2006/diagram" xmlns:o="urn:schemas-microsoft-com:office:office" xmlns:v="urn:schemas-microsoft-com:vml" xmlns:pvml="urn:schemas-microsoft-com:office:powerpoint" xmlns:com="http://schemas.openxmlformats.org/drawingml/2006/compatibility" xmlns:p14="http://schemas.microsoft.com/office/powerpoint/2010/main" xmlns:p15="http://schemas.microsoft.com/office/powerpoint/2012/main" xmlns:ahyp="http://schemas.microsoft.com/office/drawing/2018/hyperlinkcolor">
+  <p:cSld>
+    <p:spTree>
+      <p:nvGrpSpPr>
+        <p:cNvPr id="137" name="Shape 137"/>
+        <p:cNvGrpSpPr/>
+        <p:nvPr/>
+      </p:nvGrpSpPr>
+      <p:grpSpPr>
+        <a:xfrm>
+          <a:off x="0" y="0"/>
+          <a:ext cx="0" cy="0"/>
+          <a:chOff x="0" y="0"/>
+          <a:chExt cx="0" cy="0"/>
+        </a:xfrm>
+      </p:grpSpPr>
+      <p:sp>
+        <p:nvSpPr>
+          <p:cNvPr id="138" name="Google Shape;138;p20"/>
+          <p:cNvSpPr txBox="1"/>
+          <p:nvPr>
+            <p:ph type="title"/>
+          </p:nvPr>
+        </p:nvSpPr>
+        <p:spPr>
+          <a:xfrm>
+            <a:off x="311700" y="445025"/>
+            <a:ext cx="8520600" cy="572700"/>
+          </a:xfrm>
+          <a:prstGeom prst="rect">
+            <a:avLst/>
+          </a:prstGeom>
+        </p:spPr>
+        <p:txBody>
+          <a:bodyPr anchorCtr="0" anchor="t" bIns="91425" lIns="91425" spcFirstLastPara="1" rIns="91425" wrap="square" tIns="91425">
+            <a:normAutofit fontScale="90000"/>
+          </a:bodyPr>
+          <a:lstStyle/>
+          <a:p>
+            <a:pPr indent="0" lvl="0" marL="0" rtl="0" algn="l">
+              <a:spcBef>
+                <a:spcPts val="0"/>
+              </a:spcBef>
+              <a:spcAft>
+                <a:spcPts val="0"/>
+              </a:spcAft>
+              <a:buNone/>
+            </a:pPr>
+            <a:r>
+              <a:rPr lang="en"/>
+              <a:t>Architecture</a:t>
+            </a:r>
+            <a:endParaRPr/>
+          </a:p>
+        </p:txBody>
+      </p:sp>
+      <p:pic>
+        <p:nvPicPr>
+          <p:cNvPr id="139" name="Google Shape;139;p20"/>
+          <p:cNvPicPr preferRelativeResize="0"/>
+          <p:nvPr/>
+        </p:nvPicPr>
+        <p:blipFill>
+          <a:blip r:embed="rId3">
+            <a:alphaModFix/>
+          </a:blip>
+          <a:stretch>
+            <a:fillRect/>
+          </a:stretch>
+        </p:blipFill>
+        <p:spPr>
+          <a:xfrm>
+            <a:off x="904638" y="1017725"/>
+            <a:ext cx="7334717" cy="4125776"/>
+          </a:xfrm>
+          <a:prstGeom prst="rect">
+            <a:avLst/>
+          </a:prstGeom>
+          <a:noFill/>
+          <a:ln>
+            <a:noFill/>
+          </a:ln>
+        </p:spPr>
+      </p:pic>
+      <p:sp>
+        <p:nvSpPr>
+          <p:cNvPr id="140" name="Google Shape;140;p20"/>
+          <p:cNvSpPr txBox="1"/>
+          <p:nvPr>
+            <p:ph idx="12" type="sldNum"/>
+          </p:nvPr>
+        </p:nvSpPr>
+        <p:spPr>
+          <a:xfrm>
+            <a:off x="8472458" y="4663217"/>
+            <a:ext cx="548700" cy="393600"/>
+          </a:xfrm>
+          <a:prstGeom prst="rect">
+            <a:avLst/>
+          </a:prstGeom>
+        </p:spPr>
+        <p:txBody>
+          <a:bodyPr anchorCtr="0" anchor="ctr" bIns="91425" lIns="91425" spcFirstLastPara="1" rIns="91425" wrap="square" tIns="91425">
+            <a:normAutofit/>
+          </a:bodyPr>
+          <a:lstStyle/>
+          <a:p>
+            <a:pPr indent="0" lvl="0" marL="0" rtl="0" algn="r">
+              <a:spcBef>
+                <a:spcPts val="0"/>
+              </a:spcBef>
+              <a:spcAft>
+                <a:spcPts val="0"/>
+              </a:spcAft>
+              <a:buNone/>
+            </a:pPr>
+            <a:fld id="{00000000-1234-1234-1234-123412341234}" type="slidenum">
+              <a:rPr lang="en"/>
+              <a:t>‹#›</a:t>
+            </a:fld>
+            <a:endParaRPr/>
+          </a:p>
+        </p:txBody>
+      </p:sp>
+    </p:spTree>
+  </p:cSld>
+  <p:clrMapOvr>
+    <a:masterClrMapping/>
+  </p:clrMapOvr>
+</p:sld>
+</file>
+
+<file path=ppt/slides/slide9.xml><?xml version="1.0" encoding="utf-8"?>
+<p:sld xmlns:a="http://schemas.openxmlformats.org/drawingml/2006/main" xmlns:r="http://schemas.openxmlformats.org/officeDocument/2006/relationships" xmlns:mc="http://schemas.openxmlformats.org/markup-compatibility/2006" xmlns:mv="urn:schemas-microsoft-com:mac:vml" xmlns:p="http://schemas.openxmlformats.org/presentationml/2006/main" xmlns:c="http://schemas.openxmlformats.org/drawingml/2006/chart" xmlns:dgm="http://schemas.openxmlformats.org/drawingml/2006/diagram" xmlns:o="urn:schemas-microsoft-com:office:office" xmlns:v="urn:schemas-microsoft-com:vml" xmlns:pvml="urn:schemas-microsoft-com:office:powerpoint" xmlns:com="http://schemas.openxmlformats.org/drawingml/2006/compatibility" xmlns:p14="http://schemas.microsoft.com/office/powerpoint/2010/main" xmlns:p15="http://schemas.microsoft.com/office/powerpoint/2012/main" xmlns:ahyp="http://schemas.microsoft.com/office/drawing/2018/hyperlinkcolor">
+  <p:cSld>
+    <p:spTree>
+      <p:nvGrpSpPr>
+        <p:cNvPr id="144" name="Shape 144"/>
+        <p:cNvGrpSpPr/>
+        <p:nvPr/>
+      </p:nvGrpSpPr>
+      <p:grpSpPr>
+        <a:xfrm>
+          <a:off x="0" y="0"/>
+          <a:ext cx="0" cy="0"/>
+          <a:chOff x="0" y="0"/>
+          <a:chExt cx="0" cy="0"/>
+        </a:xfrm>
+      </p:grpSpPr>
+      <p:pic>
+        <p:nvPicPr>
+          <p:cNvPr id="145" name="Google Shape;145;p21"/>
+          <p:cNvPicPr preferRelativeResize="0"/>
+          <p:nvPr/>
+        </p:nvPicPr>
+        <p:blipFill>
+          <a:blip r:embed="rId3">
+            <a:alphaModFix/>
+          </a:blip>
+          <a:stretch>
+            <a:fillRect/>
+          </a:stretch>
+        </p:blipFill>
+        <p:spPr>
+          <a:xfrm>
+            <a:off x="0" y="0"/>
+            <a:ext cx="9143999" cy="5143500"/>
+          </a:xfrm>
+          <a:prstGeom prst="rect">
+            <a:avLst/>
+          </a:prstGeom>
+          <a:noFill/>
+          <a:ln>
+            <a:noFill/>
+          </a:ln>
+        </p:spPr>
+      </p:pic>
+      <p:sp>
+        <p:nvSpPr>
+          <p:cNvPr id="146" name="Google Shape;146;p21"/>
+          <p:cNvSpPr txBox="1"/>
+          <p:nvPr>
+            <p:ph type="title"/>
+          </p:nvPr>
+        </p:nvSpPr>
+        <p:spPr>
+          <a:xfrm>
+            <a:off x="3010800" y="1999050"/>
+            <a:ext cx="3122400" cy="572700"/>
+          </a:xfrm>
+          <a:prstGeom prst="rect">
+            <a:avLst/>
+          </a:prstGeom>
+        </p:spPr>
+        <p:txBody>
+          <a:bodyPr anchorCtr="0" anchor="t" bIns="91425" lIns="91425" spcFirstLastPara="1" rIns="91425" wrap="square" tIns="91425">
+            <a:normAutofit fontScale="90000"/>
+          </a:bodyPr>
+          <a:lstStyle/>
+          <a:p>
+            <a:pPr indent="0" lvl="0" marL="0" rtl="0" algn="ctr">
+              <a:spcBef>
+                <a:spcPts val="0"/>
+              </a:spcBef>
+              <a:spcAft>
+                <a:spcPts val="0"/>
+              </a:spcAft>
+              <a:buNone/>
+            </a:pPr>
+            <a:r>
+              <a:rPr b="1" lang="en"/>
+              <a:t>Database Structure</a:t>
+            </a:r>
+            <a:endParaRPr b="1"/>
+          </a:p>
+        </p:txBody>
+      </p:sp>
+      <p:sp>
+        <p:nvSpPr>
+          <p:cNvPr id="147" name="Google Shape;147;p21"/>
+          <p:cNvSpPr txBox="1"/>
+          <p:nvPr>
+            <p:ph idx="12" type="sldNum"/>
+          </p:nvPr>
+        </p:nvSpPr>
+        <p:spPr>
+          <a:xfrm>
+            <a:off x="8472458" y="4663217"/>
+            <a:ext cx="548700" cy="393600"/>
+          </a:xfrm>
+          <a:prstGeom prst="rect">
+            <a:avLst/>
+          </a:prstGeom>
+        </p:spPr>
+        <p:txBody>
+          <a:bodyPr anchorCtr="0" anchor="ctr" bIns="91425" lIns="91425" spcFirstLastPara="1" rIns="91425" wrap="square" tIns="91425">
+            <a:normAutofit/>
+          </a:bodyPr>
+          <a:lstStyle/>
+          <a:p>
+            <a:pPr indent="0" lvl="0" marL="0" rtl="0" algn="r">
+              <a:spcBef>
+                <a:spcPts val="0"/>
+              </a:spcBef>
+              <a:spcAft>
+                <a:spcPts val="0"/>
+              </a:spcAft>
+              <a:buNone/>
+            </a:pPr>
+            <a:fld id="{00000000-1234-1234-1234-123412341234}" type="slidenum">
+              <a:rPr lang="en"/>
+              <a:t>‹#›</a:t>
+            </a:fld>
+            <a:endParaRPr/>
+          </a:p>
+        </p:txBody>
+      </p:sp>
+    </p:spTree>
+  </p:cSld>
+  <p:clrMapOvr>
+    <a:masterClrMapping/>
+  </p:clrMapOvr>
+</p:sld>
+</file>
+
 <file path=ppt/theme/theme1.xml><?xml version="1.0" encoding="utf-8"?>
+<a:theme xmlns:a="http://schemas.openxmlformats.org/drawingml/2006/main" xmlns:r="http://schemas.openxmlformats.org/officeDocument/2006/relationships" name="Simple Light">
+  <a:themeElements>
+    <a:clrScheme name="Simple Light">
+      <a:dk1>
+        <a:srgbClr val="000000"/>
+      </a:dk1>
+      <a:lt1>
+        <a:srgbClr val="FFFFFF"/>
+      </a:lt1>
+      <a:dk2>
+        <a:srgbClr val="595959"/>
+      </a:dk2>
+      <a:lt2>
+        <a:srgbClr val="EEEEEE"/>
+      </a:lt2>
+      <a:accent1>
+        <a:srgbClr val="4285F4"/>
+      </a:accent1>
+      <a:accent2>
+        <a:srgbClr val="212121"/>
+      </a:accent2>
+      <a:accent3>
+        <a:srgbClr val="78909C"/>
+      </a:accent3>
+      <a:accent4>
+        <a:srgbClr val="FFAB40"/>
+      </a:accent4>
+      <a:accent5>
+        <a:srgbClr val="0097A7"/>
+      </a:accent5>
+      <a:accent6>
+        <a:srgbClr val="EEFF41"/>
+      </a:accent6>
+      <a:hlink>
+        <a:srgbClr val="0097A7"/>
+      </a:hlink>
+      <a:folHlink>
+        <a:srgbClr val="0097A7"/>
+      </a:folHlink>
+    </a:clrScheme>
+    <a:fontScheme name="Office">
+      <a:majorFont>
+        <a:latin typeface="Arial"/>
+        <a:ea typeface=""/>
+        <a:cs typeface=""/>
+        <a:font script="Jpan" typeface="ＭＳ Ｐゴシック"/>
+        <a:font script="Hang" typeface="맑은 고딕"/>
+        <a:font script="Hans" typeface="宋体"/>
+        <a:font script="Hant" typeface="新細明體"/>
+        <a:font script="Arab" typeface="Times New Roman"/>
+        <a:font script="Hebr" typeface="Times New Roman"/>
+        <a:font script="Thai" typeface="Angsana New"/>
+        <a:font script="Ethi" typeface="Nyala"/>
+        <a:font script="Beng" typeface="Vrinda"/>
+        <a:font script="Gujr" typeface="Shruti"/>
+        <a:font script="Khmr" typeface="MoolBoran"/>
+        <a:font script="Knda" typeface="Tunga"/>
+        <a:font script="Guru" typeface="Raavi"/>
+        <a:font script="Cans" typeface="Euphemia"/>
+        <a:font script="Cher" typeface="Plantagenet Cherokee"/>
+        <a:font script="Yiii" typeface="Microsoft Yi Baiti"/>
+        <a:font script="Tibt" typeface="Microsoft Himalaya"/>
+        <a:font script="Thaa" typeface="MV Boli"/>
+        <a:font script="Deva" typeface="Mangal"/>
+        <a:font script="Telu" typeface="Gautami"/>
+        <a:font script="Taml" typeface="Latha"/>
+        <a:font script="Syrc" typeface="Estrangelo Edessa"/>
+        <a:font script="Orya" typeface="Kalinga"/>
+        <a:font script="Mlym" typeface="Kartika"/>
+        <a:font script="Laoo" typeface="DokChampa"/>
+        <a:font script="Sinh" typeface="Iskoola Pota"/>
+        <a:font script="Mong" typeface="Mongolian Baiti"/>
+        <a:font script="Viet" typeface="Times New Roman"/>
+        <a:font script="Uigh" typeface="Microsoft Uighur"/>
+        <a:font script="Geor" typeface="Sylfaen"/>
+      </a:majorFont>
+      <a:minorFont>
+        <a:latin typeface="Arial"/>
+        <a:ea typeface=""/>
+        <a:cs typeface=""/>
+        <a:font script="Jpan" typeface="ＭＳ Ｐゴシック"/>
+        <a:font script="Hang" typeface="맑은 고딕"/>
+        <a:font script="Hans" typeface="宋体"/>
+        <a:font script="Hant" typeface="新細明體"/>
+        <a:font script="Arab" typeface="Arial"/>
+        <a:font script="Hebr" typeface="Arial"/>
+        <a:font script="Thai" typeface="Cordia New"/>
+        <a:font script="Ethi" typeface="Nyala"/>
+        <a:font script="Beng" typeface="Vrinda"/>
+        <a:font script="Gujr" typeface="Shruti"/>
+        <a:font script="Khmr" typeface="DaunPenh"/>
+        <a:font script="Knda" typeface="Tunga"/>
+        <a:font script="Guru" typeface="Raavi"/>
+        <a:font script="Cans" typeface="Euphemia"/>
+        <a:font script="Cher" typeface="Plantagenet Cherokee"/>
+        <a:font script="Yiii" typeface="Microsoft Yi Baiti"/>
+        <a:font script="Tibt" typeface="Microsoft Himalaya"/>
+        <a:font script="Thaa" typeface="MV Boli"/>
+        <a:font script="Deva" typeface="Mangal"/>
+        <a:font script="Telu" typeface="Gautami"/>
+        <a:font script="Taml" typeface="Latha"/>
+        <a:font script="Syrc" typeface="Estrangelo Edessa"/>
+        <a:font script="Orya" typeface="Kalinga"/>
+        <a:font script="Mlym" typeface="Kartika"/>
+        <a:font script="Laoo" typeface="DokChampa"/>
+        <a:font script="Sinh" typeface="Iskoola Pota"/>
+        <a:font script="Mong" typeface="Mongolian Baiti"/>
+        <a:font script="Viet" typeface="Arial"/>
+        <a:font script="Uigh" typeface="Microsoft Uighur"/>
+        <a:font script="Geor" typeface="Sylfaen"/>
+      </a:minorFont>
+    </a:fontScheme>
+    <a:fmtScheme name="Office">
+      <a:fillStyleLst>
+        <a:solidFill>
+          <a:schemeClr val="phClr"/>
+        </a:solidFill>
+        <a:gradFill rotWithShape="1">
+          <a:gsLst>
+            <a:gs pos="0">
+              <a:schemeClr val="phClr">
+                <a:tint val="50000"/>
+                <a:satMod val="300000"/>
+              </a:schemeClr>
+            </a:gs>
+            <a:gs pos="35000">
+              <a:schemeClr val="phClr">
+                <a:tint val="37000"/>
+                <a:satMod val="300000"/>
+              </a:schemeClr>
+            </a:gs>
+            <a:gs pos="100000">
+              <a:schemeClr val="phClr">
+                <a:tint val="15000"/>
+                <a:satMod val="350000"/>
+              </a:schemeClr>
+            </a:gs>
+          </a:gsLst>
+          <a:lin ang="16200000" scaled="1"/>
+        </a:gradFill>
+        <a:gradFill rotWithShape="1">
+          <a:gsLst>
+            <a:gs pos="0">
+              <a:schemeClr val="phClr">
+                <a:tint val="100000"/>
+                <a:shade val="100000"/>
+                <a:satMod val="130000"/>
+              </a:schemeClr>
+            </a:gs>
+            <a:gs pos="100000">
+              <a:schemeClr val="phClr">
+                <a:tint val="50000"/>
+                <a:shade val="100000"/>
+                <a:satMod val="350000"/>
+              </a:schemeClr>
+            </a:gs>
+          </a:gsLst>
+          <a:lin ang="16200000" scaled="0"/>
+        </a:gradFill>
+      </a:fillStyleLst>
+      <a:lnStyleLst>
+        <a:ln w="9525" cap="flat" cmpd="sng" algn="ctr">
+          <a:solidFill>
+            <a:schemeClr val="phClr">
+              <a:shade val="95000"/>
+              <a:satMod val="105000"/>
+            </a:schemeClr>
+          </a:solidFill>
+          <a:prstDash val="solid"/>
+        </a:ln>
+        <a:ln w="25400" cap="flat" cmpd="sng" algn="ctr">
+          <a:solidFill>
+            <a:schemeClr val="phClr"/>
+          </a:solidFill>
+          <a:prstDash val="solid"/>
+        </a:ln>
+        <a:ln w="38100" cap="flat" cmpd="sng" algn="ctr">
+          <a:solidFill>
+            <a:schemeClr val="phClr"/>
+          </a:solidFill>
+          <a:prstDash val="solid"/>
+        </a:ln>
+      </a:lnStyleLst>
+      <a:effectStyleLst>
+        <a:effectStyle>
+          <a:effectLst>
+            <a:outerShdw blurRad="40000" dist="20000" dir="5400000" rotWithShape="0">
+              <a:srgbClr val="000000">
+                <a:alpha val="38000"/>
+              </a:srgbClr>
+            </a:outerShdw>
+          </a:effectLst>
+        </a:effectStyle>
+        <a:effectStyle>
+          <a:effectLst>
+            <a:outerShdw blurRad="40000" dist="23000" dir="5400000" rotWithShape="0">
+              <a:srgbClr val="000000">
+                <a:alpha val="35000"/>
+              </a:srgbClr>
+            </a:outerShdw>
+          </a:effectLst>
+        </a:effectStyle>
+        <a:effectStyle>
+          <a:effectLst>
+            <a:outerShdw blurRad="40000" dist="23000" dir="5400000" rotWithShape="0">
+              <a:srgbClr val="000000">
+                <a:alpha val="35000"/>
+              </a:srgbClr>
+            </a:outerShdw>
+          </a:effectLst>
+          <a:scene3d>
+            <a:camera prst="orthographicFront">
+              <a:rot lat="0" lon="0" rev="0"/>
+            </a:camera>
+            <a:lightRig rig="threePt" dir="t">
+              <a:rot lat="0" lon="0" rev="1200000"/>
+            </a:lightRig>
+          </a:scene3d>
+          <a:sp3d>
+            <a:bevelT w="63500" h="25400"/>
+          </a:sp3d>
+        </a:effectStyle>
+      </a:effectStyleLst>
+      <a:bgFillStyleLst>
+        <a:solidFill>
+          <a:schemeClr val="phClr"/>
+        </a:solidFill>
+        <a:gradFill rotWithShape="1">
+          <a:gsLst>
+            <a:gs pos="0">
+              <a:schemeClr val="phClr">
+                <a:tint val="40000"/>
+                <a:satMod val="350000"/>
+              </a:schemeClr>
+            </a:gs>
+            <a:gs pos="40000">
+              <a:schemeClr val="phClr">
+                <a:tint val="45000"/>
+                <a:shade val="99000"/>
+                <a:satMod val="350000"/>
+              </a:schemeClr>
+            </a:gs>
+            <a:gs pos="100000">
+              <a:schemeClr val="phClr">
+                <a:shade val="20000"/>
+                <a:satMod val="255000"/>
+              </a:schemeClr>
+            </a:gs>
+          </a:gsLst>
+          <a:path path="circle">
+            <a:fillToRect l="50000" t="-80000" r="50000" b="180000"/>
+          </a:path>
+        </a:gradFill>
+        <a:gradFill rotWithShape="1">
+          <a:gsLst>
+            <a:gs pos="0">
+              <a:schemeClr val="phClr">
+                <a:tint val="80000"/>
+                <a:satMod val="300000"/>
+              </a:schemeClr>
+            </a:gs>
+            <a:gs pos="100000">
+              <a:schemeClr val="phClr">
+                <a:shade val="30000"/>
+                <a:satMod val="200000"/>
+              </a:schemeClr>
+            </a:gs>
+          </a:gsLst>
+          <a:path path="circle">
+            <a:fillToRect l="50000" t="50000" r="50000" b="50000"/>
+          </a:path>
+        </a:gradFill>
+      </a:bgFillStyleLst>
+    </a:fmtScheme>
+  </a:themeElements>
+</a:theme>
+</file>
+
+<file path=ppt/theme/theme2.xml><?xml version="1.0" encoding="utf-8"?>
 <a:theme xmlns:a="http://schemas.openxmlformats.org/drawingml/2006/main" xmlns:r="http://schemas.openxmlformats.org/officeDocument/2006/relationships">
   <a:themeElements>
     <a:clrScheme name="Default">
@@ -16353,283 +15888,4 @@
     </a:fmtScheme>
   </a:themeElements>
 </a:theme>
-</file>
-
-<file path=ppt/theme/theme2.xml><?xml version="1.0" encoding="utf-8"?>
-<a:theme xmlns:a="http://schemas.openxmlformats.org/drawingml/2006/main" xmlns:r="http://schemas.openxmlformats.org/officeDocument/2006/relationships" name="Simple Light">
-  <a:themeElements>
-    <a:clrScheme name="Simple Light">
-      <a:dk1>
-        <a:srgbClr val="000000"/>
-      </a:dk1>
-      <a:lt1>
-        <a:srgbClr val="FFFFFF"/>
-      </a:lt1>
-      <a:dk2>
-        <a:srgbClr val="595959"/>
-      </a:dk2>
-      <a:lt2>
-        <a:srgbClr val="EEEEEE"/>
-      </a:lt2>
-      <a:accent1>
-        <a:srgbClr val="4285F4"/>
-      </a:accent1>
-      <a:accent2>
-        <a:srgbClr val="212121"/>
-      </a:accent2>
-      <a:accent3>
-        <a:srgbClr val="78909C"/>
-      </a:accent3>
-      <a:accent4>
-        <a:srgbClr val="FFAB40"/>
-      </a:accent4>
-      <a:accent5>
-        <a:srgbClr val="0097A7"/>
-      </a:accent5>
-      <a:accent6>
-        <a:srgbClr val="EEFF41"/>
-      </a:accent6>
-      <a:hlink>
-        <a:srgbClr val="0097A7"/>
-      </a:hlink>
-      <a:folHlink>
-        <a:srgbClr val="0097A7"/>
-      </a:folHlink>
-    </a:clrScheme>
-    <a:fontScheme name="Office">
-      <a:majorFont>
-        <a:latin typeface="Arial"/>
-        <a:ea typeface=""/>
-        <a:cs typeface=""/>
-        <a:font script="Jpan" typeface="ＭＳ Ｐゴシック"/>
-        <a:font script="Hang" typeface="맑은 고딕"/>
-        <a:font script="Hans" typeface="宋体"/>
-        <a:font script="Hant" typeface="新細明體"/>
-        <a:font script="Arab" typeface="Times New Roman"/>
-        <a:font script="Hebr" typeface="Times New Roman"/>
-        <a:font script="Thai" typeface="Angsana New"/>
-        <a:font script="Ethi" typeface="Nyala"/>
-        <a:font script="Beng" typeface="Vrinda"/>
-        <a:font script="Gujr" typeface="Shruti"/>
-        <a:font script="Khmr" typeface="MoolBoran"/>
-        <a:font script="Knda" typeface="Tunga"/>
-        <a:font script="Guru" typeface="Raavi"/>
-        <a:font script="Cans" typeface="Euphemia"/>
-        <a:font script="Cher" typeface="Plantagenet Cherokee"/>
-        <a:font script="Yiii" typeface="Microsoft Yi Baiti"/>
-        <a:font script="Tibt" typeface="Microsoft Himalaya"/>
-        <a:font script="Thaa" typeface="MV Boli"/>
-        <a:font script="Deva" typeface="Mangal"/>
-        <a:font script="Telu" typeface="Gautami"/>
-        <a:font script="Taml" typeface="Latha"/>
-        <a:font script="Syrc" typeface="Estrangelo Edessa"/>
-        <a:font script="Orya" typeface="Kalinga"/>
-        <a:font script="Mlym" typeface="Kartika"/>
-        <a:font script="Laoo" typeface="DokChampa"/>
-        <a:font script="Sinh" typeface="Iskoola Pota"/>
-        <a:font script="Mong" typeface="Mongolian Baiti"/>
-        <a:font script="Viet" typeface="Times New Roman"/>
-        <a:font script="Uigh" typeface="Microsoft Uighur"/>
-        <a:font script="Geor" typeface="Sylfaen"/>
-      </a:majorFont>
-      <a:minorFont>
-        <a:latin typeface="Arial"/>
-        <a:ea typeface=""/>
-        <a:cs typeface=""/>
-        <a:font script="Jpan" typeface="ＭＳ Ｐゴシック"/>
-        <a:font script="Hang" typeface="맑은 고딕"/>
-        <a:font script="Hans" typeface="宋体"/>
-        <a:font script="Hant" typeface="新細明體"/>
-        <a:font script="Arab" typeface="Arial"/>
-        <a:font script="Hebr" typeface="Arial"/>
-        <a:font script="Thai" typeface="Cordia New"/>
-        <a:font script="Ethi" typeface="Nyala"/>
-        <a:font script="Beng" typeface="Vrinda"/>
-        <a:font script="Gujr" typeface="Shruti"/>
-        <a:font script="Khmr" typeface="DaunPenh"/>
-        <a:font script="Knda" typeface="Tunga"/>
-        <a:font script="Guru" typeface="Raavi"/>
-        <a:font script="Cans" typeface="Euphemia"/>
-        <a:font script="Cher" typeface="Plantagenet Cherokee"/>
-        <a:font script="Yiii" typeface="Microsoft Yi Baiti"/>
-        <a:font script="Tibt" typeface="Microsoft Himalaya"/>
-        <a:font script="Thaa" typeface="MV Boli"/>
-        <a:font script="Deva" typeface="Mangal"/>
-        <a:font script="Telu" typeface="Gautami"/>
-        <a:font script="Taml" typeface="Latha"/>
-        <a:font script="Syrc" typeface="Estrangelo Edessa"/>
-        <a:font script="Orya" typeface="Kalinga"/>
-        <a:font script="Mlym" typeface="Kartika"/>
-        <a:font script="Laoo" typeface="DokChampa"/>
-        <a:font script="Sinh" typeface="Iskoola Pota"/>
-        <a:font script="Mong" typeface="Mongolian Baiti"/>
-        <a:font script="Viet" typeface="Arial"/>
-        <a:font script="Uigh" typeface="Microsoft Uighur"/>
-        <a:font script="Geor" typeface="Sylfaen"/>
-      </a:minorFont>
-    </a:fontScheme>
-    <a:fmtScheme name="Office">
-      <a:fillStyleLst>
-        <a:solidFill>
-          <a:schemeClr val="phClr"/>
-        </a:solidFill>
-        <a:gradFill rotWithShape="1">
-          <a:gsLst>
-            <a:gs pos="0">
-              <a:schemeClr val="phClr">
-                <a:tint val="50000"/>
-                <a:satMod val="300000"/>
-              </a:schemeClr>
-            </a:gs>
-            <a:gs pos="35000">
-              <a:schemeClr val="phClr">
-                <a:tint val="37000"/>
-                <a:satMod val="300000"/>
-              </a:schemeClr>
-            </a:gs>
-            <a:gs pos="100000">
-              <a:schemeClr val="phClr">
-                <a:tint val="15000"/>
-                <a:satMod val="350000"/>
-              </a:schemeClr>
-            </a:gs>
-          </a:gsLst>
-          <a:lin ang="16200000" scaled="1"/>
-        </a:gradFill>
-        <a:gradFill rotWithShape="1">
-          <a:gsLst>
-            <a:gs pos="0">
-              <a:schemeClr val="phClr">
-                <a:tint val="100000"/>
-                <a:shade val="100000"/>
-                <a:satMod val="130000"/>
-              </a:schemeClr>
-            </a:gs>
-            <a:gs pos="100000">
-              <a:schemeClr val="phClr">
-                <a:tint val="50000"/>
-                <a:shade val="100000"/>
-                <a:satMod val="350000"/>
-              </a:schemeClr>
-            </a:gs>
-          </a:gsLst>
-          <a:lin ang="16200000" scaled="0"/>
-        </a:gradFill>
-      </a:fillStyleLst>
-      <a:lnStyleLst>
-        <a:ln w="9525" cap="flat" cmpd="sng" algn="ctr">
-          <a:solidFill>
-            <a:schemeClr val="phClr">
-              <a:shade val="95000"/>
-              <a:satMod val="105000"/>
-            </a:schemeClr>
-          </a:solidFill>
-          <a:prstDash val="solid"/>
-        </a:ln>
-        <a:ln w="25400" cap="flat" cmpd="sng" algn="ctr">
-          <a:solidFill>
-            <a:schemeClr val="phClr"/>
-          </a:solidFill>
-          <a:prstDash val="solid"/>
-        </a:ln>
-        <a:ln w="38100" cap="flat" cmpd="sng" algn="ctr">
-          <a:solidFill>
-            <a:schemeClr val="phClr"/>
-          </a:solidFill>
-          <a:prstDash val="solid"/>
-        </a:ln>
-      </a:lnStyleLst>
-      <a:effectStyleLst>
-        <a:effectStyle>
-          <a:effectLst>
-            <a:outerShdw blurRad="40000" dist="20000" dir="5400000" rotWithShape="0">
-              <a:srgbClr val="000000">
-                <a:alpha val="38000"/>
-              </a:srgbClr>
-            </a:outerShdw>
-          </a:effectLst>
-        </a:effectStyle>
-        <a:effectStyle>
-          <a:effectLst>
-            <a:outerShdw blurRad="40000" dist="23000" dir="5400000" rotWithShape="0">
-              <a:srgbClr val="000000">
-                <a:alpha val="35000"/>
-              </a:srgbClr>
-            </a:outerShdw>
-          </a:effectLst>
-        </a:effectStyle>
-        <a:effectStyle>
-          <a:effectLst>
-            <a:outerShdw blurRad="40000" dist="23000" dir="5400000" rotWithShape="0">
-              <a:srgbClr val="000000">
-                <a:alpha val="35000"/>
-              </a:srgbClr>
-            </a:outerShdw>
-          </a:effectLst>
-          <a:scene3d>
-            <a:camera prst="orthographicFront">
-              <a:rot lat="0" lon="0" rev="0"/>
-            </a:camera>
-            <a:lightRig rig="threePt" dir="t">
-              <a:rot lat="0" lon="0" rev="1200000"/>
-            </a:lightRig>
-          </a:scene3d>
-          <a:sp3d>
-            <a:bevelT w="63500" h="25400"/>
-          </a:sp3d>
-        </a:effectStyle>
-      </a:effectStyleLst>
-      <a:bgFillStyleLst>
-        <a:solidFill>
-          <a:schemeClr val="phClr"/>
-        </a:solidFill>
-        <a:gradFill rotWithShape="1">
-          <a:gsLst>
-            <a:gs pos="0">
-              <a:schemeClr val="phClr">
-                <a:tint val="40000"/>
-                <a:satMod val="350000"/>
-              </a:schemeClr>
-            </a:gs>
-            <a:gs pos="40000">
-              <a:schemeClr val="phClr">
-                <a:tint val="45000"/>
-                <a:shade val="99000"/>
-                <a:satMod val="350000"/>
-              </a:schemeClr>
-            </a:gs>
-            <a:gs pos="100000">
-              <a:schemeClr val="phClr">
-                <a:shade val="20000"/>
-                <a:satMod val="255000"/>
-              </a:schemeClr>
-            </a:gs>
-          </a:gsLst>
-          <a:path path="circle">
-            <a:fillToRect l="50000" t="-80000" r="50000" b="180000"/>
-          </a:path>
-        </a:gradFill>
-        <a:gradFill rotWithShape="1">
-          <a:gsLst>
-            <a:gs pos="0">
-              <a:schemeClr val="phClr">
-                <a:tint val="80000"/>
-                <a:satMod val="300000"/>
-              </a:schemeClr>
-            </a:gs>
-            <a:gs pos="100000">
-              <a:schemeClr val="phClr">
-                <a:shade val="30000"/>
-                <a:satMod val="200000"/>
-              </a:schemeClr>
-            </a:gs>
-          </a:gsLst>
-          <a:path path="circle">
-            <a:fillToRect l="50000" t="50000" r="50000" b="50000"/>
-          </a:path>
-        </a:gradFill>
-      </a:bgFillStyleLst>
-    </a:fmtScheme>
-  </a:themeElements>
-</a:theme>
 </file>